--- a/src/main/resources/Guide/스프링부트로 재고관리 프로그램 제작하기.pptx
+++ b/src/main/resources/Guide/스프링부트로 재고관리 프로그램 제작하기.pptx
@@ -6840,7 +6840,7 @@
           <a:p>
             <a:r>
               <a:rPr lang="en-US" altLang="ko-KR" dirty="0"/>
-              <a:t>(Post) /</a:t>
+              <a:t>(Get) /</a:t>
             </a:r>
             <a:r>
               <a:rPr lang="en-US" altLang="ko-KR" dirty="0" err="1"/>
@@ -6848,7 +6848,11 @@
             </a:r>
             <a:r>
               <a:rPr lang="en-US" altLang="ko-KR" dirty="0"/>
-              <a:t> : </a:t>
+              <a:t>/{id} : </a:t>
+            </a:r>
+            <a:r>
+              <a:rPr lang="ko-KR" altLang="en-US" dirty="0"/>
+              <a:t>해당 </a:t>
             </a:r>
             <a:r>
               <a:rPr lang="en-US" altLang="ko-KR" dirty="0" err="1"/>
@@ -6856,6 +6860,32 @@
             </a:r>
             <a:r>
               <a:rPr lang="ko-KR" altLang="en-US" dirty="0"/>
+              <a:t>을 상세계층을 반환합니다</a:t>
+            </a:r>
+            <a:r>
+              <a:rPr lang="en-US" altLang="ko-KR" dirty="0"/>
+              <a:t>.</a:t>
+            </a:r>
+          </a:p>
+          <a:p>
+            <a:r>
+              <a:rPr lang="en-US" altLang="ko-KR" dirty="0"/>
+              <a:t>(Post) /</a:t>
+            </a:r>
+            <a:r>
+              <a:rPr lang="en-US" altLang="ko-KR" dirty="0" err="1"/>
+              <a:t>bom</a:t>
+            </a:r>
+            <a:r>
+              <a:rPr lang="en-US" altLang="ko-KR" dirty="0"/>
+              <a:t> : </a:t>
+            </a:r>
+            <a:r>
+              <a:rPr lang="en-US" altLang="ko-KR" dirty="0" err="1"/>
+              <a:t>bom</a:t>
+            </a:r>
+            <a:r>
+              <a:rPr lang="ko-KR" altLang="en-US" dirty="0"/>
               <a:t>을 추가합니다</a:t>
             </a:r>
             <a:r>
@@ -6878,7 +6908,7 @@
           <a:p>
             <a:r>
               <a:rPr lang="en-US" altLang="ko-KR" dirty="0"/>
-              <a:t>(Put)  /</a:t>
+              <a:t>(Delete) /</a:t>
             </a:r>
             <a:r>
               <a:rPr lang="en-US" altLang="ko-KR" dirty="0" err="1"/>
@@ -6886,73 +6916,31 @@
             </a:r>
             <a:r>
               <a:rPr lang="en-US" altLang="ko-KR" dirty="0"/>
-              <a:t> : </a:t>
-            </a:r>
-            <a:r>
-              <a:rPr lang="ko-KR" altLang="en-US" dirty="0"/>
-              <a:t>부모의 </a:t>
-            </a:r>
-            <a:r>
-              <a:rPr lang="en-US" altLang="ko-KR" dirty="0"/>
-              <a:t>id</a:t>
-            </a:r>
-            <a:r>
-              <a:rPr lang="ko-KR" altLang="en-US" dirty="0"/>
-              <a:t>의 자식 </a:t>
-            </a:r>
-            <a:r>
-              <a:rPr lang="en-US" altLang="ko-KR" dirty="0"/>
-              <a:t>id</a:t>
-            </a:r>
-            <a:r>
-              <a:rPr lang="ko-KR" altLang="en-US" dirty="0"/>
-              <a:t>를 요청한 값으로 변경합니다</a:t>
-            </a:r>
-            <a:r>
-              <a:rPr lang="en-US" altLang="ko-KR" dirty="0"/>
-              <a:t>. (</a:t>
-            </a:r>
-            <a:r>
-              <a:rPr lang="ko-KR" altLang="en-US" dirty="0" err="1"/>
-              <a:t>순환참조</a:t>
-            </a:r>
-            <a:r>
-              <a:rPr lang="ko-KR" altLang="en-US" dirty="0"/>
-              <a:t> 체크 필수</a:t>
-            </a:r>
-            <a:r>
-              <a:rPr lang="en-US" altLang="ko-KR" dirty="0"/>
-              <a:t>!)</a:t>
-            </a:r>
-          </a:p>
-          <a:p>
-            <a:r>
-              <a:rPr lang="en-US" altLang="ko-KR" dirty="0"/>
-              <a:t>(Delete) /</a:t>
+              <a:t>/{id} : </a:t>
+            </a:r>
+            <a:r>
+              <a:rPr lang="ko-KR" altLang="en-US" dirty="0"/>
+              <a:t>요청한 </a:t>
             </a:r>
             <a:r>
               <a:rPr lang="en-US" altLang="ko-KR" dirty="0" err="1"/>
               <a:t>bom</a:t>
             </a:r>
             <a:r>
-              <a:rPr lang="en-US" altLang="ko-KR" dirty="0"/>
-              <a:t> : </a:t>
-            </a:r>
-            <a:r>
-              <a:rPr lang="ko-KR" altLang="en-US" dirty="0"/>
-              <a:t>요청한 </a:t>
-            </a:r>
-            <a:r>
-              <a:rPr lang="en-US" altLang="ko-KR" dirty="0" err="1"/>
-              <a:t>bom</a:t>
-            </a:r>
-            <a:r>
               <a:rPr lang="ko-KR" altLang="en-US" dirty="0"/>
               <a:t>을 삭제합니다</a:t>
             </a:r>
             <a:r>
               <a:rPr lang="en-US" altLang="ko-KR" dirty="0"/>
-              <a:t>.</a:t>
+              <a:t>.(</a:t>
+            </a:r>
+            <a:r>
+              <a:rPr lang="ko-KR" altLang="en-US" dirty="0"/>
+              <a:t>요청 기준을 지정 해야 함</a:t>
+            </a:r>
+            <a:r>
+              <a:rPr lang="en-US" altLang="ko-KR" dirty="0"/>
+              <a:t>!!)</a:t>
             </a:r>
           </a:p>
         </p:txBody>
@@ -7067,23 +7055,15 @@
             </a:r>
             <a:r>
               <a:rPr lang="ko-KR" altLang="en-US" dirty="0"/>
-              <a:t>부모</a:t>
-            </a:r>
-            <a:r>
-              <a:rPr lang="en-US" altLang="ko-KR" dirty="0"/>
-              <a:t> </a:t>
-            </a:r>
-            <a:r>
-              <a:rPr lang="ko-KR" altLang="en-US" dirty="0"/>
-              <a:t>품목 </a:t>
-            </a:r>
-            <a:r>
-              <a:rPr lang="en-US" altLang="ko-KR" dirty="0"/>
-              <a:t>ID == </a:t>
-            </a:r>
-            <a:r>
-              <a:rPr lang="ko-KR" altLang="en-US" dirty="0"/>
-              <a:t>자식 품목 </a:t>
+              <a:t>자식 품목</a:t>
+            </a:r>
+            <a:r>
+              <a:rPr lang="en-US" altLang="ko-KR" dirty="0"/>
+              <a:t>ID not in </a:t>
+            </a:r>
+            <a:r>
+              <a:rPr lang="ko-KR" altLang="en-US" dirty="0"/>
+              <a:t>부모 품목 </a:t>
             </a:r>
             <a:r>
               <a:rPr lang="en-US" altLang="ko-KR" dirty="0"/>
@@ -7198,7 +7178,7 @@
             </a:r>
             <a:r>
               <a:rPr lang="ko-KR" altLang="en-US" dirty="0"/>
-              <a:t>의 수정이 일어나게 되면</a:t>
+              <a:t>이 추가되면</a:t>
             </a:r>
             <a:r>
               <a:rPr lang="en-US" altLang="ko-KR" dirty="0"/>

--- a/src/main/resources/Guide/스프링부트로 재고관리 프로그램 제작하기.pptx
+++ b/src/main/resources/Guide/스프링부트로 재고관리 프로그램 제작하기.pptx
@@ -224,7 +224,7 @@
           <a:effectLst/>
           <a:extLst>
             <a:ext uri="{91240B29-F687-4f45-9708-019B960494DF}">
-              <a14:hiddenLine xmlns="" xmlns:a14="http://schemas.microsoft.com/office/drawing/2010/main" w="9525">
+              <a14:hiddenLine xmlns:a14="http://schemas.microsoft.com/office/drawing/2010/main" xmlns="" w="9525">
                 <a:solidFill>
                   <a:srgbClr val="000000"/>
                 </a:solidFill>
@@ -1746,7 +1746,7 @@
           <a:ln/>
           <a:extLst>
             <a:ext uri="{91240B29-F687-4f45-9708-019B960494DF}">
-              <a14:hiddenLine xmlns="" xmlns:a14="http://schemas.microsoft.com/office/drawing/2010/main" w="9525">
+              <a14:hiddenLine xmlns:a14="http://schemas.microsoft.com/office/drawing/2010/main" xmlns="" w="9525">
                 <a:solidFill>
                   <a:srgbClr val="000000"/>
                 </a:solidFill>
@@ -2021,7 +2021,7 @@
           <a:ln/>
           <a:extLst>
             <a:ext uri="{91240B29-F687-4f45-9708-019B960494DF}">
-              <a14:hiddenLine xmlns="" xmlns:a14="http://schemas.microsoft.com/office/drawing/2010/main" w="9525">
+              <a14:hiddenLine xmlns:a14="http://schemas.microsoft.com/office/drawing/2010/main" xmlns="" w="9525">
                 <a:solidFill>
                   <a:srgbClr val="000000"/>
                 </a:solidFill>
@@ -2304,7 +2304,7 @@
           <a:ln/>
           <a:extLst>
             <a:ext uri="{91240B29-F687-4f45-9708-019B960494DF}">
-              <a14:hiddenLine xmlns="" xmlns:a14="http://schemas.microsoft.com/office/drawing/2010/main" w="9525">
+              <a14:hiddenLine xmlns:a14="http://schemas.microsoft.com/office/drawing/2010/main" xmlns="" w="9525">
                 <a:solidFill>
                   <a:srgbClr val="000000"/>
                 </a:solidFill>
@@ -2930,7 +2930,7 @@
           <a:ln/>
           <a:extLst>
             <a:ext uri="{91240B29-F687-4f45-9708-019B960494DF}">
-              <a14:hiddenLine xmlns="" xmlns:a14="http://schemas.microsoft.com/office/drawing/2010/main" w="9525">
+              <a14:hiddenLine xmlns:a14="http://schemas.microsoft.com/office/drawing/2010/main" xmlns="" w="9525">
                 <a:solidFill>
                   <a:srgbClr val="000000"/>
                 </a:solidFill>
@@ -3269,7 +3269,7 @@
           <a:ln/>
           <a:extLst>
             <a:ext uri="{91240B29-F687-4f45-9708-019B960494DF}">
-              <a14:hiddenLine xmlns="" xmlns:a14="http://schemas.microsoft.com/office/drawing/2010/main" w="9525">
+              <a14:hiddenLine xmlns:a14="http://schemas.microsoft.com/office/drawing/2010/main" xmlns="" w="9525">
                 <a:solidFill>
                   <a:srgbClr val="000000"/>
                 </a:solidFill>
@@ -3746,7 +3746,7 @@
           <a:ln/>
           <a:extLst>
             <a:ext uri="{91240B29-F687-4f45-9708-019B960494DF}">
-              <a14:hiddenLine xmlns="" xmlns:a14="http://schemas.microsoft.com/office/drawing/2010/main" w="9525">
+              <a14:hiddenLine xmlns:a14="http://schemas.microsoft.com/office/drawing/2010/main" xmlns="" w="9525">
                 <a:solidFill>
                   <a:srgbClr val="000000"/>
                 </a:solidFill>
@@ -4175,7 +4175,7 @@
           <a:ln/>
           <a:extLst>
             <a:ext uri="{91240B29-F687-4f45-9708-019B960494DF}">
-              <a14:hiddenLine xmlns="" xmlns:a14="http://schemas.microsoft.com/office/drawing/2010/main" w="9525">
+              <a14:hiddenLine xmlns:a14="http://schemas.microsoft.com/office/drawing/2010/main" xmlns="" w="9525">
                 <a:solidFill>
                   <a:srgbClr val="000000"/>
                 </a:solidFill>
@@ -6908,39 +6908,73 @@
           <a:p>
             <a:r>
               <a:rPr lang="en-US" altLang="ko-KR" dirty="0"/>
-              <a:t>(Delete) /</a:t>
+              <a:t>(Delete) /node/{bid}</a:t>
+            </a:r>
+            <a:r>
+              <a:rPr lang="ko-KR" altLang="en-US" dirty="0"/>
+              <a:t> </a:t>
+            </a:r>
+            <a:r>
+              <a:rPr lang="en-US" altLang="ko-KR" dirty="0"/>
+              <a:t>: bid</a:t>
+            </a:r>
+            <a:r>
+              <a:rPr lang="ko-KR" altLang="en-US" dirty="0"/>
+              <a:t>에 해당되는 </a:t>
+            </a:r>
+            <a:r>
+              <a:rPr lang="en-US" altLang="ko-KR" dirty="0"/>
+              <a:t>BOM node</a:t>
+            </a:r>
+            <a:r>
+              <a:rPr lang="ko-KR" altLang="en-US" dirty="0"/>
+              <a:t>를 제거합니다</a:t>
+            </a:r>
+            <a:r>
+              <a:rPr lang="en-US" altLang="ko-KR" dirty="0"/>
+              <a:t>.</a:t>
+            </a:r>
+          </a:p>
+          <a:p>
+            <a:r>
+              <a:rPr lang="en-US" altLang="ko-KR" dirty="0"/>
+              <a:t>(Delete) /tree/{</a:t>
             </a:r>
             <a:r>
               <a:rPr lang="en-US" altLang="ko-KR" dirty="0" err="1"/>
-              <a:t>bom</a:t>
-            </a:r>
-            <a:r>
-              <a:rPr lang="en-US" altLang="ko-KR" dirty="0"/>
-              <a:t>/{id} : </a:t>
-            </a:r>
-            <a:r>
-              <a:rPr lang="ko-KR" altLang="en-US" dirty="0"/>
-              <a:t>요청한 </a:t>
+              <a:t>pid</a:t>
+            </a:r>
+            <a:r>
+              <a:rPr lang="en-US" altLang="ko-KR" dirty="0"/>
+              <a:t>} : </a:t>
             </a:r>
             <a:r>
               <a:rPr lang="en-US" altLang="ko-KR" dirty="0" err="1"/>
-              <a:t>bom</a:t>
-            </a:r>
-            <a:r>
-              <a:rPr lang="ko-KR" altLang="en-US" dirty="0"/>
-              <a:t>을 삭제합니다</a:t>
-            </a:r>
-            <a:r>
-              <a:rPr lang="en-US" altLang="ko-KR" dirty="0"/>
-              <a:t>.(</a:t>
-            </a:r>
-            <a:r>
-              <a:rPr lang="ko-KR" altLang="en-US" dirty="0"/>
-              <a:t>요청 기준을 지정 해야 함</a:t>
-            </a:r>
-            <a:r>
-              <a:rPr lang="en-US" altLang="ko-KR" dirty="0"/>
-              <a:t>!!)</a:t>
+              <a:t>pid</a:t>
+            </a:r>
+            <a:r>
+              <a:rPr lang="ko-KR" altLang="en-US" dirty="0"/>
+              <a:t>와 연관된 모든 </a:t>
+            </a:r>
+            <a:r>
+              <a:rPr lang="en-US" altLang="ko-KR" dirty="0"/>
+              <a:t>Tree</a:t>
+            </a:r>
+            <a:r>
+              <a:rPr lang="ko-KR" altLang="en-US" dirty="0"/>
+              <a:t>를 제거합니다</a:t>
+            </a:r>
+            <a:r>
+              <a:rPr lang="en-US" altLang="ko-KR" dirty="0"/>
+              <a:t>. (BOM</a:t>
+            </a:r>
+            <a:r>
+              <a:rPr lang="ko-KR" altLang="en-US" dirty="0"/>
+              <a:t>자체를 제거할 때 사용</a:t>
+            </a:r>
+            <a:r>
+              <a:rPr lang="en-US" altLang="ko-KR" dirty="0"/>
+              <a:t>)</a:t>
             </a:r>
           </a:p>
         </p:txBody>

--- a/src/main/resources/Guide/스프링부트로 재고관리 프로그램 제작하기.pptx
+++ b/src/main/resources/Guide/스프링부트로 재고관리 프로그램 제작하기.pptx
@@ -16,13 +16,14 @@
     <p:sldId id="271" r:id="rId10"/>
     <p:sldId id="264" r:id="rId11"/>
     <p:sldId id="265" r:id="rId12"/>
-    <p:sldId id="266" r:id="rId13"/>
-    <p:sldId id="267" r:id="rId14"/>
-    <p:sldId id="268" r:id="rId15"/>
-    <p:sldId id="272" r:id="rId16"/>
-    <p:sldId id="269" r:id="rId17"/>
-    <p:sldId id="273" r:id="rId18"/>
-    <p:sldId id="274" r:id="rId19"/>
+    <p:sldId id="275" r:id="rId13"/>
+    <p:sldId id="266" r:id="rId14"/>
+    <p:sldId id="267" r:id="rId15"/>
+    <p:sldId id="268" r:id="rId16"/>
+    <p:sldId id="272" r:id="rId17"/>
+    <p:sldId id="269" r:id="rId18"/>
+    <p:sldId id="273" r:id="rId19"/>
+    <p:sldId id="274" r:id="rId20"/>
   </p:sldIdLst>
   <p:sldSz cx="12192000" cy="6858000"/>
   <p:notesSz cx="6858000" cy="9144000"/>
@@ -416,7 +417,7 @@
           <a:p>
             <a:fld id="{0BF39805-75F6-4925-84E0-FBE038415466}" type="datetimeFigureOut">
               <a:rPr lang="ko-KR" altLang="en-US" smtClean="0"/>
-              <a:t>2023-05-31</a:t>
+              <a:t>2023-06-01</a:t>
             </a:fld>
             <a:endParaRPr lang="ko-KR" altLang="en-US"/>
           </a:p>
@@ -734,7 +735,7 @@
           <a:p>
             <a:fld id="{0BF39805-75F6-4925-84E0-FBE038415466}" type="datetimeFigureOut">
               <a:rPr lang="ko-KR" altLang="en-US" smtClean="0"/>
-              <a:t>2023-05-31</a:t>
+              <a:t>2023-06-01</a:t>
             </a:fld>
             <a:endParaRPr lang="ko-KR" altLang="en-US"/>
           </a:p>
@@ -1222,7 +1223,7 @@
           <a:p>
             <a:fld id="{0BF39805-75F6-4925-84E0-FBE038415466}" type="datetimeFigureOut">
               <a:rPr lang="ko-KR" altLang="en-US" smtClean="0"/>
-              <a:t>2023-05-31</a:t>
+              <a:t>2023-06-01</a:t>
             </a:fld>
             <a:endParaRPr lang="ko-KR" altLang="en-US"/>
           </a:p>
@@ -1591,7 +1592,7 @@
           <a:p>
             <a:fld id="{0BF39805-75F6-4925-84E0-FBE038415466}" type="datetimeFigureOut">
               <a:rPr lang="ko-KR" altLang="en-US" smtClean="0"/>
-              <a:t>2023-05-31</a:t>
+              <a:t>2023-06-01</a:t>
             </a:fld>
             <a:endParaRPr lang="ko-KR" altLang="en-US"/>
           </a:p>
@@ -1864,7 +1865,7 @@
           <a:p>
             <a:fld id="{0BF39805-75F6-4925-84E0-FBE038415466}" type="datetimeFigureOut">
               <a:rPr lang="ko-KR" altLang="en-US" smtClean="0"/>
-              <a:t>2023-05-31</a:t>
+              <a:t>2023-06-01</a:t>
             </a:fld>
             <a:endParaRPr lang="ko-KR" altLang="en-US"/>
           </a:p>
@@ -2149,7 +2150,7 @@
           <a:p>
             <a:fld id="{0BF39805-75F6-4925-84E0-FBE038415466}" type="datetimeFigureOut">
               <a:rPr lang="ko-KR" altLang="en-US" smtClean="0"/>
-              <a:t>2023-05-31</a:t>
+              <a:t>2023-06-01</a:t>
             </a:fld>
             <a:endParaRPr lang="ko-KR" altLang="en-US"/>
           </a:p>
@@ -2432,7 +2433,7 @@
           <a:p>
             <a:fld id="{0BF39805-75F6-4925-84E0-FBE038415466}" type="datetimeFigureOut">
               <a:rPr lang="ko-KR" altLang="en-US" smtClean="0"/>
-              <a:t>2023-05-31</a:t>
+              <a:t>2023-06-01</a:t>
             </a:fld>
             <a:endParaRPr lang="ko-KR" altLang="en-US"/>
           </a:p>
@@ -2775,7 +2776,7 @@
           <a:p>
             <a:fld id="{0BF39805-75F6-4925-84E0-FBE038415466}" type="datetimeFigureOut">
               <a:rPr lang="ko-KR" altLang="en-US" smtClean="0"/>
-              <a:t>2023-05-31</a:t>
+              <a:t>2023-06-01</a:t>
             </a:fld>
             <a:endParaRPr lang="ko-KR" altLang="en-US"/>
           </a:p>
@@ -3114,7 +3115,7 @@
           <a:p>
             <a:fld id="{0BF39805-75F6-4925-84E0-FBE038415466}" type="datetimeFigureOut">
               <a:rPr lang="ko-KR" altLang="en-US" smtClean="0"/>
-              <a:t>2023-05-31</a:t>
+              <a:t>2023-06-01</a:t>
             </a:fld>
             <a:endParaRPr lang="ko-KR" altLang="en-US"/>
           </a:p>
@@ -3591,7 +3592,7 @@
           <a:p>
             <a:fld id="{0BF39805-75F6-4925-84E0-FBE038415466}" type="datetimeFigureOut">
               <a:rPr lang="ko-KR" altLang="en-US" smtClean="0"/>
-              <a:t>2023-05-31</a:t>
+              <a:t>2023-06-01</a:t>
             </a:fld>
             <a:endParaRPr lang="ko-KR" altLang="en-US"/>
           </a:p>
@@ -3812,7 +3813,7 @@
           <a:p>
             <a:fld id="{0BF39805-75F6-4925-84E0-FBE038415466}" type="datetimeFigureOut">
               <a:rPr lang="ko-KR" altLang="en-US" smtClean="0"/>
-              <a:t>2023-05-31</a:t>
+              <a:t>2023-06-01</a:t>
             </a:fld>
             <a:endParaRPr lang="ko-KR" altLang="en-US"/>
           </a:p>
@@ -3907,7 +3908,7 @@
           <a:p>
             <a:fld id="{0BF39805-75F6-4925-84E0-FBE038415466}" type="datetimeFigureOut">
               <a:rPr lang="ko-KR" altLang="en-US" smtClean="0"/>
-              <a:t>2023-05-31</a:t>
+              <a:t>2023-06-01</a:t>
             </a:fld>
             <a:endParaRPr lang="ko-KR" altLang="en-US"/>
           </a:p>
@@ -4374,7 +4375,7 @@
           <a:p>
             <a:fld id="{0BF39805-75F6-4925-84E0-FBE038415466}" type="datetimeFigureOut">
               <a:rPr lang="ko-KR" altLang="en-US" smtClean="0"/>
-              <a:t>2023-05-31</a:t>
+              <a:t>2023-06-01</a:t>
             </a:fld>
             <a:endParaRPr lang="ko-KR" altLang="en-US"/>
           </a:p>
@@ -4687,7 +4688,7 @@
           <a:p>
             <a:fld id="{0BF39805-75F6-4925-84E0-FBE038415466}" type="datetimeFigureOut">
               <a:rPr lang="ko-KR" altLang="en-US" smtClean="0"/>
-              <a:t>2023-05-31</a:t>
+              <a:t>2023-06-01</a:t>
             </a:fld>
             <a:endParaRPr lang="ko-KR" altLang="en-US"/>
           </a:p>
@@ -4957,7 +4958,7 @@
           <a:p>
             <a:fld id="{0BF39805-75F6-4925-84E0-FBE038415466}" type="datetimeFigureOut">
               <a:rPr lang="ko-KR" altLang="en-US" smtClean="0"/>
-              <a:t>2023-05-31</a:t>
+              <a:t>2023-06-01</a:t>
             </a:fld>
             <a:endParaRPr lang="ko-KR" altLang="en-US"/>
           </a:p>
@@ -5911,7 +5912,7 @@
           <p:cNvPr id="2" name="제목 1">
             <a:extLst>
               <a:ext uri="{FF2B5EF4-FFF2-40B4-BE49-F238E27FC236}">
-                <a16:creationId xmlns:a16="http://schemas.microsoft.com/office/drawing/2014/main" id="{D985993B-98E2-94A5-D556-F98F142B2F4A}"/>
+                <a16:creationId xmlns:a16="http://schemas.microsoft.com/office/drawing/2014/main" id="{006B835A-9A3E-1F4A-00AF-B56A263B47A4}"/>
               </a:ext>
             </a:extLst>
           </p:cNvPr>
@@ -5937,7 +5938,11 @@
             </a:r>
             <a:r>
               <a:rPr lang="ko-KR" altLang="en-US" dirty="0"/>
-              <a:t>입고</a:t>
+              <a:t>구매 </a:t>
+            </a:r>
+            <a:r>
+              <a:rPr lang="en-US" altLang="ko-KR" dirty="0" err="1"/>
+              <a:t>RestAPI</a:t>
             </a:r>
             <a:r>
               <a:rPr lang="en-US" altLang="ko-KR" dirty="0"/>
@@ -5952,7 +5957,7 @@
           <p:cNvPr id="3" name="내용 개체 틀 2">
             <a:extLst>
               <a:ext uri="{FF2B5EF4-FFF2-40B4-BE49-F238E27FC236}">
-                <a16:creationId xmlns:a16="http://schemas.microsoft.com/office/drawing/2014/main" id="{FDE87E24-1D9A-A830-1A49-5A1AB2C5ADA3}"/>
+                <a16:creationId xmlns:a16="http://schemas.microsoft.com/office/drawing/2014/main" id="{296AD57D-327F-6B61-46D6-49D12D65F23B}"/>
               </a:ext>
             </a:extLst>
           </p:cNvPr>
@@ -5970,33 +5975,96 @@
           <a:p>
             <a:r>
               <a:rPr lang="en-US" altLang="ko-KR" dirty="0"/>
-              <a:t>1. </a:t>
-            </a:r>
-            <a:r>
-              <a:rPr lang="ko-KR" altLang="en-US" dirty="0"/>
-              <a:t>입고 등록 페이지 제작</a:t>
+              <a:t>(Get) /</a:t>
+            </a:r>
+            <a:r>
+              <a:rPr lang="en-US" altLang="ko-KR" dirty="0" err="1"/>
+              <a:t>purchase?start</a:t>
+            </a:r>
+            <a:r>
+              <a:rPr lang="en-US" altLang="ko-KR" dirty="0"/>
+              <a:t>=</a:t>
+            </a:r>
+            <a:r>
+              <a:rPr lang="en-US" altLang="ko-KR" dirty="0" err="1"/>
+              <a:t>yyyyMMdd&amp;end</a:t>
+            </a:r>
+            <a:r>
+              <a:rPr lang="en-US" altLang="ko-KR" dirty="0"/>
+              <a:t>=</a:t>
+            </a:r>
+            <a:r>
+              <a:rPr lang="en-US" altLang="ko-KR" dirty="0" err="1"/>
+              <a:t>yyyyMMdd</a:t>
+            </a:r>
+            <a:r>
+              <a:rPr lang="ko-KR" altLang="en-US" dirty="0"/>
+              <a:t> </a:t>
+            </a:r>
+            <a:r>
+              <a:rPr lang="en-US" altLang="ko-KR" dirty="0"/>
+              <a:t>:</a:t>
+            </a:r>
+            <a:r>
+              <a:rPr lang="ko-KR" altLang="en-US" dirty="0"/>
+              <a:t> </a:t>
+            </a:r>
+            <a:r>
+              <a:rPr lang="en-US" altLang="ko-KR" dirty="0"/>
+              <a:t>start</a:t>
+            </a:r>
+            <a:r>
+              <a:rPr lang="ko-KR" altLang="en-US" dirty="0"/>
+              <a:t> </a:t>
+            </a:r>
+            <a:r>
+              <a:rPr lang="en-US" altLang="ko-KR" dirty="0"/>
+              <a:t>~</a:t>
+            </a:r>
+            <a:r>
+              <a:rPr lang="ko-KR" altLang="en-US" dirty="0"/>
+              <a:t> </a:t>
+            </a:r>
+            <a:r>
+              <a:rPr lang="en-US" altLang="ko-KR" dirty="0"/>
+              <a:t>end</a:t>
+            </a:r>
+            <a:r>
+              <a:rPr lang="ko-KR" altLang="en-US" dirty="0"/>
+              <a:t>까지의 구매데이터 반환</a:t>
+            </a:r>
+            <a:r>
+              <a:rPr lang="en-US" altLang="ko-KR" dirty="0"/>
+              <a:t>.</a:t>
+            </a:r>
+          </a:p>
+          <a:p>
+            <a:r>
+              <a:rPr lang="en-US" altLang="ko-KR" dirty="0"/>
+              <a:t>(Post) / purchase : </a:t>
+            </a:r>
+            <a:r>
+              <a:rPr lang="ko-KR" altLang="en-US" dirty="0"/>
+              <a:t>구매 정보 추가</a:t>
             </a:r>
             <a:endParaRPr lang="en-US" altLang="ko-KR" dirty="0"/>
           </a:p>
           <a:p>
             <a:r>
               <a:rPr lang="en-US" altLang="ko-KR" dirty="0"/>
-              <a:t>2. </a:t>
-            </a:r>
-            <a:r>
-              <a:rPr lang="ko-KR" altLang="en-US" dirty="0"/>
-              <a:t>입고 등록 현황 페이지 제작</a:t>
-            </a:r>
-            <a:endParaRPr lang="en-US" altLang="ko-KR" dirty="0"/>
-          </a:p>
-          <a:p>
-            <a:r>
-              <a:rPr lang="en-US" altLang="ko-KR" dirty="0"/>
-              <a:t>3. </a:t>
-            </a:r>
-            <a:r>
-              <a:rPr lang="ko-KR" altLang="en-US" dirty="0" err="1"/>
-              <a:t>입고시</a:t>
+              <a:t>(Put) / purchase : id</a:t>
+            </a:r>
+            <a:r>
+              <a:rPr lang="ko-KR" altLang="en-US" dirty="0"/>
+              <a:t>에 맞는 구매 정보 수정</a:t>
+            </a:r>
+            <a:r>
+              <a:rPr lang="en-US" altLang="ko-KR" dirty="0"/>
+              <a:t>(</a:t>
+            </a:r>
+            <a:r>
+              <a:rPr lang="ko-KR" altLang="en-US" dirty="0"/>
+              <a:t>단</a:t>
             </a:r>
             <a:r>
               <a:rPr lang="en-US" altLang="ko-KR" dirty="0"/>
@@ -6004,29 +6072,37 @@
             </a:r>
             <a:r>
               <a:rPr lang="ko-KR" altLang="en-US" dirty="0"/>
-              <a:t>구매 번호를 참조할 수 있도록 작성</a:t>
-            </a:r>
-            <a:r>
-              <a:rPr lang="en-US" altLang="ko-KR" dirty="0"/>
-              <a:t>. </a:t>
-            </a:r>
-            <a:r>
-              <a:rPr lang="ko-KR" altLang="en-US" dirty="0"/>
-              <a:t>참조하지 않아도 됨</a:t>
-            </a:r>
-            <a:r>
-              <a:rPr lang="en-US" altLang="ko-KR" dirty="0"/>
-              <a:t>.</a:t>
-            </a:r>
-          </a:p>
-          <a:p>
-            <a:r>
-              <a:rPr lang="en-US" altLang="ko-KR" dirty="0"/>
-              <a:t>4. </a:t>
-            </a:r>
-            <a:r>
-              <a:rPr lang="ko-KR" altLang="en-US" dirty="0"/>
-              <a:t>전량 입고 버튼을 만듦</a:t>
+              <a:t>입고 내역 </a:t>
+            </a:r>
+            <a:r>
+              <a:rPr lang="en-US" altLang="ko-KR" dirty="0"/>
+              <a:t>X </a:t>
+            </a:r>
+            <a:r>
+              <a:rPr lang="ko-KR" altLang="en-US" dirty="0"/>
+              <a:t>필수</a:t>
+            </a:r>
+            <a:r>
+              <a:rPr lang="en-US" altLang="ko-KR" dirty="0"/>
+              <a:t>)</a:t>
+            </a:r>
+          </a:p>
+          <a:p>
+            <a:r>
+              <a:rPr lang="en-US" altLang="ko-KR" dirty="0"/>
+              <a:t>(Delete) / purchase : id</a:t>
+            </a:r>
+            <a:r>
+              <a:rPr lang="ko-KR" altLang="en-US" dirty="0"/>
+              <a:t>에 맞는 구매 정보 삭제 </a:t>
+            </a:r>
+            <a:r>
+              <a:rPr lang="en-US" altLang="ko-KR" dirty="0"/>
+              <a:t>(</a:t>
+            </a:r>
+            <a:r>
+              <a:rPr lang="ko-KR" altLang="en-US" dirty="0"/>
+              <a:t>단</a:t>
             </a:r>
             <a:r>
               <a:rPr lang="en-US" altLang="ko-KR" dirty="0"/>
@@ -6034,11 +6110,19 @@
             </a:r>
             <a:r>
               <a:rPr lang="ko-KR" altLang="en-US" dirty="0"/>
-              <a:t>구매 수량보다 입고 수량이 많을 경우 경고 메시지 띄움</a:t>
-            </a:r>
-            <a:r>
-              <a:rPr lang="en-US" altLang="ko-KR" dirty="0"/>
-              <a:t>.</a:t>
+              <a:t>입고 내역 </a:t>
+            </a:r>
+            <a:r>
+              <a:rPr lang="en-US" altLang="ko-KR" dirty="0"/>
+              <a:t>X </a:t>
+            </a:r>
+            <a:r>
+              <a:rPr lang="ko-KR" altLang="en-US" dirty="0"/>
+              <a:t>필수</a:t>
+            </a:r>
+            <a:r>
+              <a:rPr lang="en-US" altLang="ko-KR" dirty="0"/>
+              <a:t>)</a:t>
             </a:r>
             <a:endParaRPr lang="ko-KR" altLang="en-US" dirty="0"/>
           </a:p>
@@ -6047,7 +6131,7 @@
     </p:spTree>
     <p:extLst>
       <p:ext uri="{BB962C8B-B14F-4D97-AF65-F5344CB8AC3E}">
-        <p14:creationId xmlns:p14="http://schemas.microsoft.com/office/powerpoint/2010/main" val="3068054946"/>
+        <p14:creationId xmlns:p14="http://schemas.microsoft.com/office/powerpoint/2010/main" val="3898173792"/>
       </p:ext>
     </p:extLst>
   </p:cSld>
@@ -6079,7 +6163,7 @@
           <p:cNvPr id="2" name="제목 1">
             <a:extLst>
               <a:ext uri="{FF2B5EF4-FFF2-40B4-BE49-F238E27FC236}">
-                <a16:creationId xmlns:a16="http://schemas.microsoft.com/office/drawing/2014/main" id="{65B409A2-02E8-810A-E19D-84CB91692BE8}"/>
+                <a16:creationId xmlns:a16="http://schemas.microsoft.com/office/drawing/2014/main" id="{D985993B-98E2-94A5-D556-F98F142B2F4A}"/>
               </a:ext>
             </a:extLst>
           </p:cNvPr>
@@ -6105,7 +6189,7 @@
             </a:r>
             <a:r>
               <a:rPr lang="ko-KR" altLang="en-US" dirty="0"/>
-              <a:t>출고</a:t>
+              <a:t>입고</a:t>
             </a:r>
             <a:r>
               <a:rPr lang="en-US" altLang="ko-KR" dirty="0"/>
@@ -6120,7 +6204,7 @@
           <p:cNvPr id="3" name="내용 개체 틀 2">
             <a:extLst>
               <a:ext uri="{FF2B5EF4-FFF2-40B4-BE49-F238E27FC236}">
-                <a16:creationId xmlns:a16="http://schemas.microsoft.com/office/drawing/2014/main" id="{B630492E-EB4E-4132-018A-C56E9AC3AF87}"/>
+                <a16:creationId xmlns:a16="http://schemas.microsoft.com/office/drawing/2014/main" id="{FDE87E24-1D9A-A830-1A49-5A1AB2C5ADA3}"/>
               </a:ext>
             </a:extLst>
           </p:cNvPr>
@@ -6142,11 +6226,45 @@
             </a:r>
             <a:r>
               <a:rPr lang="ko-KR" altLang="en-US" dirty="0"/>
-              <a:t>출고 화면 페이지 </a:t>
+              <a:t>입고 등록 페이지 제작</a:t>
+            </a:r>
+            <a:endParaRPr lang="en-US" altLang="ko-KR" dirty="0"/>
+          </a:p>
+          <a:p>
+            <a:r>
+              <a:rPr lang="en-US" altLang="ko-KR" dirty="0"/>
+              <a:t>2. </a:t>
+            </a:r>
+            <a:r>
+              <a:rPr lang="ko-KR" altLang="en-US" dirty="0"/>
+              <a:t>입고 등록 현황 페이지 제작</a:t>
+            </a:r>
+            <a:endParaRPr lang="en-US" altLang="ko-KR" dirty="0"/>
+          </a:p>
+          <a:p>
+            <a:r>
+              <a:rPr lang="en-US" altLang="ko-KR" dirty="0"/>
+              <a:t>3. </a:t>
             </a:r>
             <a:r>
               <a:rPr lang="ko-KR" altLang="en-US" dirty="0" err="1"/>
-              <a:t>제작해야함</a:t>
+              <a:t>입고시</a:t>
+            </a:r>
+            <a:r>
+              <a:rPr lang="en-US" altLang="ko-KR" dirty="0"/>
+              <a:t>, </a:t>
+            </a:r>
+            <a:r>
+              <a:rPr lang="ko-KR" altLang="en-US" dirty="0"/>
+              <a:t>구매 번호를 참조할 수 있도록 작성</a:t>
+            </a:r>
+            <a:r>
+              <a:rPr lang="en-US" altLang="ko-KR" dirty="0"/>
+              <a:t>. </a:t>
+            </a:r>
+            <a:r>
+              <a:rPr lang="ko-KR" altLang="en-US" dirty="0"/>
+              <a:t>참조하지 않아도 됨</a:t>
             </a:r>
             <a:r>
               <a:rPr lang="en-US" altLang="ko-KR" dirty="0"/>
@@ -6156,11 +6274,11 @@
           <a:p>
             <a:r>
               <a:rPr lang="en-US" altLang="ko-KR" dirty="0"/>
-              <a:t>2. </a:t>
-            </a:r>
-            <a:r>
-              <a:rPr lang="ko-KR" altLang="en-US" dirty="0" err="1"/>
-              <a:t>출고시</a:t>
+              <a:t>4. </a:t>
+            </a:r>
+            <a:r>
+              <a:rPr lang="ko-KR" altLang="en-US" dirty="0"/>
+              <a:t>전량 입고 버튼을 만듦</a:t>
             </a:r>
             <a:r>
               <a:rPr lang="en-US" altLang="ko-KR" dirty="0"/>
@@ -6168,70 +6286,12 @@
             </a:r>
             <a:r>
               <a:rPr lang="ko-KR" altLang="en-US" dirty="0"/>
-              <a:t>수량 </a:t>
-            </a:r>
-            <a:r>
-              <a:rPr lang="ko-KR" altLang="en-US" dirty="0" err="1"/>
-              <a:t>체킹하는</a:t>
-            </a:r>
-            <a:r>
-              <a:rPr lang="ko-KR" altLang="en-US" dirty="0"/>
-              <a:t> 알고리즘 </a:t>
-            </a:r>
-            <a:r>
-              <a:rPr lang="ko-KR" altLang="en-US" dirty="0" err="1"/>
-              <a:t>만들어야함</a:t>
+              <a:t>구매 수량보다 입고 수량이 많을 경우 경고 메시지 띄움</a:t>
             </a:r>
             <a:r>
               <a:rPr lang="en-US" altLang="ko-KR" dirty="0"/>
               <a:t>.</a:t>
             </a:r>
-          </a:p>
-          <a:p>
-            <a:r>
-              <a:rPr lang="en-US" altLang="ko-KR" dirty="0"/>
-              <a:t>3. </a:t>
-            </a:r>
-            <a:r>
-              <a:rPr lang="ko-KR" altLang="en-US" dirty="0"/>
-              <a:t>출고 내역 관리 페이지 </a:t>
-            </a:r>
-            <a:r>
-              <a:rPr lang="ko-KR" altLang="en-US" dirty="0" err="1"/>
-              <a:t>만들어야함</a:t>
-            </a:r>
-            <a:r>
-              <a:rPr lang="en-US" altLang="ko-KR" dirty="0"/>
-              <a:t>.</a:t>
-            </a:r>
-          </a:p>
-          <a:p>
-            <a:r>
-              <a:rPr lang="en-US" altLang="ko-KR" dirty="0"/>
-              <a:t>4. </a:t>
-            </a:r>
-            <a:r>
-              <a:rPr lang="ko-KR" altLang="en-US" dirty="0"/>
-              <a:t>출고시에</a:t>
-            </a:r>
-            <a:r>
-              <a:rPr lang="en-US" altLang="ko-KR" dirty="0"/>
-              <a:t>, BOM</a:t>
-            </a:r>
-            <a:r>
-              <a:rPr lang="ko-KR" altLang="en-US" dirty="0"/>
-              <a:t>테이블을 참조하여 연쇄적으로 품목을 </a:t>
-            </a:r>
-            <a:r>
-              <a:rPr lang="ko-KR" altLang="en-US" dirty="0" err="1"/>
-              <a:t>차감하여야함</a:t>
-            </a:r>
-            <a:r>
-              <a:rPr lang="en-US" altLang="ko-KR" dirty="0"/>
-              <a:t>.</a:t>
-            </a:r>
-          </a:p>
-          <a:p>
             <a:endParaRPr lang="ko-KR" altLang="en-US" dirty="0"/>
           </a:p>
         </p:txBody>
@@ -6239,7 +6299,7 @@
     </p:spTree>
     <p:extLst>
       <p:ext uri="{BB962C8B-B14F-4D97-AF65-F5344CB8AC3E}">
-        <p14:creationId xmlns:p14="http://schemas.microsoft.com/office/powerpoint/2010/main" val="1784902601"/>
+        <p14:creationId xmlns:p14="http://schemas.microsoft.com/office/powerpoint/2010/main" val="3068054946"/>
       </p:ext>
     </p:extLst>
   </p:cSld>
@@ -6271,7 +6331,7 @@
           <p:cNvPr id="2" name="제목 1">
             <a:extLst>
               <a:ext uri="{FF2B5EF4-FFF2-40B4-BE49-F238E27FC236}">
-                <a16:creationId xmlns:a16="http://schemas.microsoft.com/office/drawing/2014/main" id="{C88951BC-0317-A301-0B6C-2A3837257A0A}"/>
+                <a16:creationId xmlns:a16="http://schemas.microsoft.com/office/drawing/2014/main" id="{65B409A2-02E8-810A-E19D-84CB91692BE8}"/>
               </a:ext>
             </a:extLst>
           </p:cNvPr>
@@ -6297,7 +6357,7 @@
             </a:r>
             <a:r>
               <a:rPr lang="ko-KR" altLang="en-US" dirty="0"/>
-              <a:t>품목</a:t>
+              <a:t>출고</a:t>
             </a:r>
             <a:r>
               <a:rPr lang="en-US" altLang="ko-KR" dirty="0"/>
@@ -6312,7 +6372,7 @@
           <p:cNvPr id="3" name="내용 개체 틀 2">
             <a:extLst>
               <a:ext uri="{FF2B5EF4-FFF2-40B4-BE49-F238E27FC236}">
-                <a16:creationId xmlns:a16="http://schemas.microsoft.com/office/drawing/2014/main" id="{1B24DFA4-F828-64F3-24D0-94B6516D4FE5}"/>
+                <a16:creationId xmlns:a16="http://schemas.microsoft.com/office/drawing/2014/main" id="{B630492E-EB4E-4132-018A-C56E9AC3AF87}"/>
               </a:ext>
             </a:extLst>
           </p:cNvPr>
@@ -6329,15 +6389,30 @@
           <a:lstStyle/>
           <a:p>
             <a:r>
-              <a:rPr lang="ko-KR" altLang="en-US" dirty="0"/>
-              <a:t>품목을 등록할 수 있는 페이지 제작</a:t>
-            </a:r>
-            <a:endParaRPr lang="en-US" altLang="ko-KR" dirty="0"/>
-          </a:p>
-          <a:p>
-            <a:r>
-              <a:rPr lang="ko-KR" altLang="en-US" dirty="0"/>
-              <a:t>품목을 생성</a:t>
+              <a:rPr lang="en-US" altLang="ko-KR" dirty="0"/>
+              <a:t>1. </a:t>
+            </a:r>
+            <a:r>
+              <a:rPr lang="ko-KR" altLang="en-US" dirty="0"/>
+              <a:t>출고 화면 페이지 </a:t>
+            </a:r>
+            <a:r>
+              <a:rPr lang="ko-KR" altLang="en-US" dirty="0" err="1"/>
+              <a:t>제작해야함</a:t>
+            </a:r>
+            <a:r>
+              <a:rPr lang="en-US" altLang="ko-KR" dirty="0"/>
+              <a:t>.</a:t>
+            </a:r>
+          </a:p>
+          <a:p>
+            <a:r>
+              <a:rPr lang="en-US" altLang="ko-KR" dirty="0"/>
+              <a:t>2. </a:t>
+            </a:r>
+            <a:r>
+              <a:rPr lang="ko-KR" altLang="en-US" dirty="0" err="1"/>
+              <a:t>출고시</a:t>
             </a:r>
             <a:r>
               <a:rPr lang="en-US" altLang="ko-KR" dirty="0"/>
@@ -6345,20 +6420,70 @@
             </a:r>
             <a:r>
               <a:rPr lang="ko-KR" altLang="en-US" dirty="0"/>
-              <a:t>수정</a:t>
-            </a:r>
-            <a:r>
-              <a:rPr lang="en-US" altLang="ko-KR" dirty="0"/>
-              <a:t>, </a:t>
-            </a:r>
-            <a:r>
-              <a:rPr lang="ko-KR" altLang="en-US" dirty="0"/>
-              <a:t>삭제 할 수 있음</a:t>
+              <a:t>수량 </a:t>
+            </a:r>
+            <a:r>
+              <a:rPr lang="ko-KR" altLang="en-US" dirty="0" err="1"/>
+              <a:t>체킹하는</a:t>
+            </a:r>
+            <a:r>
+              <a:rPr lang="ko-KR" altLang="en-US" dirty="0"/>
+              <a:t> 알고리즘 </a:t>
+            </a:r>
+            <a:r>
+              <a:rPr lang="ko-KR" altLang="en-US" dirty="0" err="1"/>
+              <a:t>만들어야함</a:t>
             </a:r>
             <a:r>
               <a:rPr lang="en-US" altLang="ko-KR" dirty="0"/>
               <a:t>.</a:t>
             </a:r>
+          </a:p>
+          <a:p>
+            <a:r>
+              <a:rPr lang="en-US" altLang="ko-KR" dirty="0"/>
+              <a:t>3. </a:t>
+            </a:r>
+            <a:r>
+              <a:rPr lang="ko-KR" altLang="en-US" dirty="0"/>
+              <a:t>출고 내역 관리 페이지 </a:t>
+            </a:r>
+            <a:r>
+              <a:rPr lang="ko-KR" altLang="en-US" dirty="0" err="1"/>
+              <a:t>만들어야함</a:t>
+            </a:r>
+            <a:r>
+              <a:rPr lang="en-US" altLang="ko-KR" dirty="0"/>
+              <a:t>.</a:t>
+            </a:r>
+          </a:p>
+          <a:p>
+            <a:r>
+              <a:rPr lang="en-US" altLang="ko-KR" dirty="0"/>
+              <a:t>4. </a:t>
+            </a:r>
+            <a:r>
+              <a:rPr lang="ko-KR" altLang="en-US" dirty="0"/>
+              <a:t>출고시에</a:t>
+            </a:r>
+            <a:r>
+              <a:rPr lang="en-US" altLang="ko-KR" dirty="0"/>
+              <a:t>, BOM</a:t>
+            </a:r>
+            <a:r>
+              <a:rPr lang="ko-KR" altLang="en-US" dirty="0"/>
+              <a:t>테이블을 참조하여 연쇄적으로 품목을 </a:t>
+            </a:r>
+            <a:r>
+              <a:rPr lang="ko-KR" altLang="en-US" dirty="0" err="1"/>
+              <a:t>차감하여야함</a:t>
+            </a:r>
+            <a:r>
+              <a:rPr lang="en-US" altLang="ko-KR" dirty="0"/>
+              <a:t>.</a:t>
+            </a:r>
+          </a:p>
+          <a:p>
             <a:endParaRPr lang="ko-KR" altLang="en-US" dirty="0"/>
           </a:p>
         </p:txBody>
@@ -6366,7 +6491,7 @@
     </p:spTree>
     <p:extLst>
       <p:ext uri="{BB962C8B-B14F-4D97-AF65-F5344CB8AC3E}">
-        <p14:creationId xmlns:p14="http://schemas.microsoft.com/office/powerpoint/2010/main" val="332220598"/>
+        <p14:creationId xmlns:p14="http://schemas.microsoft.com/office/powerpoint/2010/main" val="1784902601"/>
       </p:ext>
     </p:extLst>
   </p:cSld>
@@ -6424,11 +6549,7 @@
             </a:r>
             <a:r>
               <a:rPr lang="ko-KR" altLang="en-US" dirty="0"/>
-              <a:t>품목  </a:t>
-            </a:r>
-            <a:r>
-              <a:rPr lang="en-US" altLang="ko-KR" dirty="0" err="1"/>
-              <a:t>RestAPI</a:t>
+              <a:t>품목</a:t>
             </a:r>
             <a:r>
               <a:rPr lang="en-US" altLang="ko-KR" dirty="0"/>
@@ -6460,106 +6581,35 @@
           <a:lstStyle/>
           <a:p>
             <a:r>
-              <a:rPr lang="en-US" altLang="ko-KR" dirty="0"/>
-              <a:t>(Get) /product : </a:t>
-            </a:r>
-            <a:r>
-              <a:rPr lang="ko-KR" altLang="en-US" dirty="0"/>
-              <a:t>모든 품목을 가져옴</a:t>
+              <a:rPr lang="ko-KR" altLang="en-US" dirty="0"/>
+              <a:t>품목을 등록할 수 있는 페이지 제작</a:t>
+            </a:r>
+            <a:endParaRPr lang="en-US" altLang="ko-KR" dirty="0"/>
+          </a:p>
+          <a:p>
+            <a:r>
+              <a:rPr lang="ko-KR" altLang="en-US" dirty="0"/>
+              <a:t>품목을 생성</a:t>
+            </a:r>
+            <a:r>
+              <a:rPr lang="en-US" altLang="ko-KR" dirty="0"/>
+              <a:t>, </a:t>
+            </a:r>
+            <a:r>
+              <a:rPr lang="ko-KR" altLang="en-US" dirty="0"/>
+              <a:t>수정</a:t>
+            </a:r>
+            <a:r>
+              <a:rPr lang="en-US" altLang="ko-KR" dirty="0"/>
+              <a:t>, </a:t>
+            </a:r>
+            <a:r>
+              <a:rPr lang="ko-KR" altLang="en-US" dirty="0"/>
+              <a:t>삭제 할 수 있음</a:t>
             </a:r>
             <a:r>
               <a:rPr lang="en-US" altLang="ko-KR" dirty="0"/>
               <a:t>.</a:t>
-            </a:r>
-          </a:p>
-          <a:p>
-            <a:r>
-              <a:rPr lang="en-US" altLang="ko-KR" dirty="0"/>
-              <a:t>(Post) /product : </a:t>
-            </a:r>
-            <a:r>
-              <a:rPr lang="ko-KR" altLang="en-US" dirty="0"/>
-              <a:t>품목 하나를 추가함</a:t>
-            </a:r>
-            <a:r>
-              <a:rPr lang="en-US" altLang="ko-KR" dirty="0"/>
-              <a:t>. (body</a:t>
-            </a:r>
-            <a:r>
-              <a:rPr lang="ko-KR" altLang="en-US" dirty="0"/>
-              <a:t>에 데이터 첨부</a:t>
-            </a:r>
-            <a:r>
-              <a:rPr lang="en-US" altLang="ko-KR" dirty="0"/>
-              <a:t>)</a:t>
-            </a:r>
-          </a:p>
-          <a:p>
-            <a:r>
-              <a:rPr lang="en-US" altLang="ko-KR" dirty="0"/>
-              <a:t>(Put) /product : id</a:t>
-            </a:r>
-            <a:r>
-              <a:rPr lang="ko-KR" altLang="en-US" dirty="0"/>
-              <a:t>에 해당하는</a:t>
-            </a:r>
-            <a:r>
-              <a:rPr lang="en-US" altLang="ko-KR" dirty="0"/>
-              <a:t>, </a:t>
-            </a:r>
-            <a:r>
-              <a:rPr lang="ko-KR" altLang="en-US" dirty="0"/>
-              <a:t>품목 수정 </a:t>
-            </a:r>
-            <a:r>
-              <a:rPr lang="en-US" altLang="ko-KR" dirty="0"/>
-              <a:t>(body</a:t>
-            </a:r>
-            <a:r>
-              <a:rPr lang="ko-KR" altLang="en-US" dirty="0"/>
-              <a:t>에 데이터 첨부</a:t>
-            </a:r>
-            <a:r>
-              <a:rPr lang="en-US" altLang="ko-KR" dirty="0"/>
-              <a:t>)</a:t>
-            </a:r>
-          </a:p>
-          <a:p>
-            <a:r>
-              <a:rPr lang="en-US" altLang="ko-KR" dirty="0"/>
-              <a:t>(Delete) /product/{id} : id</a:t>
-            </a:r>
-            <a:r>
-              <a:rPr lang="ko-KR" altLang="en-US" dirty="0"/>
-              <a:t>에 해당하는</a:t>
-            </a:r>
-            <a:r>
-              <a:rPr lang="en-US" altLang="ko-KR" dirty="0"/>
-              <a:t>, </a:t>
-            </a:r>
-            <a:r>
-              <a:rPr lang="ko-KR" altLang="en-US" dirty="0"/>
-              <a:t>품목 삭제 </a:t>
-            </a:r>
-            <a:r>
-              <a:rPr lang="en-US" altLang="ko-KR" dirty="0"/>
-              <a:t>(</a:t>
-            </a:r>
-            <a:r>
-              <a:rPr lang="ko-KR" altLang="en-US" dirty="0"/>
-              <a:t>경로에 </a:t>
-            </a:r>
-            <a:r>
-              <a:rPr lang="en-US" altLang="ko-KR" dirty="0" err="1"/>
-              <a:t>PathVariable</a:t>
-            </a:r>
-            <a:r>
-              <a:rPr lang="ko-KR" altLang="en-US" dirty="0"/>
-              <a:t>첨부</a:t>
-            </a:r>
-            <a:r>
-              <a:rPr lang="en-US" altLang="ko-KR" dirty="0"/>
-              <a:t>)</a:t>
             </a:r>
             <a:endParaRPr lang="ko-KR" altLang="en-US" dirty="0"/>
           </a:p>
@@ -6568,7 +6618,7 @@
     </p:spTree>
     <p:extLst>
       <p:ext uri="{BB962C8B-B14F-4D97-AF65-F5344CB8AC3E}">
-        <p14:creationId xmlns:p14="http://schemas.microsoft.com/office/powerpoint/2010/main" val="3760140862"/>
+        <p14:creationId xmlns:p14="http://schemas.microsoft.com/office/powerpoint/2010/main" val="332220598"/>
       </p:ext>
     </p:extLst>
   </p:cSld>
@@ -6600,7 +6650,7 @@
           <p:cNvPr id="2" name="제목 1">
             <a:extLst>
               <a:ext uri="{FF2B5EF4-FFF2-40B4-BE49-F238E27FC236}">
-                <a16:creationId xmlns:a16="http://schemas.microsoft.com/office/drawing/2014/main" id="{C9453D6E-1F2F-2B7D-5E71-FAB5BCDE5A15}"/>
+                <a16:creationId xmlns:a16="http://schemas.microsoft.com/office/drawing/2014/main" id="{C88951BC-0317-A301-0B6C-2A3837257A0A}"/>
               </a:ext>
             </a:extLst>
           </p:cNvPr>
@@ -6622,11 +6672,15 @@
             </a:r>
             <a:r>
               <a:rPr lang="en-US" altLang="ko-KR" dirty="0"/>
-              <a:t>(BOM </a:t>
-            </a:r>
-            <a:r>
-              <a:rPr lang="ko-KR" altLang="en-US" dirty="0"/>
-              <a:t>제작</a:t>
+              <a:t>(</a:t>
+            </a:r>
+            <a:r>
+              <a:rPr lang="ko-KR" altLang="en-US" dirty="0"/>
+              <a:t>품목  </a:t>
+            </a:r>
+            <a:r>
+              <a:rPr lang="en-US" altLang="ko-KR" dirty="0" err="1"/>
+              <a:t>RestAPI</a:t>
             </a:r>
             <a:r>
               <a:rPr lang="en-US" altLang="ko-KR" dirty="0"/>
@@ -6641,7 +6695,7 @@
           <p:cNvPr id="3" name="내용 개체 틀 2">
             <a:extLst>
               <a:ext uri="{FF2B5EF4-FFF2-40B4-BE49-F238E27FC236}">
-                <a16:creationId xmlns:a16="http://schemas.microsoft.com/office/drawing/2014/main" id="{A1DFC714-0E8C-DBAE-121C-2B1ACED5CDE7}"/>
+                <a16:creationId xmlns:a16="http://schemas.microsoft.com/office/drawing/2014/main" id="{1B24DFA4-F828-64F3-24D0-94B6516D4FE5}"/>
               </a:ext>
             </a:extLst>
           </p:cNvPr>
@@ -6658,8 +6712,48 @@
           <a:lstStyle/>
           <a:p>
             <a:r>
-              <a:rPr lang="ko-KR" altLang="en-US" dirty="0"/>
-              <a:t>출고 시</a:t>
+              <a:rPr lang="en-US" altLang="ko-KR" dirty="0"/>
+              <a:t>(Get) /product : </a:t>
+            </a:r>
+            <a:r>
+              <a:rPr lang="ko-KR" altLang="en-US" dirty="0"/>
+              <a:t>모든 품목을 가져옴</a:t>
+            </a:r>
+            <a:r>
+              <a:rPr lang="en-US" altLang="ko-KR" dirty="0"/>
+              <a:t>.</a:t>
+            </a:r>
+          </a:p>
+          <a:p>
+            <a:r>
+              <a:rPr lang="en-US" altLang="ko-KR" dirty="0"/>
+              <a:t>(Post) /product : </a:t>
+            </a:r>
+            <a:r>
+              <a:rPr lang="ko-KR" altLang="en-US" dirty="0"/>
+              <a:t>품목 하나를 추가함</a:t>
+            </a:r>
+            <a:r>
+              <a:rPr lang="en-US" altLang="ko-KR" dirty="0"/>
+              <a:t>. (body</a:t>
+            </a:r>
+            <a:r>
+              <a:rPr lang="ko-KR" altLang="en-US" dirty="0"/>
+              <a:t>에 데이터 첨부</a:t>
+            </a:r>
+            <a:r>
+              <a:rPr lang="en-US" altLang="ko-KR" dirty="0"/>
+              <a:t>)</a:t>
+            </a:r>
+          </a:p>
+          <a:p>
+            <a:r>
+              <a:rPr lang="en-US" altLang="ko-KR" dirty="0"/>
+              <a:t>(Put) /product : id</a:t>
+            </a:r>
+            <a:r>
+              <a:rPr lang="ko-KR" altLang="en-US" dirty="0"/>
+              <a:t>에 해당하는</a:t>
             </a:r>
             <a:r>
               <a:rPr lang="en-US" altLang="ko-KR" dirty="0"/>
@@ -6667,7 +6761,29 @@
             </a:r>
             <a:r>
               <a:rPr lang="ko-KR" altLang="en-US" dirty="0"/>
-              <a:t>품목 자체를 빼는 것이 아닌</a:t>
+              <a:t>품목 수정 </a:t>
+            </a:r>
+            <a:r>
+              <a:rPr lang="en-US" altLang="ko-KR" dirty="0"/>
+              <a:t>(body</a:t>
+            </a:r>
+            <a:r>
+              <a:rPr lang="ko-KR" altLang="en-US" dirty="0"/>
+              <a:t>에 데이터 첨부</a:t>
+            </a:r>
+            <a:r>
+              <a:rPr lang="en-US" altLang="ko-KR" dirty="0"/>
+              <a:t>)</a:t>
+            </a:r>
+          </a:p>
+          <a:p>
+            <a:r>
+              <a:rPr lang="en-US" altLang="ko-KR" dirty="0"/>
+              <a:t>(Delete) /product/{id} : id</a:t>
+            </a:r>
+            <a:r>
+              <a:rPr lang="ko-KR" altLang="en-US" dirty="0"/>
+              <a:t>에 해당하는</a:t>
             </a:r>
             <a:r>
               <a:rPr lang="en-US" altLang="ko-KR" dirty="0"/>
@@ -6675,51 +6791,36 @@
             </a:r>
             <a:r>
               <a:rPr lang="ko-KR" altLang="en-US" dirty="0"/>
-              <a:t>품목을 이루는 구성 요소를 연쇄적으로 차감 하고 싶을 때 제작이 가능함</a:t>
-            </a:r>
-            <a:r>
-              <a:rPr lang="en-US" altLang="ko-KR" dirty="0"/>
-              <a:t>.</a:t>
-            </a:r>
-          </a:p>
-          <a:p>
-            <a:r>
-              <a:rPr lang="en-US" altLang="ko-KR" dirty="0"/>
-              <a:t>BOM</a:t>
-            </a:r>
-            <a:r>
-              <a:rPr lang="ko-KR" altLang="en-US" dirty="0"/>
-              <a:t>생성 페이지 제작</a:t>
-            </a:r>
-            <a:r>
-              <a:rPr lang="en-US" altLang="ko-KR" dirty="0"/>
-              <a:t>.</a:t>
-            </a:r>
-          </a:p>
-          <a:p>
-            <a:r>
-              <a:rPr lang="ko-KR" altLang="en-US" dirty="0"/>
-              <a:t>무한 순환 참조가 일어나지 않도록 </a:t>
-            </a:r>
-            <a:r>
-              <a:rPr lang="en-US" altLang="ko-KR" dirty="0"/>
-              <a:t>cycle</a:t>
-            </a:r>
-            <a:r>
-              <a:rPr lang="ko-KR" altLang="en-US" dirty="0"/>
-              <a:t>체크가 필수임</a:t>
-            </a:r>
-            <a:r>
-              <a:rPr lang="en-US" altLang="ko-KR" dirty="0"/>
-              <a:t>.</a:t>
-            </a:r>
+              <a:t>품목 삭제 </a:t>
+            </a:r>
+            <a:r>
+              <a:rPr lang="en-US" altLang="ko-KR" dirty="0"/>
+              <a:t>(</a:t>
+            </a:r>
+            <a:r>
+              <a:rPr lang="ko-KR" altLang="en-US" dirty="0"/>
+              <a:t>경로에 </a:t>
+            </a:r>
+            <a:r>
+              <a:rPr lang="en-US" altLang="ko-KR" dirty="0" err="1"/>
+              <a:t>PathVariable</a:t>
+            </a:r>
+            <a:r>
+              <a:rPr lang="ko-KR" altLang="en-US" dirty="0"/>
+              <a:t>첨부</a:t>
+            </a:r>
+            <a:r>
+              <a:rPr lang="en-US" altLang="ko-KR" dirty="0"/>
+              <a:t>)</a:t>
+            </a:r>
+            <a:endParaRPr lang="ko-KR" altLang="en-US" dirty="0"/>
           </a:p>
         </p:txBody>
       </p:sp>
     </p:spTree>
     <p:extLst>
       <p:ext uri="{BB962C8B-B14F-4D97-AF65-F5344CB8AC3E}">
-        <p14:creationId xmlns:p14="http://schemas.microsoft.com/office/powerpoint/2010/main" val="2389051990"/>
+        <p14:creationId xmlns:p14="http://schemas.microsoft.com/office/powerpoint/2010/main" val="3760140862"/>
       </p:ext>
     </p:extLst>
   </p:cSld>
@@ -6751,6 +6852,157 @@
           <p:cNvPr id="2" name="제목 1">
             <a:extLst>
               <a:ext uri="{FF2B5EF4-FFF2-40B4-BE49-F238E27FC236}">
+                <a16:creationId xmlns:a16="http://schemas.microsoft.com/office/drawing/2014/main" id="{C9453D6E-1F2F-2B7D-5E71-FAB5BCDE5A15}"/>
+              </a:ext>
+            </a:extLst>
+          </p:cNvPr>
+          <p:cNvSpPr>
+            <a:spLocks noGrp="1"/>
+          </p:cNvSpPr>
+          <p:nvPr>
+            <p:ph type="title"/>
+          </p:nvPr>
+        </p:nvSpPr>
+        <p:spPr/>
+        <p:txBody>
+          <a:bodyPr/>
+          <a:lstStyle/>
+          <a:p>
+            <a:r>
+              <a:rPr lang="ko-KR" altLang="en-US" dirty="0"/>
+              <a:t>구현 내용</a:t>
+            </a:r>
+            <a:r>
+              <a:rPr lang="en-US" altLang="ko-KR" dirty="0"/>
+              <a:t>(BOM </a:t>
+            </a:r>
+            <a:r>
+              <a:rPr lang="ko-KR" altLang="en-US" dirty="0"/>
+              <a:t>제작</a:t>
+            </a:r>
+            <a:r>
+              <a:rPr lang="en-US" altLang="ko-KR" dirty="0"/>
+              <a:t>)</a:t>
+            </a:r>
+            <a:endParaRPr lang="ko-KR" altLang="en-US" dirty="0"/>
+          </a:p>
+        </p:txBody>
+      </p:sp>
+      <p:sp>
+        <p:nvSpPr>
+          <p:cNvPr id="3" name="내용 개체 틀 2">
+            <a:extLst>
+              <a:ext uri="{FF2B5EF4-FFF2-40B4-BE49-F238E27FC236}">
+                <a16:creationId xmlns:a16="http://schemas.microsoft.com/office/drawing/2014/main" id="{A1DFC714-0E8C-DBAE-121C-2B1ACED5CDE7}"/>
+              </a:ext>
+            </a:extLst>
+          </p:cNvPr>
+          <p:cNvSpPr>
+            <a:spLocks noGrp="1"/>
+          </p:cNvSpPr>
+          <p:nvPr>
+            <p:ph idx="1"/>
+          </p:nvPr>
+        </p:nvSpPr>
+        <p:spPr/>
+        <p:txBody>
+          <a:bodyPr/>
+          <a:lstStyle/>
+          <a:p>
+            <a:r>
+              <a:rPr lang="ko-KR" altLang="en-US" dirty="0"/>
+              <a:t>출고 시</a:t>
+            </a:r>
+            <a:r>
+              <a:rPr lang="en-US" altLang="ko-KR" dirty="0"/>
+              <a:t>, </a:t>
+            </a:r>
+            <a:r>
+              <a:rPr lang="ko-KR" altLang="en-US" dirty="0"/>
+              <a:t>품목 자체를 빼는 것이 아닌</a:t>
+            </a:r>
+            <a:r>
+              <a:rPr lang="en-US" altLang="ko-KR" dirty="0"/>
+              <a:t>, </a:t>
+            </a:r>
+            <a:r>
+              <a:rPr lang="ko-KR" altLang="en-US" dirty="0"/>
+              <a:t>품목을 이루는 구성 요소를 연쇄적으로 차감 하고 싶을 때 제작이 가능함</a:t>
+            </a:r>
+            <a:r>
+              <a:rPr lang="en-US" altLang="ko-KR" dirty="0"/>
+              <a:t>.</a:t>
+            </a:r>
+          </a:p>
+          <a:p>
+            <a:r>
+              <a:rPr lang="en-US" altLang="ko-KR" dirty="0"/>
+              <a:t>BOM</a:t>
+            </a:r>
+            <a:r>
+              <a:rPr lang="ko-KR" altLang="en-US" dirty="0"/>
+              <a:t>생성 페이지 제작</a:t>
+            </a:r>
+            <a:r>
+              <a:rPr lang="en-US" altLang="ko-KR" dirty="0"/>
+              <a:t>.</a:t>
+            </a:r>
+          </a:p>
+          <a:p>
+            <a:r>
+              <a:rPr lang="ko-KR" altLang="en-US" dirty="0"/>
+              <a:t>무한 순환 참조가 일어나지 않도록 </a:t>
+            </a:r>
+            <a:r>
+              <a:rPr lang="en-US" altLang="ko-KR" dirty="0"/>
+              <a:t>cycle</a:t>
+            </a:r>
+            <a:r>
+              <a:rPr lang="ko-KR" altLang="en-US" dirty="0"/>
+              <a:t>체크가 필수임</a:t>
+            </a:r>
+            <a:r>
+              <a:rPr lang="en-US" altLang="ko-KR" dirty="0"/>
+              <a:t>.</a:t>
+            </a:r>
+          </a:p>
+        </p:txBody>
+      </p:sp>
+    </p:spTree>
+    <p:extLst>
+      <p:ext uri="{BB962C8B-B14F-4D97-AF65-F5344CB8AC3E}">
+        <p14:creationId xmlns:p14="http://schemas.microsoft.com/office/powerpoint/2010/main" val="2389051990"/>
+      </p:ext>
+    </p:extLst>
+  </p:cSld>
+  <p:clrMapOvr>
+    <a:masterClrMapping/>
+  </p:clrMapOvr>
+</p:sld>
+</file>
+
+<file path=ppt/slides/slide18.xml><?xml version="1.0" encoding="utf-8"?>
+<p:sld xmlns:a="http://schemas.openxmlformats.org/drawingml/2006/main" xmlns:r="http://schemas.openxmlformats.org/officeDocument/2006/relationships" xmlns:p="http://schemas.openxmlformats.org/presentationml/2006/main">
+  <p:cSld>
+    <p:spTree>
+      <p:nvGrpSpPr>
+        <p:cNvPr id="1" name=""/>
+        <p:cNvGrpSpPr/>
+        <p:nvPr/>
+      </p:nvGrpSpPr>
+      <p:grpSpPr>
+        <a:xfrm>
+          <a:off x="0" y="0"/>
+          <a:ext cx="0" cy="0"/>
+          <a:chOff x="0" y="0"/>
+          <a:chExt cx="0" cy="0"/>
+        </a:xfrm>
+      </p:grpSpPr>
+      <p:sp>
+        <p:nvSpPr>
+          <p:cNvPr id="2" name="제목 1">
+            <a:extLst>
+              <a:ext uri="{FF2B5EF4-FFF2-40B4-BE49-F238E27FC236}">
                 <a16:creationId xmlns:a16="http://schemas.microsoft.com/office/drawing/2014/main" id="{AD3B8A92-0DD8-C015-4E1F-6AED3F376449}"/>
               </a:ext>
             </a:extLst>
@@ -6992,7 +7244,7 @@
 </p:sld>
 </file>
 
-<file path=ppt/slides/slide18.xml><?xml version="1.0" encoding="utf-8"?>
+<file path=ppt/slides/slide19.xml><?xml version="1.0" encoding="utf-8"?>
 <p:sld xmlns:a="http://schemas.openxmlformats.org/drawingml/2006/main" xmlns:r="http://schemas.openxmlformats.org/officeDocument/2006/relationships" xmlns:p="http://schemas.openxmlformats.org/presentationml/2006/main">
   <p:cSld>
     <p:spTree>

--- a/src/main/resources/Guide/스프링부트로 재고관리 프로그램 제작하기.pptx
+++ b/src/main/resources/Guide/스프링부트로 재고관리 프로그램 제작하기.pptx
@@ -24,6 +24,8 @@
     <p:sldId id="269" r:id="rId18"/>
     <p:sldId id="273" r:id="rId19"/>
     <p:sldId id="274" r:id="rId20"/>
+    <p:sldId id="276" r:id="rId21"/>
+    <p:sldId id="277" r:id="rId22"/>
   </p:sldIdLst>
   <p:sldSz cx="12192000" cy="6858000"/>
   <p:notesSz cx="6858000" cy="9144000"/>
@@ -225,7 +227,7 @@
           <a:effectLst/>
           <a:extLst>
             <a:ext uri="{91240B29-F687-4f45-9708-019B960494DF}">
-              <a14:hiddenLine xmlns:a14="http://schemas.microsoft.com/office/drawing/2010/main" xmlns="" w="9525">
+              <a14:hiddenLine xmlns="" xmlns:a14="http://schemas.microsoft.com/office/drawing/2010/main" w="9525">
                 <a:solidFill>
                   <a:srgbClr val="000000"/>
                 </a:solidFill>
@@ -1747,7 +1749,7 @@
           <a:ln/>
           <a:extLst>
             <a:ext uri="{91240B29-F687-4f45-9708-019B960494DF}">
-              <a14:hiddenLine xmlns:a14="http://schemas.microsoft.com/office/drawing/2010/main" xmlns="" w="9525">
+              <a14:hiddenLine xmlns="" xmlns:a14="http://schemas.microsoft.com/office/drawing/2010/main" w="9525">
                 <a:solidFill>
                   <a:srgbClr val="000000"/>
                 </a:solidFill>
@@ -2022,7 +2024,7 @@
           <a:ln/>
           <a:extLst>
             <a:ext uri="{91240B29-F687-4f45-9708-019B960494DF}">
-              <a14:hiddenLine xmlns:a14="http://schemas.microsoft.com/office/drawing/2010/main" xmlns="" w="9525">
+              <a14:hiddenLine xmlns="" xmlns:a14="http://schemas.microsoft.com/office/drawing/2010/main" w="9525">
                 <a:solidFill>
                   <a:srgbClr val="000000"/>
                 </a:solidFill>
@@ -2305,7 +2307,7 @@
           <a:ln/>
           <a:extLst>
             <a:ext uri="{91240B29-F687-4f45-9708-019B960494DF}">
-              <a14:hiddenLine xmlns:a14="http://schemas.microsoft.com/office/drawing/2010/main" xmlns="" w="9525">
+              <a14:hiddenLine xmlns="" xmlns:a14="http://schemas.microsoft.com/office/drawing/2010/main" w="9525">
                 <a:solidFill>
                   <a:srgbClr val="000000"/>
                 </a:solidFill>
@@ -2931,7 +2933,7 @@
           <a:ln/>
           <a:extLst>
             <a:ext uri="{91240B29-F687-4f45-9708-019B960494DF}">
-              <a14:hiddenLine xmlns:a14="http://schemas.microsoft.com/office/drawing/2010/main" xmlns="" w="9525">
+              <a14:hiddenLine xmlns="" xmlns:a14="http://schemas.microsoft.com/office/drawing/2010/main" w="9525">
                 <a:solidFill>
                   <a:srgbClr val="000000"/>
                 </a:solidFill>
@@ -3270,7 +3272,7 @@
           <a:ln/>
           <a:extLst>
             <a:ext uri="{91240B29-F687-4f45-9708-019B960494DF}">
-              <a14:hiddenLine xmlns:a14="http://schemas.microsoft.com/office/drawing/2010/main" xmlns="" w="9525">
+              <a14:hiddenLine xmlns="" xmlns:a14="http://schemas.microsoft.com/office/drawing/2010/main" w="9525">
                 <a:solidFill>
                   <a:srgbClr val="000000"/>
                 </a:solidFill>
@@ -3747,7 +3749,7 @@
           <a:ln/>
           <a:extLst>
             <a:ext uri="{91240B29-F687-4f45-9708-019B960494DF}">
-              <a14:hiddenLine xmlns:a14="http://schemas.microsoft.com/office/drawing/2010/main" xmlns="" w="9525">
+              <a14:hiddenLine xmlns="" xmlns:a14="http://schemas.microsoft.com/office/drawing/2010/main" w="9525">
                 <a:solidFill>
                   <a:srgbClr val="000000"/>
                 </a:solidFill>
@@ -4176,7 +4178,7 @@
           <a:ln/>
           <a:extLst>
             <a:ext uri="{91240B29-F687-4f45-9708-019B960494DF}">
-              <a14:hiddenLine xmlns:a14="http://schemas.microsoft.com/office/drawing/2010/main" xmlns="" w="9525">
+              <a14:hiddenLine xmlns="" xmlns:a14="http://schemas.microsoft.com/office/drawing/2010/main" w="9525">
                 <a:solidFill>
                   <a:srgbClr val="000000"/>
                 </a:solidFill>
@@ -6484,6 +6486,40 @@
             </a:r>
           </a:p>
           <a:p>
+            <a:r>
+              <a:rPr lang="en-US" altLang="ko-KR" dirty="0"/>
+              <a:t>5. </a:t>
+            </a:r>
+            <a:r>
+              <a:rPr lang="ko-KR" altLang="en-US" dirty="0"/>
+              <a:t>출고시에</a:t>
+            </a:r>
+            <a:r>
+              <a:rPr lang="en-US" altLang="ko-KR" dirty="0"/>
+              <a:t>, </a:t>
+            </a:r>
+            <a:r>
+              <a:rPr lang="ko-KR" altLang="en-US" dirty="0"/>
+              <a:t>차감 가능한 </a:t>
+            </a:r>
+            <a:r>
+              <a:rPr lang="en-US" altLang="ko-KR" dirty="0"/>
+              <a:t>LOT</a:t>
+            </a:r>
+            <a:r>
+              <a:rPr lang="ko-KR" altLang="en-US" dirty="0"/>
+              <a:t>를 선입선출 순으로 </a:t>
+            </a:r>
+            <a:r>
+              <a:rPr lang="ko-KR" altLang="en-US" dirty="0" err="1"/>
+              <a:t>띄어줌</a:t>
+            </a:r>
+            <a:r>
+              <a:rPr lang="en-US" altLang="ko-KR" dirty="0"/>
+              <a:t>.</a:t>
+            </a:r>
+          </a:p>
+          <a:p>
             <a:endParaRPr lang="ko-KR" altLang="en-US" dirty="0"/>
           </a:p>
         </p:txBody>
@@ -7630,6 +7666,391 @@
 </p:sld>
 </file>
 
+<file path=ppt/slides/slide20.xml><?xml version="1.0" encoding="utf-8"?>
+<p:sld xmlns:a="http://schemas.openxmlformats.org/drawingml/2006/main" xmlns:r="http://schemas.openxmlformats.org/officeDocument/2006/relationships" xmlns:p="http://schemas.openxmlformats.org/presentationml/2006/main">
+  <p:cSld>
+    <p:spTree>
+      <p:nvGrpSpPr>
+        <p:cNvPr id="1" name=""/>
+        <p:cNvGrpSpPr/>
+        <p:nvPr/>
+      </p:nvGrpSpPr>
+      <p:grpSpPr>
+        <a:xfrm>
+          <a:off x="0" y="0"/>
+          <a:ext cx="0" cy="0"/>
+          <a:chOff x="0" y="0"/>
+          <a:chExt cx="0" cy="0"/>
+        </a:xfrm>
+      </p:grpSpPr>
+      <p:sp>
+        <p:nvSpPr>
+          <p:cNvPr id="2" name="제목 1">
+            <a:extLst>
+              <a:ext uri="{FF2B5EF4-FFF2-40B4-BE49-F238E27FC236}">
+                <a16:creationId xmlns:a16="http://schemas.microsoft.com/office/drawing/2014/main" id="{FD9ABA65-26E7-22FD-794A-83D05F5C63EE}"/>
+              </a:ext>
+            </a:extLst>
+          </p:cNvPr>
+          <p:cNvSpPr>
+            <a:spLocks noGrp="1"/>
+          </p:cNvSpPr>
+          <p:nvPr>
+            <p:ph type="title"/>
+          </p:nvPr>
+        </p:nvSpPr>
+        <p:spPr/>
+        <p:txBody>
+          <a:bodyPr/>
+          <a:lstStyle/>
+          <a:p>
+            <a:r>
+              <a:rPr lang="ko-KR" altLang="en-US" dirty="0"/>
+              <a:t>구현 내용</a:t>
+            </a:r>
+            <a:r>
+              <a:rPr lang="en-US" altLang="ko-KR" dirty="0"/>
+              <a:t>(</a:t>
+            </a:r>
+            <a:r>
+              <a:rPr lang="ko-KR" altLang="en-US" dirty="0"/>
+              <a:t>재고</a:t>
+            </a:r>
+            <a:r>
+              <a:rPr lang="en-US" altLang="ko-KR" dirty="0"/>
+              <a:t>)</a:t>
+            </a:r>
+            <a:endParaRPr lang="ko-KR" altLang="en-US" dirty="0"/>
+          </a:p>
+        </p:txBody>
+      </p:sp>
+      <p:sp>
+        <p:nvSpPr>
+          <p:cNvPr id="3" name="내용 개체 틀 2">
+            <a:extLst>
+              <a:ext uri="{FF2B5EF4-FFF2-40B4-BE49-F238E27FC236}">
+                <a16:creationId xmlns:a16="http://schemas.microsoft.com/office/drawing/2014/main" id="{C70C9202-9F61-BCCC-1146-A1A2BBE87ED9}"/>
+              </a:ext>
+            </a:extLst>
+          </p:cNvPr>
+          <p:cNvSpPr>
+            <a:spLocks noGrp="1"/>
+          </p:cNvSpPr>
+          <p:nvPr>
+            <p:ph idx="1"/>
+          </p:nvPr>
+        </p:nvSpPr>
+        <p:spPr/>
+        <p:txBody>
+          <a:bodyPr/>
+          <a:lstStyle/>
+          <a:p>
+            <a:r>
+              <a:rPr lang="ko-KR" altLang="en-US" dirty="0"/>
+              <a:t>품목별로 현재 가지고 있는 재고를 파악할 수 있어야 합니다</a:t>
+            </a:r>
+            <a:r>
+              <a:rPr lang="en-US" altLang="ko-KR" dirty="0"/>
+              <a:t>.</a:t>
+            </a:r>
+          </a:p>
+          <a:p>
+            <a:r>
+              <a:rPr lang="ko-KR" altLang="en-US" dirty="0"/>
+              <a:t>재고 파악은 선택된 품목의 </a:t>
+            </a:r>
+            <a:r>
+              <a:rPr lang="en-US" altLang="ko-KR" dirty="0"/>
+              <a:t>LOT</a:t>
+            </a:r>
+            <a:r>
+              <a:rPr lang="ko-KR" altLang="en-US" dirty="0"/>
+              <a:t>별 재고 확인도 가능합니다</a:t>
+            </a:r>
+            <a:r>
+              <a:rPr lang="en-US" altLang="ko-KR" dirty="0"/>
+              <a:t>.</a:t>
+            </a:r>
+          </a:p>
+          <a:p>
+            <a:r>
+              <a:rPr lang="ko-KR" altLang="en-US" dirty="0"/>
+              <a:t>생산계획을 참조하여</a:t>
+            </a:r>
+            <a:r>
+              <a:rPr lang="en-US" altLang="ko-KR" dirty="0"/>
+              <a:t>, </a:t>
+            </a:r>
+            <a:r>
+              <a:rPr lang="ko-KR" altLang="en-US" dirty="0"/>
+              <a:t>품목 예상 소진일을 알려줍니다</a:t>
+            </a:r>
+            <a:r>
+              <a:rPr lang="en-US" altLang="ko-KR" dirty="0"/>
+              <a:t>.</a:t>
+            </a:r>
+          </a:p>
+          <a:p>
+            <a:endParaRPr lang="en-US" altLang="ko-KR" dirty="0"/>
+          </a:p>
+          <a:p>
+            <a:r>
+              <a:rPr lang="ko-KR" altLang="en-US" dirty="0"/>
+              <a:t>재고 데이터 추가기능</a:t>
+            </a:r>
+            <a:r>
+              <a:rPr lang="en-US" altLang="ko-KR" dirty="0"/>
+              <a:t>.</a:t>
+            </a:r>
+          </a:p>
+          <a:p>
+            <a:r>
+              <a:rPr lang="ko-KR" altLang="en-US" dirty="0"/>
+              <a:t>재고 데이터 차감기능</a:t>
+            </a:r>
+            <a:r>
+              <a:rPr lang="en-US" altLang="ko-KR" dirty="0"/>
+              <a:t>.</a:t>
+            </a:r>
+          </a:p>
+          <a:p>
+            <a:r>
+              <a:rPr lang="ko-KR" altLang="en-US" dirty="0"/>
+              <a:t>재고 데이터 삭제기능</a:t>
+            </a:r>
+            <a:r>
+              <a:rPr lang="en-US" altLang="ko-KR" dirty="0"/>
+              <a:t>(</a:t>
+            </a:r>
+            <a:r>
+              <a:rPr lang="ko-KR" altLang="en-US" dirty="0"/>
+              <a:t>출고 데이터가 없을 경우</a:t>
+            </a:r>
+            <a:r>
+              <a:rPr lang="en-US" altLang="ko-KR" dirty="0"/>
+              <a:t>!)</a:t>
+            </a:r>
+            <a:endParaRPr lang="ko-KR" altLang="en-US" dirty="0"/>
+          </a:p>
+        </p:txBody>
+      </p:sp>
+    </p:spTree>
+    <p:extLst>
+      <p:ext uri="{BB962C8B-B14F-4D97-AF65-F5344CB8AC3E}">
+        <p14:creationId xmlns:p14="http://schemas.microsoft.com/office/powerpoint/2010/main" val="3982897830"/>
+      </p:ext>
+    </p:extLst>
+  </p:cSld>
+  <p:clrMapOvr>
+    <a:masterClrMapping/>
+  </p:clrMapOvr>
+</p:sld>
+</file>
+
+<file path=ppt/slides/slide21.xml><?xml version="1.0" encoding="utf-8"?>
+<p:sld xmlns:a="http://schemas.openxmlformats.org/drawingml/2006/main" xmlns:r="http://schemas.openxmlformats.org/officeDocument/2006/relationships" xmlns:p="http://schemas.openxmlformats.org/presentationml/2006/main">
+  <p:cSld>
+    <p:spTree>
+      <p:nvGrpSpPr>
+        <p:cNvPr id="1" name=""/>
+        <p:cNvGrpSpPr/>
+        <p:nvPr/>
+      </p:nvGrpSpPr>
+      <p:grpSpPr>
+        <a:xfrm>
+          <a:off x="0" y="0"/>
+          <a:ext cx="0" cy="0"/>
+          <a:chOff x="0" y="0"/>
+          <a:chExt cx="0" cy="0"/>
+        </a:xfrm>
+      </p:grpSpPr>
+      <p:sp>
+        <p:nvSpPr>
+          <p:cNvPr id="2" name="제목 1">
+            <a:extLst>
+              <a:ext uri="{FF2B5EF4-FFF2-40B4-BE49-F238E27FC236}">
+                <a16:creationId xmlns:a16="http://schemas.microsoft.com/office/drawing/2014/main" id="{AFFBBFC5-62F1-EBDD-E9B2-F3E2925EF1D7}"/>
+              </a:ext>
+            </a:extLst>
+          </p:cNvPr>
+          <p:cNvSpPr>
+            <a:spLocks noGrp="1"/>
+          </p:cNvSpPr>
+          <p:nvPr>
+            <p:ph type="title"/>
+          </p:nvPr>
+        </p:nvSpPr>
+        <p:spPr/>
+        <p:txBody>
+          <a:bodyPr/>
+          <a:lstStyle/>
+          <a:p>
+            <a:r>
+              <a:rPr lang="ko-KR" altLang="en-US" dirty="0"/>
+              <a:t>구현 내용</a:t>
+            </a:r>
+            <a:r>
+              <a:rPr lang="en-US" altLang="ko-KR" dirty="0"/>
+              <a:t>(</a:t>
+            </a:r>
+            <a:r>
+              <a:rPr lang="ko-KR" altLang="en-US" dirty="0"/>
+              <a:t>재고 </a:t>
+            </a:r>
+            <a:r>
+              <a:rPr lang="en-US" altLang="ko-KR" dirty="0" err="1"/>
+              <a:t>RestAPI</a:t>
+            </a:r>
+            <a:r>
+              <a:rPr lang="en-US" altLang="ko-KR" dirty="0"/>
+              <a:t>)</a:t>
+            </a:r>
+            <a:endParaRPr lang="ko-KR" altLang="en-US" dirty="0"/>
+          </a:p>
+        </p:txBody>
+      </p:sp>
+      <p:sp>
+        <p:nvSpPr>
+          <p:cNvPr id="3" name="내용 개체 틀 2">
+            <a:extLst>
+              <a:ext uri="{FF2B5EF4-FFF2-40B4-BE49-F238E27FC236}">
+                <a16:creationId xmlns:a16="http://schemas.microsoft.com/office/drawing/2014/main" id="{AADF2BE4-7514-0032-F450-B0629F4F75B5}"/>
+              </a:ext>
+            </a:extLst>
+          </p:cNvPr>
+          <p:cNvSpPr>
+            <a:spLocks noGrp="1"/>
+          </p:cNvSpPr>
+          <p:nvPr>
+            <p:ph idx="1"/>
+          </p:nvPr>
+        </p:nvSpPr>
+        <p:spPr/>
+        <p:txBody>
+          <a:bodyPr/>
+          <a:lstStyle/>
+          <a:p>
+            <a:r>
+              <a:rPr lang="en-US" altLang="ko-KR" dirty="0"/>
+              <a:t>(Get) /stock : </a:t>
+            </a:r>
+            <a:r>
+              <a:rPr lang="ko-KR" altLang="en-US" dirty="0"/>
+              <a:t>모든 품목에 대한 재고를 가져옵니다</a:t>
+            </a:r>
+            <a:r>
+              <a:rPr lang="en-US" altLang="ko-KR" dirty="0"/>
+              <a:t>.</a:t>
+            </a:r>
+          </a:p>
+          <a:p>
+            <a:r>
+              <a:rPr lang="en-US" altLang="ko-KR" dirty="0"/>
+              <a:t>(Get) /stock/</a:t>
+            </a:r>
+            <a:r>
+              <a:rPr lang="en-US" altLang="ko-KR" dirty="0" err="1"/>
+              <a:t>pid</a:t>
+            </a:r>
+            <a:r>
+              <a:rPr lang="en-US" altLang="ko-KR" dirty="0"/>
+              <a:t> : </a:t>
+            </a:r>
+            <a:r>
+              <a:rPr lang="en-US" altLang="ko-KR" dirty="0" err="1"/>
+              <a:t>pid</a:t>
+            </a:r>
+            <a:r>
+              <a:rPr lang="ko-KR" altLang="en-US" dirty="0"/>
+              <a:t>에 해당되는 품목의 </a:t>
+            </a:r>
+            <a:r>
+              <a:rPr lang="en-US" altLang="ko-KR" dirty="0"/>
+              <a:t>LOT</a:t>
+            </a:r>
+            <a:r>
+              <a:rPr lang="ko-KR" altLang="en-US" dirty="0"/>
+              <a:t>별 재고를 오름차순으로 가져옵니다</a:t>
+            </a:r>
+            <a:r>
+              <a:rPr lang="en-US" altLang="ko-KR" dirty="0"/>
+              <a:t>.</a:t>
+            </a:r>
+          </a:p>
+          <a:p>
+            <a:r>
+              <a:rPr lang="en-US" altLang="ko-KR" dirty="0"/>
+              <a:t>(Post) /stock : </a:t>
+            </a:r>
+            <a:r>
+              <a:rPr lang="ko-KR" altLang="en-US" dirty="0"/>
+              <a:t>재고를 추가합니다</a:t>
+            </a:r>
+            <a:r>
+              <a:rPr lang="en-US" altLang="ko-KR" dirty="0"/>
+              <a:t>.</a:t>
+            </a:r>
+          </a:p>
+          <a:p>
+            <a:r>
+              <a:rPr lang="en-US" altLang="ko-KR" dirty="0"/>
+              <a:t>(Put) /stock : </a:t>
+            </a:r>
+            <a:r>
+              <a:rPr lang="ko-KR" altLang="en-US" dirty="0"/>
+              <a:t>재고를 차감합니다</a:t>
+            </a:r>
+            <a:r>
+              <a:rPr lang="en-US" altLang="ko-KR" dirty="0"/>
+              <a:t>.</a:t>
+            </a:r>
+          </a:p>
+          <a:p>
+            <a:r>
+              <a:rPr lang="en-US" altLang="ko-KR" dirty="0"/>
+              <a:t>(Delete) /stock /{id}</a:t>
+            </a:r>
+            <a:r>
+              <a:rPr lang="ko-KR" altLang="en-US" dirty="0"/>
+              <a:t> </a:t>
+            </a:r>
+            <a:r>
+              <a:rPr lang="en-US" altLang="ko-KR" dirty="0"/>
+              <a:t>:</a:t>
+            </a:r>
+            <a:r>
+              <a:rPr lang="ko-KR" altLang="en-US" dirty="0"/>
+              <a:t> 해당되는 재고를 삭제합니다</a:t>
+            </a:r>
+            <a:r>
+              <a:rPr lang="en-US" altLang="ko-KR" dirty="0"/>
+              <a:t>.(</a:t>
+            </a:r>
+            <a:r>
+              <a:rPr lang="ko-KR" altLang="en-US" dirty="0"/>
+              <a:t>출고 이력확인 필수</a:t>
+            </a:r>
+            <a:r>
+              <a:rPr lang="en-US" altLang="ko-KR" dirty="0"/>
+              <a:t>)</a:t>
+            </a:r>
+            <a:endParaRPr lang="ko-KR" altLang="en-US" dirty="0"/>
+          </a:p>
+        </p:txBody>
+      </p:sp>
+    </p:spTree>
+    <p:extLst>
+      <p:ext uri="{BB962C8B-B14F-4D97-AF65-F5344CB8AC3E}">
+        <p14:creationId xmlns:p14="http://schemas.microsoft.com/office/powerpoint/2010/main" val="3163727126"/>
+      </p:ext>
+    </p:extLst>
+  </p:cSld>
+  <p:clrMapOvr>
+    <a:masterClrMapping/>
+  </p:clrMapOvr>
+</p:sld>
+</file>
+
 <file path=ppt/slides/slide3.xml><?xml version="1.0" encoding="utf-8"?>
 <p:sld xmlns:a="http://schemas.openxmlformats.org/drawingml/2006/main" xmlns:r="http://schemas.openxmlformats.org/officeDocument/2006/relationships" xmlns:p="http://schemas.openxmlformats.org/presentationml/2006/main">
   <p:cSld>
@@ -8463,10 +8884,10 @@
       </p:sp>
       <p:pic>
         <p:nvPicPr>
-          <p:cNvPr id="4" name="그림 3">
+          <p:cNvPr id="5" name="그림 4">
             <a:extLst>
               <a:ext uri="{FF2B5EF4-FFF2-40B4-BE49-F238E27FC236}">
-                <a16:creationId xmlns:a16="http://schemas.microsoft.com/office/drawing/2014/main" id="{CE08AA31-AAE3-FFCF-A778-DC4363D7DD45}"/>
+                <a16:creationId xmlns:a16="http://schemas.microsoft.com/office/drawing/2014/main" id="{F7A75C60-2DA1-D804-6DA6-D09F9ABEED85}"/>
               </a:ext>
             </a:extLst>
           </p:cNvPr>
@@ -8483,8 +8904,8 @@
         </p:blipFill>
         <p:spPr>
           <a:xfrm>
-            <a:off x="981522" y="1561786"/>
-            <a:ext cx="9806670" cy="4849026"/>
+            <a:off x="810000" y="1545099"/>
+            <a:ext cx="9985734" cy="5108795"/>
           </a:xfrm>
           <a:prstGeom prst="round2DiagRect">
             <a:avLst>

--- a/src/main/resources/Guide/스프링부트로 재고관리 프로그램 제작하기.pptx
+++ b/src/main/resources/Guide/스프링부트로 재고관리 프로그램 제작하기.pptx
@@ -419,7 +419,7 @@
           <a:p>
             <a:fld id="{0BF39805-75F6-4925-84E0-FBE038415466}" type="datetimeFigureOut">
               <a:rPr lang="ko-KR" altLang="en-US" smtClean="0"/>
-              <a:t>2023-06-01</a:t>
+              <a:t>2023-06-04</a:t>
             </a:fld>
             <a:endParaRPr lang="ko-KR" altLang="en-US"/>
           </a:p>
@@ -737,7 +737,7 @@
           <a:p>
             <a:fld id="{0BF39805-75F6-4925-84E0-FBE038415466}" type="datetimeFigureOut">
               <a:rPr lang="ko-KR" altLang="en-US" smtClean="0"/>
-              <a:t>2023-06-01</a:t>
+              <a:t>2023-06-04</a:t>
             </a:fld>
             <a:endParaRPr lang="ko-KR" altLang="en-US"/>
           </a:p>
@@ -1225,7 +1225,7 @@
           <a:p>
             <a:fld id="{0BF39805-75F6-4925-84E0-FBE038415466}" type="datetimeFigureOut">
               <a:rPr lang="ko-KR" altLang="en-US" smtClean="0"/>
-              <a:t>2023-06-01</a:t>
+              <a:t>2023-06-04</a:t>
             </a:fld>
             <a:endParaRPr lang="ko-KR" altLang="en-US"/>
           </a:p>
@@ -1594,7 +1594,7 @@
           <a:p>
             <a:fld id="{0BF39805-75F6-4925-84E0-FBE038415466}" type="datetimeFigureOut">
               <a:rPr lang="ko-KR" altLang="en-US" smtClean="0"/>
-              <a:t>2023-06-01</a:t>
+              <a:t>2023-06-04</a:t>
             </a:fld>
             <a:endParaRPr lang="ko-KR" altLang="en-US"/>
           </a:p>
@@ -1867,7 +1867,7 @@
           <a:p>
             <a:fld id="{0BF39805-75F6-4925-84E0-FBE038415466}" type="datetimeFigureOut">
               <a:rPr lang="ko-KR" altLang="en-US" smtClean="0"/>
-              <a:t>2023-06-01</a:t>
+              <a:t>2023-06-04</a:t>
             </a:fld>
             <a:endParaRPr lang="ko-KR" altLang="en-US"/>
           </a:p>
@@ -2152,7 +2152,7 @@
           <a:p>
             <a:fld id="{0BF39805-75F6-4925-84E0-FBE038415466}" type="datetimeFigureOut">
               <a:rPr lang="ko-KR" altLang="en-US" smtClean="0"/>
-              <a:t>2023-06-01</a:t>
+              <a:t>2023-06-04</a:t>
             </a:fld>
             <a:endParaRPr lang="ko-KR" altLang="en-US"/>
           </a:p>
@@ -2435,7 +2435,7 @@
           <a:p>
             <a:fld id="{0BF39805-75F6-4925-84E0-FBE038415466}" type="datetimeFigureOut">
               <a:rPr lang="ko-KR" altLang="en-US" smtClean="0"/>
-              <a:t>2023-06-01</a:t>
+              <a:t>2023-06-04</a:t>
             </a:fld>
             <a:endParaRPr lang="ko-KR" altLang="en-US"/>
           </a:p>
@@ -2778,7 +2778,7 @@
           <a:p>
             <a:fld id="{0BF39805-75F6-4925-84E0-FBE038415466}" type="datetimeFigureOut">
               <a:rPr lang="ko-KR" altLang="en-US" smtClean="0"/>
-              <a:t>2023-06-01</a:t>
+              <a:t>2023-06-04</a:t>
             </a:fld>
             <a:endParaRPr lang="ko-KR" altLang="en-US"/>
           </a:p>
@@ -3117,7 +3117,7 @@
           <a:p>
             <a:fld id="{0BF39805-75F6-4925-84E0-FBE038415466}" type="datetimeFigureOut">
               <a:rPr lang="ko-KR" altLang="en-US" smtClean="0"/>
-              <a:t>2023-06-01</a:t>
+              <a:t>2023-06-04</a:t>
             </a:fld>
             <a:endParaRPr lang="ko-KR" altLang="en-US"/>
           </a:p>
@@ -3594,7 +3594,7 @@
           <a:p>
             <a:fld id="{0BF39805-75F6-4925-84E0-FBE038415466}" type="datetimeFigureOut">
               <a:rPr lang="ko-KR" altLang="en-US" smtClean="0"/>
-              <a:t>2023-06-01</a:t>
+              <a:t>2023-06-04</a:t>
             </a:fld>
             <a:endParaRPr lang="ko-KR" altLang="en-US"/>
           </a:p>
@@ -3815,7 +3815,7 @@
           <a:p>
             <a:fld id="{0BF39805-75F6-4925-84E0-FBE038415466}" type="datetimeFigureOut">
               <a:rPr lang="ko-KR" altLang="en-US" smtClean="0"/>
-              <a:t>2023-06-01</a:t>
+              <a:t>2023-06-04</a:t>
             </a:fld>
             <a:endParaRPr lang="ko-KR" altLang="en-US"/>
           </a:p>
@@ -3910,7 +3910,7 @@
           <a:p>
             <a:fld id="{0BF39805-75F6-4925-84E0-FBE038415466}" type="datetimeFigureOut">
               <a:rPr lang="ko-KR" altLang="en-US" smtClean="0"/>
-              <a:t>2023-06-01</a:t>
+              <a:t>2023-06-04</a:t>
             </a:fld>
             <a:endParaRPr lang="ko-KR" altLang="en-US"/>
           </a:p>
@@ -4377,7 +4377,7 @@
           <a:p>
             <a:fld id="{0BF39805-75F6-4925-84E0-FBE038415466}" type="datetimeFigureOut">
               <a:rPr lang="ko-KR" altLang="en-US" smtClean="0"/>
-              <a:t>2023-06-01</a:t>
+              <a:t>2023-06-04</a:t>
             </a:fld>
             <a:endParaRPr lang="ko-KR" altLang="en-US"/>
           </a:p>
@@ -4690,7 +4690,7 @@
           <a:p>
             <a:fld id="{0BF39805-75F6-4925-84E0-FBE038415466}" type="datetimeFigureOut">
               <a:rPr lang="ko-KR" altLang="en-US" smtClean="0"/>
-              <a:t>2023-06-01</a:t>
+              <a:t>2023-06-04</a:t>
             </a:fld>
             <a:endParaRPr lang="ko-KR" altLang="en-US"/>
           </a:p>
@@ -4960,7 +4960,7 @@
           <a:p>
             <a:fld id="{0BF39805-75F6-4925-84E0-FBE038415466}" type="datetimeFigureOut">
               <a:rPr lang="ko-KR" altLang="en-US" smtClean="0"/>
-              <a:t>2023-06-01</a:t>
+              <a:t>2023-06-04</a:t>
             </a:fld>
             <a:endParaRPr lang="ko-KR" altLang="en-US"/>
           </a:p>
@@ -8887,7 +8887,7 @@
           <p:cNvPr id="5" name="그림 4">
             <a:extLst>
               <a:ext uri="{FF2B5EF4-FFF2-40B4-BE49-F238E27FC236}">
-                <a16:creationId xmlns:a16="http://schemas.microsoft.com/office/drawing/2014/main" id="{F7A75C60-2DA1-D804-6DA6-D09F9ABEED85}"/>
+                <a16:creationId xmlns:a16="http://schemas.microsoft.com/office/drawing/2014/main" id="{926859AC-1E15-D383-CF73-8EE7808D964E}"/>
               </a:ext>
             </a:extLst>
           </p:cNvPr>
@@ -8904,28 +8904,42 @@
         </p:blipFill>
         <p:spPr>
           <a:xfrm>
-            <a:off x="810000" y="1545099"/>
-            <a:ext cx="9985734" cy="5108795"/>
+            <a:off x="1812340" y="1684402"/>
+            <a:ext cx="7998925" cy="4568806"/>
           </a:xfrm>
-          <a:prstGeom prst="round2DiagRect">
-            <a:avLst>
-              <a:gd name="adj1" fmla="val 16667"/>
-              <a:gd name="adj2" fmla="val 0"/>
-            </a:avLst>
+          <a:prstGeom prst="rect">
+            <a:avLst/>
           </a:prstGeom>
-          <a:ln w="88900" cap="sq">
+          <a:solidFill>
+            <a:srgbClr val="FFFFFF">
+              <a:shade val="85000"/>
+            </a:srgbClr>
+          </a:solidFill>
+          <a:ln w="190500" cap="sq">
             <a:solidFill>
               <a:srgbClr val="FFFFFF"/>
             </a:solidFill>
             <a:miter lim="800000"/>
           </a:ln>
           <a:effectLst>
-            <a:outerShdw blurRad="254000" algn="tl" rotWithShape="0">
+            <a:outerShdw blurRad="55000" dist="18000" dir="5400000" algn="tl" rotWithShape="0">
               <a:srgbClr val="000000">
-                <a:alpha val="43000"/>
+                <a:alpha val="40000"/>
               </a:srgbClr>
             </a:outerShdw>
           </a:effectLst>
+          <a:scene3d>
+            <a:camera prst="orthographicFront"/>
+            <a:lightRig rig="twoPt" dir="t">
+              <a:rot lat="0" lon="0" rev="7200000"/>
+            </a:lightRig>
+          </a:scene3d>
+          <a:sp3d>
+            <a:bevelT w="25400" h="19050"/>
+            <a:contourClr>
+              <a:srgbClr val="FFFFFF"/>
+            </a:contourClr>
+          </a:sp3d>
         </p:spPr>
       </p:pic>
     </p:spTree>

--- a/src/main/resources/Guide/스프링부트로 재고관리 프로그램 제작하기.pptx
+++ b/src/main/resources/Guide/스프링부트로 재고관리 프로그램 제작하기.pptx
@@ -227,7 +227,7 @@
           <a:effectLst/>
           <a:extLst>
             <a:ext uri="{91240B29-F687-4f45-9708-019B960494DF}">
-              <a14:hiddenLine xmlns="" xmlns:a14="http://schemas.microsoft.com/office/drawing/2010/main" w="9525">
+              <a14:hiddenLine xmlns:a14="http://schemas.microsoft.com/office/drawing/2010/main" xmlns="" w="9525">
                 <a:solidFill>
                   <a:srgbClr val="000000"/>
                 </a:solidFill>
@@ -1749,7 +1749,7 @@
           <a:ln/>
           <a:extLst>
             <a:ext uri="{91240B29-F687-4f45-9708-019B960494DF}">
-              <a14:hiddenLine xmlns="" xmlns:a14="http://schemas.microsoft.com/office/drawing/2010/main" w="9525">
+              <a14:hiddenLine xmlns:a14="http://schemas.microsoft.com/office/drawing/2010/main" xmlns="" w="9525">
                 <a:solidFill>
                   <a:srgbClr val="000000"/>
                 </a:solidFill>
@@ -2024,7 +2024,7 @@
           <a:ln/>
           <a:extLst>
             <a:ext uri="{91240B29-F687-4f45-9708-019B960494DF}">
-              <a14:hiddenLine xmlns="" xmlns:a14="http://schemas.microsoft.com/office/drawing/2010/main" w="9525">
+              <a14:hiddenLine xmlns:a14="http://schemas.microsoft.com/office/drawing/2010/main" xmlns="" w="9525">
                 <a:solidFill>
                   <a:srgbClr val="000000"/>
                 </a:solidFill>
@@ -2307,7 +2307,7 @@
           <a:ln/>
           <a:extLst>
             <a:ext uri="{91240B29-F687-4f45-9708-019B960494DF}">
-              <a14:hiddenLine xmlns="" xmlns:a14="http://schemas.microsoft.com/office/drawing/2010/main" w="9525">
+              <a14:hiddenLine xmlns:a14="http://schemas.microsoft.com/office/drawing/2010/main" xmlns="" w="9525">
                 <a:solidFill>
                   <a:srgbClr val="000000"/>
                 </a:solidFill>
@@ -2933,7 +2933,7 @@
           <a:ln/>
           <a:extLst>
             <a:ext uri="{91240B29-F687-4f45-9708-019B960494DF}">
-              <a14:hiddenLine xmlns="" xmlns:a14="http://schemas.microsoft.com/office/drawing/2010/main" w="9525">
+              <a14:hiddenLine xmlns:a14="http://schemas.microsoft.com/office/drawing/2010/main" xmlns="" w="9525">
                 <a:solidFill>
                   <a:srgbClr val="000000"/>
                 </a:solidFill>
@@ -3272,7 +3272,7 @@
           <a:ln/>
           <a:extLst>
             <a:ext uri="{91240B29-F687-4f45-9708-019B960494DF}">
-              <a14:hiddenLine xmlns="" xmlns:a14="http://schemas.microsoft.com/office/drawing/2010/main" w="9525">
+              <a14:hiddenLine xmlns:a14="http://schemas.microsoft.com/office/drawing/2010/main" xmlns="" w="9525">
                 <a:solidFill>
                   <a:srgbClr val="000000"/>
                 </a:solidFill>
@@ -3749,7 +3749,7 @@
           <a:ln/>
           <a:extLst>
             <a:ext uri="{91240B29-F687-4f45-9708-019B960494DF}">
-              <a14:hiddenLine xmlns="" xmlns:a14="http://schemas.microsoft.com/office/drawing/2010/main" w="9525">
+              <a14:hiddenLine xmlns:a14="http://schemas.microsoft.com/office/drawing/2010/main" xmlns="" w="9525">
                 <a:solidFill>
                   <a:srgbClr val="000000"/>
                 </a:solidFill>
@@ -4178,7 +4178,7 @@
           <a:ln/>
           <a:extLst>
             <a:ext uri="{91240B29-F687-4f45-9708-019B960494DF}">
-              <a14:hiddenLine xmlns="" xmlns:a14="http://schemas.microsoft.com/office/drawing/2010/main" w="9525">
+              <a14:hiddenLine xmlns:a14="http://schemas.microsoft.com/office/drawing/2010/main" xmlns="" w="9525">
                 <a:solidFill>
                   <a:srgbClr val="000000"/>
                 </a:solidFill>
@@ -8884,10 +8884,10 @@
       </p:sp>
       <p:pic>
         <p:nvPicPr>
-          <p:cNvPr id="5" name="그림 4">
+          <p:cNvPr id="4" name="그림 3">
             <a:extLst>
               <a:ext uri="{FF2B5EF4-FFF2-40B4-BE49-F238E27FC236}">
-                <a16:creationId xmlns:a16="http://schemas.microsoft.com/office/drawing/2014/main" id="{926859AC-1E15-D383-CF73-8EE7808D964E}"/>
+                <a16:creationId xmlns:a16="http://schemas.microsoft.com/office/drawing/2014/main" id="{5A4B3566-3EF4-375D-9C86-F88A2C99EBF8}"/>
               </a:ext>
             </a:extLst>
           </p:cNvPr>
@@ -8904,42 +8904,26 @@
         </p:blipFill>
         <p:spPr>
           <a:xfrm>
-            <a:off x="1812340" y="1684402"/>
-            <a:ext cx="7998925" cy="4568806"/>
+            <a:off x="1929190" y="1592648"/>
+            <a:ext cx="7882075" cy="4619138"/>
           </a:xfrm>
           <a:prstGeom prst="rect">
             <a:avLst/>
           </a:prstGeom>
-          <a:solidFill>
-            <a:srgbClr val="FFFFFF">
-              <a:shade val="85000"/>
-            </a:srgbClr>
-          </a:solidFill>
-          <a:ln w="190500" cap="sq">
+          <a:ln w="38100" cap="sq">
             <a:solidFill>
-              <a:srgbClr val="FFFFFF"/>
+              <a:srgbClr val="000000"/>
             </a:solidFill>
+            <a:prstDash val="solid"/>
             <a:miter lim="800000"/>
           </a:ln>
           <a:effectLst>
-            <a:outerShdw blurRad="55000" dist="18000" dir="5400000" algn="tl" rotWithShape="0">
+            <a:outerShdw blurRad="50800" dist="38100" dir="2700000" algn="tl" rotWithShape="0">
               <a:srgbClr val="000000">
-                <a:alpha val="40000"/>
+                <a:alpha val="43000"/>
               </a:srgbClr>
             </a:outerShdw>
           </a:effectLst>
-          <a:scene3d>
-            <a:camera prst="orthographicFront"/>
-            <a:lightRig rig="twoPt" dir="t">
-              <a:rot lat="0" lon="0" rev="7200000"/>
-            </a:lightRig>
-          </a:scene3d>
-          <a:sp3d>
-            <a:bevelT w="25400" h="19050"/>
-            <a:contourClr>
-              <a:srgbClr val="FFFFFF"/>
-            </a:contourClr>
-          </a:sp3d>
         </p:spPr>
       </p:pic>
     </p:spTree>

--- a/src/main/resources/Guide/스프링부트로 재고관리 프로그램 제작하기.pptx
+++ b/src/main/resources/Guide/스프링부트로 재고관리 프로그램 제작하기.pptx
@@ -13,19 +13,21 @@
     <p:sldId id="261" r:id="rId7"/>
     <p:sldId id="262" r:id="rId8"/>
     <p:sldId id="263" r:id="rId9"/>
-    <p:sldId id="271" r:id="rId10"/>
-    <p:sldId id="264" r:id="rId11"/>
-    <p:sldId id="265" r:id="rId12"/>
-    <p:sldId id="275" r:id="rId13"/>
-    <p:sldId id="266" r:id="rId14"/>
-    <p:sldId id="267" r:id="rId15"/>
-    <p:sldId id="268" r:id="rId16"/>
-    <p:sldId id="272" r:id="rId17"/>
-    <p:sldId id="269" r:id="rId18"/>
-    <p:sldId id="273" r:id="rId19"/>
-    <p:sldId id="274" r:id="rId20"/>
-    <p:sldId id="276" r:id="rId21"/>
-    <p:sldId id="277" r:id="rId22"/>
+    <p:sldId id="278" r:id="rId10"/>
+    <p:sldId id="279" r:id="rId11"/>
+    <p:sldId id="271" r:id="rId12"/>
+    <p:sldId id="264" r:id="rId13"/>
+    <p:sldId id="265" r:id="rId14"/>
+    <p:sldId id="275" r:id="rId15"/>
+    <p:sldId id="266" r:id="rId16"/>
+    <p:sldId id="267" r:id="rId17"/>
+    <p:sldId id="268" r:id="rId18"/>
+    <p:sldId id="272" r:id="rId19"/>
+    <p:sldId id="269" r:id="rId20"/>
+    <p:sldId id="273" r:id="rId21"/>
+    <p:sldId id="274" r:id="rId22"/>
+    <p:sldId id="276" r:id="rId23"/>
+    <p:sldId id="277" r:id="rId24"/>
   </p:sldIdLst>
   <p:sldSz cx="12192000" cy="6858000"/>
   <p:notesSz cx="6858000" cy="9144000"/>
@@ -227,7 +229,7 @@
           <a:effectLst/>
           <a:extLst>
             <a:ext uri="{91240B29-F687-4f45-9708-019B960494DF}">
-              <a14:hiddenLine xmlns:a14="http://schemas.microsoft.com/office/drawing/2010/main" xmlns="" w="9525">
+              <a14:hiddenLine xmlns="" xmlns:a14="http://schemas.microsoft.com/office/drawing/2010/main" w="9525">
                 <a:solidFill>
                   <a:srgbClr val="000000"/>
                 </a:solidFill>
@@ -419,7 +421,7 @@
           <a:p>
             <a:fld id="{0BF39805-75F6-4925-84E0-FBE038415466}" type="datetimeFigureOut">
               <a:rPr lang="ko-KR" altLang="en-US" smtClean="0"/>
-              <a:t>2023-06-04</a:t>
+              <a:t>2023-06-06</a:t>
             </a:fld>
             <a:endParaRPr lang="ko-KR" altLang="en-US"/>
           </a:p>
@@ -737,7 +739,7 @@
           <a:p>
             <a:fld id="{0BF39805-75F6-4925-84E0-FBE038415466}" type="datetimeFigureOut">
               <a:rPr lang="ko-KR" altLang="en-US" smtClean="0"/>
-              <a:t>2023-06-04</a:t>
+              <a:t>2023-06-06</a:t>
             </a:fld>
             <a:endParaRPr lang="ko-KR" altLang="en-US"/>
           </a:p>
@@ -1225,7 +1227,7 @@
           <a:p>
             <a:fld id="{0BF39805-75F6-4925-84E0-FBE038415466}" type="datetimeFigureOut">
               <a:rPr lang="ko-KR" altLang="en-US" smtClean="0"/>
-              <a:t>2023-06-04</a:t>
+              <a:t>2023-06-06</a:t>
             </a:fld>
             <a:endParaRPr lang="ko-KR" altLang="en-US"/>
           </a:p>
@@ -1594,7 +1596,7 @@
           <a:p>
             <a:fld id="{0BF39805-75F6-4925-84E0-FBE038415466}" type="datetimeFigureOut">
               <a:rPr lang="ko-KR" altLang="en-US" smtClean="0"/>
-              <a:t>2023-06-04</a:t>
+              <a:t>2023-06-06</a:t>
             </a:fld>
             <a:endParaRPr lang="ko-KR" altLang="en-US"/>
           </a:p>
@@ -1749,7 +1751,7 @@
           <a:ln/>
           <a:extLst>
             <a:ext uri="{91240B29-F687-4f45-9708-019B960494DF}">
-              <a14:hiddenLine xmlns:a14="http://schemas.microsoft.com/office/drawing/2010/main" xmlns="" w="9525">
+              <a14:hiddenLine xmlns="" xmlns:a14="http://schemas.microsoft.com/office/drawing/2010/main" w="9525">
                 <a:solidFill>
                   <a:srgbClr val="000000"/>
                 </a:solidFill>
@@ -1867,7 +1869,7 @@
           <a:p>
             <a:fld id="{0BF39805-75F6-4925-84E0-FBE038415466}" type="datetimeFigureOut">
               <a:rPr lang="ko-KR" altLang="en-US" smtClean="0"/>
-              <a:t>2023-06-04</a:t>
+              <a:t>2023-06-06</a:t>
             </a:fld>
             <a:endParaRPr lang="ko-KR" altLang="en-US"/>
           </a:p>
@@ -2024,7 +2026,7 @@
           <a:ln/>
           <a:extLst>
             <a:ext uri="{91240B29-F687-4f45-9708-019B960494DF}">
-              <a14:hiddenLine xmlns:a14="http://schemas.microsoft.com/office/drawing/2010/main" xmlns="" w="9525">
+              <a14:hiddenLine xmlns="" xmlns:a14="http://schemas.microsoft.com/office/drawing/2010/main" w="9525">
                 <a:solidFill>
                   <a:srgbClr val="000000"/>
                 </a:solidFill>
@@ -2152,7 +2154,7 @@
           <a:p>
             <a:fld id="{0BF39805-75F6-4925-84E0-FBE038415466}" type="datetimeFigureOut">
               <a:rPr lang="ko-KR" altLang="en-US" smtClean="0"/>
-              <a:t>2023-06-04</a:t>
+              <a:t>2023-06-06</a:t>
             </a:fld>
             <a:endParaRPr lang="ko-KR" altLang="en-US"/>
           </a:p>
@@ -2307,7 +2309,7 @@
           <a:ln/>
           <a:extLst>
             <a:ext uri="{91240B29-F687-4f45-9708-019B960494DF}">
-              <a14:hiddenLine xmlns:a14="http://schemas.microsoft.com/office/drawing/2010/main" xmlns="" w="9525">
+              <a14:hiddenLine xmlns="" xmlns:a14="http://schemas.microsoft.com/office/drawing/2010/main" w="9525">
                 <a:solidFill>
                   <a:srgbClr val="000000"/>
                 </a:solidFill>
@@ -2435,7 +2437,7 @@
           <a:p>
             <a:fld id="{0BF39805-75F6-4925-84E0-FBE038415466}" type="datetimeFigureOut">
               <a:rPr lang="ko-KR" altLang="en-US" smtClean="0"/>
-              <a:t>2023-06-04</a:t>
+              <a:t>2023-06-06</a:t>
             </a:fld>
             <a:endParaRPr lang="ko-KR" altLang="en-US"/>
           </a:p>
@@ -2778,7 +2780,7 @@
           <a:p>
             <a:fld id="{0BF39805-75F6-4925-84E0-FBE038415466}" type="datetimeFigureOut">
               <a:rPr lang="ko-KR" altLang="en-US" smtClean="0"/>
-              <a:t>2023-06-04</a:t>
+              <a:t>2023-06-06</a:t>
             </a:fld>
             <a:endParaRPr lang="ko-KR" altLang="en-US"/>
           </a:p>
@@ -2933,7 +2935,7 @@
           <a:ln/>
           <a:extLst>
             <a:ext uri="{91240B29-F687-4f45-9708-019B960494DF}">
-              <a14:hiddenLine xmlns:a14="http://schemas.microsoft.com/office/drawing/2010/main" xmlns="" w="9525">
+              <a14:hiddenLine xmlns="" xmlns:a14="http://schemas.microsoft.com/office/drawing/2010/main" w="9525">
                 <a:solidFill>
                   <a:srgbClr val="000000"/>
                 </a:solidFill>
@@ -3117,7 +3119,7 @@
           <a:p>
             <a:fld id="{0BF39805-75F6-4925-84E0-FBE038415466}" type="datetimeFigureOut">
               <a:rPr lang="ko-KR" altLang="en-US" smtClean="0"/>
-              <a:t>2023-06-04</a:t>
+              <a:t>2023-06-06</a:t>
             </a:fld>
             <a:endParaRPr lang="ko-KR" altLang="en-US"/>
           </a:p>
@@ -3272,7 +3274,7 @@
           <a:ln/>
           <a:extLst>
             <a:ext uri="{91240B29-F687-4f45-9708-019B960494DF}">
-              <a14:hiddenLine xmlns:a14="http://schemas.microsoft.com/office/drawing/2010/main" xmlns="" w="9525">
+              <a14:hiddenLine xmlns="" xmlns:a14="http://schemas.microsoft.com/office/drawing/2010/main" w="9525">
                 <a:solidFill>
                   <a:srgbClr val="000000"/>
                 </a:solidFill>
@@ -3594,7 +3596,7 @@
           <a:p>
             <a:fld id="{0BF39805-75F6-4925-84E0-FBE038415466}" type="datetimeFigureOut">
               <a:rPr lang="ko-KR" altLang="en-US" smtClean="0"/>
-              <a:t>2023-06-04</a:t>
+              <a:t>2023-06-06</a:t>
             </a:fld>
             <a:endParaRPr lang="ko-KR" altLang="en-US"/>
           </a:p>
@@ -3749,7 +3751,7 @@
           <a:ln/>
           <a:extLst>
             <a:ext uri="{91240B29-F687-4f45-9708-019B960494DF}">
-              <a14:hiddenLine xmlns:a14="http://schemas.microsoft.com/office/drawing/2010/main" xmlns="" w="9525">
+              <a14:hiddenLine xmlns="" xmlns:a14="http://schemas.microsoft.com/office/drawing/2010/main" w="9525">
                 <a:solidFill>
                   <a:srgbClr val="000000"/>
                 </a:solidFill>
@@ -3815,7 +3817,7 @@
           <a:p>
             <a:fld id="{0BF39805-75F6-4925-84E0-FBE038415466}" type="datetimeFigureOut">
               <a:rPr lang="ko-KR" altLang="en-US" smtClean="0"/>
-              <a:t>2023-06-04</a:t>
+              <a:t>2023-06-06</a:t>
             </a:fld>
             <a:endParaRPr lang="ko-KR" altLang="en-US"/>
           </a:p>
@@ -3910,7 +3912,7 @@
           <a:p>
             <a:fld id="{0BF39805-75F6-4925-84E0-FBE038415466}" type="datetimeFigureOut">
               <a:rPr lang="ko-KR" altLang="en-US" smtClean="0"/>
-              <a:t>2023-06-04</a:t>
+              <a:t>2023-06-06</a:t>
             </a:fld>
             <a:endParaRPr lang="ko-KR" altLang="en-US"/>
           </a:p>
@@ -4178,7 +4180,7 @@
           <a:ln/>
           <a:extLst>
             <a:ext uri="{91240B29-F687-4f45-9708-019B960494DF}">
-              <a14:hiddenLine xmlns:a14="http://schemas.microsoft.com/office/drawing/2010/main" xmlns="" w="9525">
+              <a14:hiddenLine xmlns="" xmlns:a14="http://schemas.microsoft.com/office/drawing/2010/main" w="9525">
                 <a:solidFill>
                   <a:srgbClr val="000000"/>
                 </a:solidFill>
@@ -4377,7 +4379,7 @@
           <a:p>
             <a:fld id="{0BF39805-75F6-4925-84E0-FBE038415466}" type="datetimeFigureOut">
               <a:rPr lang="ko-KR" altLang="en-US" smtClean="0"/>
-              <a:t>2023-06-04</a:t>
+              <a:t>2023-06-06</a:t>
             </a:fld>
             <a:endParaRPr lang="ko-KR" altLang="en-US"/>
           </a:p>
@@ -4690,7 +4692,7 @@
           <a:p>
             <a:fld id="{0BF39805-75F6-4925-84E0-FBE038415466}" type="datetimeFigureOut">
               <a:rPr lang="ko-KR" altLang="en-US" smtClean="0"/>
-              <a:t>2023-06-04</a:t>
+              <a:t>2023-06-06</a:t>
             </a:fld>
             <a:endParaRPr lang="ko-KR" altLang="en-US"/>
           </a:p>
@@ -4960,7 +4962,7 @@
           <a:p>
             <a:fld id="{0BF39805-75F6-4925-84E0-FBE038415466}" type="datetimeFigureOut">
               <a:rPr lang="ko-KR" altLang="en-US" smtClean="0"/>
-              <a:t>2023-06-04</a:t>
+              <a:t>2023-06-06</a:t>
             </a:fld>
             <a:endParaRPr lang="ko-KR" altLang="en-US"/>
           </a:p>
@@ -5534,7 +5536,7 @@
           <p:cNvPr id="2" name="제목 1">
             <a:extLst>
               <a:ext uri="{FF2B5EF4-FFF2-40B4-BE49-F238E27FC236}">
-                <a16:creationId xmlns:a16="http://schemas.microsoft.com/office/drawing/2014/main" id="{FD22C4AE-AEF7-5A46-3E63-D813EC0B6BFE}"/>
+                <a16:creationId xmlns:a16="http://schemas.microsoft.com/office/drawing/2014/main" id="{ACD7BC73-9673-2659-B429-D2EF426240BF}"/>
               </a:ext>
             </a:extLst>
           </p:cNvPr>
@@ -5552,177 +5554,919 @@
           <a:p>
             <a:r>
               <a:rPr lang="ko-KR" altLang="en-US" dirty="0"/>
-              <a:t>구현 내용</a:t>
-            </a:r>
-            <a:r>
-              <a:rPr lang="en-US" altLang="ko-KR" dirty="0"/>
-              <a:t>(</a:t>
-            </a:r>
-            <a:r>
-              <a:rPr lang="ko-KR" altLang="en-US" dirty="0"/>
-              <a:t>인증 관련</a:t>
-            </a:r>
-            <a:r>
-              <a:rPr lang="en-US" altLang="ko-KR" dirty="0"/>
-              <a:t>)</a:t>
-            </a:r>
-            <a:endParaRPr lang="ko-KR" altLang="en-US" dirty="0"/>
-          </a:p>
-        </p:txBody>
-      </p:sp>
-      <p:sp>
-        <p:nvSpPr>
-          <p:cNvPr id="3" name="내용 개체 틀 2">
+              <a:t>플로우 차트</a:t>
+            </a:r>
+          </a:p>
+        </p:txBody>
+      </p:sp>
+      <p:sp>
+        <p:nvSpPr>
+          <p:cNvPr id="4" name="사각형: 둥근 모서리 3">
             <a:extLst>
               <a:ext uri="{FF2B5EF4-FFF2-40B4-BE49-F238E27FC236}">
-                <a16:creationId xmlns:a16="http://schemas.microsoft.com/office/drawing/2014/main" id="{6DD16846-537C-5858-7C75-252A4833C0AE}"/>
+                <a16:creationId xmlns:a16="http://schemas.microsoft.com/office/drawing/2014/main" id="{BB48B3EF-97D9-CFBA-775A-FB28CB35B04B}"/>
               </a:ext>
             </a:extLst>
           </p:cNvPr>
-          <p:cNvSpPr>
-            <a:spLocks noGrp="1"/>
-          </p:cNvSpPr>
-          <p:nvPr>
-            <p:ph idx="1"/>
-          </p:nvPr>
-        </p:nvSpPr>
-        <p:spPr/>
-        <p:txBody>
-          <a:bodyPr/>
-          <a:lstStyle/>
-          <a:p>
-            <a:r>
-              <a:rPr lang="en-US" altLang="ko-KR" dirty="0" err="1"/>
-              <a:t>jwt</a:t>
-            </a:r>
-            <a:r>
-              <a:rPr lang="ko-KR" altLang="en-US" dirty="0"/>
-              <a:t>를 사용하는 로직을 만들어야 합니다</a:t>
-            </a:r>
-            <a:r>
-              <a:rPr lang="en-US" altLang="ko-KR" dirty="0"/>
-              <a:t>.</a:t>
-            </a:r>
-          </a:p>
-          <a:p>
-            <a:r>
-              <a:rPr lang="en-US" altLang="ko-KR" dirty="0"/>
-              <a:t>1. token</a:t>
-            </a:r>
-            <a:r>
-              <a:rPr lang="ko-KR" altLang="en-US" dirty="0"/>
-              <a:t>발행</a:t>
-            </a:r>
-            <a:r>
-              <a:rPr lang="en-US" altLang="ko-KR" dirty="0"/>
-              <a:t>, token</a:t>
-            </a:r>
-            <a:r>
-              <a:rPr lang="ko-KR" altLang="en-US" dirty="0"/>
-              <a:t>기한설정</a:t>
-            </a:r>
-            <a:r>
-              <a:rPr lang="en-US" altLang="ko-KR" dirty="0"/>
-              <a:t>, token</a:t>
-            </a:r>
-            <a:r>
-              <a:rPr lang="ko-KR" altLang="en-US" dirty="0"/>
-              <a:t>검증 등의 로직 구현이 필요함</a:t>
-            </a:r>
-            <a:r>
-              <a:rPr lang="en-US" altLang="ko-KR" dirty="0"/>
-              <a:t>.</a:t>
-            </a:r>
-          </a:p>
-          <a:p>
-            <a:r>
-              <a:rPr lang="en-US" altLang="ko-KR" dirty="0"/>
-              <a:t>2. session</a:t>
-            </a:r>
-            <a:r>
-              <a:rPr lang="ko-KR" altLang="en-US" dirty="0"/>
-              <a:t>을 사용하여</a:t>
-            </a:r>
-            <a:r>
-              <a:rPr lang="en-US" altLang="ko-KR" dirty="0"/>
-              <a:t>, </a:t>
-            </a:r>
-            <a:r>
-              <a:rPr lang="ko-KR" altLang="en-US" dirty="0"/>
-              <a:t>로그인 상태가 유지되도록 만들어야 합니다</a:t>
-            </a:r>
-            <a:r>
-              <a:rPr lang="en-US" altLang="ko-KR" dirty="0"/>
-              <a:t>.</a:t>
-            </a:r>
-          </a:p>
-          <a:p>
-            <a:r>
-              <a:rPr lang="en-US" altLang="ko-KR" dirty="0"/>
-              <a:t>3. session</a:t>
-            </a:r>
-            <a:r>
-              <a:rPr lang="ko-KR" altLang="en-US" dirty="0"/>
-              <a:t> 갈취를 막기위해</a:t>
-            </a:r>
-            <a:r>
-              <a:rPr lang="en-US" altLang="ko-KR" dirty="0"/>
-              <a:t>, </a:t>
-            </a:r>
-            <a:r>
-              <a:rPr lang="ko-KR" altLang="en-US" dirty="0"/>
-              <a:t>항상 인증시에는</a:t>
-            </a:r>
-            <a:r>
-              <a:rPr lang="en-US" altLang="ko-KR" dirty="0"/>
-              <a:t>, </a:t>
-            </a:r>
-            <a:r>
-              <a:rPr lang="ko-KR" altLang="en-US" dirty="0"/>
-              <a:t>유저의 컴퓨터가 가지고 있는 로컬정보를 가져와야 합니다</a:t>
-            </a:r>
-            <a:r>
-              <a:rPr lang="en-US" altLang="ko-KR" dirty="0"/>
-              <a:t>.( + XSS</a:t>
-            </a:r>
-            <a:r>
-              <a:rPr lang="ko-KR" altLang="en-US" dirty="0"/>
-              <a:t>기법 대응 필수</a:t>
-            </a:r>
-            <a:r>
-              <a:rPr lang="en-US" altLang="ko-KR" dirty="0"/>
-              <a:t>!)</a:t>
-            </a:r>
-          </a:p>
-          <a:p>
-            <a:r>
-              <a:rPr lang="en-US" altLang="ko-KR" dirty="0"/>
-              <a:t>4. </a:t>
-            </a:r>
-            <a:r>
-              <a:rPr lang="ko-KR" altLang="en-US" dirty="0"/>
-              <a:t>로그인 페이지</a:t>
-            </a:r>
-            <a:r>
-              <a:rPr lang="en-US" altLang="ko-KR" dirty="0"/>
-              <a:t>, </a:t>
-            </a:r>
-            <a:r>
-              <a:rPr lang="ko-KR" altLang="en-US" dirty="0"/>
-              <a:t>비밀번호 변경 페이지의 구현이 필요합니다</a:t>
-            </a:r>
-            <a:r>
-              <a:rPr lang="en-US" altLang="ko-KR" dirty="0"/>
-              <a:t>.</a:t>
+          <p:cNvSpPr/>
+          <p:nvPr/>
+        </p:nvSpPr>
+        <p:spPr>
+          <a:xfrm>
+            <a:off x="908854" y="2505919"/>
+            <a:ext cx="1307124" cy="830408"/>
+          </a:xfrm>
+          <a:prstGeom prst="roundRect">
+            <a:avLst/>
+          </a:prstGeom>
+        </p:spPr>
+        <p:style>
+          <a:lnRef idx="2">
+            <a:schemeClr val="accent1">
+              <a:shade val="50000"/>
+            </a:schemeClr>
+          </a:lnRef>
+          <a:fillRef idx="1">
+            <a:schemeClr val="accent1"/>
+          </a:fillRef>
+          <a:effectRef idx="0">
+            <a:schemeClr val="accent1"/>
+          </a:effectRef>
+          <a:fontRef idx="minor">
+            <a:schemeClr val="lt1"/>
+          </a:fontRef>
+        </p:style>
+        <p:txBody>
+          <a:bodyPr rtlCol="0" anchor="ctr"/>
+          <a:lstStyle/>
+          <a:p>
+            <a:pPr algn="ctr"/>
+            <a:r>
+              <a:rPr lang="ko-KR" altLang="en-US" dirty="0"/>
+              <a:t>품목 등록</a:t>
+            </a:r>
+          </a:p>
+        </p:txBody>
+      </p:sp>
+      <p:sp>
+        <p:nvSpPr>
+          <p:cNvPr id="5" name="사각형: 둥근 모서리 4">
+            <a:extLst>
+              <a:ext uri="{FF2B5EF4-FFF2-40B4-BE49-F238E27FC236}">
+                <a16:creationId xmlns:a16="http://schemas.microsoft.com/office/drawing/2014/main" id="{777DD0B8-CAE5-06AC-E562-E49F3C6231EC}"/>
+              </a:ext>
+            </a:extLst>
+          </p:cNvPr>
+          <p:cNvSpPr/>
+          <p:nvPr/>
+        </p:nvSpPr>
+        <p:spPr>
+          <a:xfrm>
+            <a:off x="3170140" y="2505919"/>
+            <a:ext cx="1307124" cy="830408"/>
+          </a:xfrm>
+          <a:prstGeom prst="roundRect">
+            <a:avLst/>
+          </a:prstGeom>
+        </p:spPr>
+        <p:style>
+          <a:lnRef idx="2">
+            <a:schemeClr val="accent1">
+              <a:shade val="50000"/>
+            </a:schemeClr>
+          </a:lnRef>
+          <a:fillRef idx="1">
+            <a:schemeClr val="accent1"/>
+          </a:fillRef>
+          <a:effectRef idx="0">
+            <a:schemeClr val="accent1"/>
+          </a:effectRef>
+          <a:fontRef idx="minor">
+            <a:schemeClr val="lt1"/>
+          </a:fontRef>
+        </p:style>
+        <p:txBody>
+          <a:bodyPr rtlCol="0" anchor="ctr"/>
+          <a:lstStyle/>
+          <a:p>
+            <a:pPr algn="ctr"/>
+            <a:r>
+              <a:rPr lang="en-US" altLang="ko-KR" dirty="0"/>
+              <a:t>BOM</a:t>
+            </a:r>
+            <a:r>
+              <a:rPr lang="ko-KR" altLang="en-US" dirty="0"/>
+              <a:t>등록</a:t>
+            </a:r>
+          </a:p>
+        </p:txBody>
+      </p:sp>
+      <p:sp>
+        <p:nvSpPr>
+          <p:cNvPr id="6" name="TextBox 5">
+            <a:extLst>
+              <a:ext uri="{FF2B5EF4-FFF2-40B4-BE49-F238E27FC236}">
+                <a16:creationId xmlns:a16="http://schemas.microsoft.com/office/drawing/2014/main" id="{72F67351-EFB2-EF56-DAA9-6BB405798CE0}"/>
+              </a:ext>
+            </a:extLst>
+          </p:cNvPr>
+          <p:cNvSpPr txBox="1"/>
+          <p:nvPr/>
+        </p:nvSpPr>
+        <p:spPr>
+          <a:xfrm>
+            <a:off x="908854" y="2136587"/>
+            <a:ext cx="877163" cy="369332"/>
+          </a:xfrm>
+          <a:prstGeom prst="rect">
+            <a:avLst/>
+          </a:prstGeom>
+          <a:noFill/>
+        </p:spPr>
+        <p:txBody>
+          <a:bodyPr wrap="none" rtlCol="0">
+            <a:spAutoFit/>
+          </a:bodyPr>
+          <a:lstStyle/>
+          <a:p>
+            <a:r>
+              <a:rPr lang="ko-KR" altLang="en-US"/>
+              <a:t>전처리</a:t>
             </a:r>
             <a:endParaRPr lang="ko-KR" altLang="en-US" dirty="0"/>
+          </a:p>
+        </p:txBody>
+      </p:sp>
+      <p:sp>
+        <p:nvSpPr>
+          <p:cNvPr id="7" name="화살표: 오른쪽 6">
+            <a:extLst>
+              <a:ext uri="{FF2B5EF4-FFF2-40B4-BE49-F238E27FC236}">
+                <a16:creationId xmlns:a16="http://schemas.microsoft.com/office/drawing/2014/main" id="{C46485B4-B90C-65F4-6422-3A1A3A48A885}"/>
+              </a:ext>
+            </a:extLst>
+          </p:cNvPr>
+          <p:cNvSpPr/>
+          <p:nvPr/>
+        </p:nvSpPr>
+        <p:spPr>
+          <a:xfrm>
+            <a:off x="2469923" y="2748128"/>
+            <a:ext cx="527222" cy="345989"/>
+          </a:xfrm>
+          <a:prstGeom prst="rightArrow">
+            <a:avLst/>
+          </a:prstGeom>
+        </p:spPr>
+        <p:style>
+          <a:lnRef idx="2">
+            <a:schemeClr val="accent1">
+              <a:shade val="50000"/>
+            </a:schemeClr>
+          </a:lnRef>
+          <a:fillRef idx="1">
+            <a:schemeClr val="accent1"/>
+          </a:fillRef>
+          <a:effectRef idx="0">
+            <a:schemeClr val="accent1"/>
+          </a:effectRef>
+          <a:fontRef idx="minor">
+            <a:schemeClr val="lt1"/>
+          </a:fontRef>
+        </p:style>
+        <p:txBody>
+          <a:bodyPr rtlCol="0" anchor="ctr"/>
+          <a:lstStyle/>
+          <a:p>
+            <a:pPr algn="ctr"/>
+            <a:endParaRPr lang="ko-KR" altLang="en-US"/>
+          </a:p>
+        </p:txBody>
+      </p:sp>
+      <p:sp>
+        <p:nvSpPr>
+          <p:cNvPr id="8" name="TextBox 7">
+            <a:extLst>
+              <a:ext uri="{FF2B5EF4-FFF2-40B4-BE49-F238E27FC236}">
+                <a16:creationId xmlns:a16="http://schemas.microsoft.com/office/drawing/2014/main" id="{CDB29867-B713-BB24-55FC-3409A423936C}"/>
+              </a:ext>
+            </a:extLst>
+          </p:cNvPr>
+          <p:cNvSpPr txBox="1"/>
+          <p:nvPr/>
+        </p:nvSpPr>
+        <p:spPr>
+          <a:xfrm>
+            <a:off x="908853" y="3955489"/>
+            <a:ext cx="2159566" cy="369332"/>
+          </a:xfrm>
+          <a:prstGeom prst="rect">
+            <a:avLst/>
+          </a:prstGeom>
+          <a:noFill/>
+        </p:spPr>
+        <p:txBody>
+          <a:bodyPr wrap="none" rtlCol="0">
+            <a:spAutoFit/>
+          </a:bodyPr>
+          <a:lstStyle/>
+          <a:p>
+            <a:r>
+              <a:rPr lang="ko-KR" altLang="en-US" dirty="0"/>
+              <a:t>재고 관리 프로세스</a:t>
+            </a:r>
+          </a:p>
+        </p:txBody>
+      </p:sp>
+      <p:sp>
+        <p:nvSpPr>
+          <p:cNvPr id="9" name="사각형: 둥근 모서리 8">
+            <a:extLst>
+              <a:ext uri="{FF2B5EF4-FFF2-40B4-BE49-F238E27FC236}">
+                <a16:creationId xmlns:a16="http://schemas.microsoft.com/office/drawing/2014/main" id="{C7D753E3-2ACE-613E-49EB-40D9E737846E}"/>
+              </a:ext>
+            </a:extLst>
+          </p:cNvPr>
+          <p:cNvSpPr/>
+          <p:nvPr/>
+        </p:nvSpPr>
+        <p:spPr>
+          <a:xfrm>
+            <a:off x="908853" y="4728353"/>
+            <a:ext cx="1307124" cy="830408"/>
+          </a:xfrm>
+          <a:prstGeom prst="roundRect">
+            <a:avLst/>
+          </a:prstGeom>
+        </p:spPr>
+        <p:style>
+          <a:lnRef idx="2">
+            <a:schemeClr val="accent1">
+              <a:shade val="50000"/>
+            </a:schemeClr>
+          </a:lnRef>
+          <a:fillRef idx="1">
+            <a:schemeClr val="accent1"/>
+          </a:fillRef>
+          <a:effectRef idx="0">
+            <a:schemeClr val="accent1"/>
+          </a:effectRef>
+          <a:fontRef idx="minor">
+            <a:schemeClr val="lt1"/>
+          </a:fontRef>
+        </p:style>
+        <p:txBody>
+          <a:bodyPr rtlCol="0" anchor="ctr"/>
+          <a:lstStyle/>
+          <a:p>
+            <a:pPr algn="ctr"/>
+            <a:r>
+              <a:rPr lang="ko-KR" altLang="en-US" dirty="0"/>
+              <a:t>구매 등록</a:t>
+            </a:r>
+          </a:p>
+        </p:txBody>
+      </p:sp>
+      <p:sp>
+        <p:nvSpPr>
+          <p:cNvPr id="10" name="사각형: 둥근 모서리 9">
+            <a:extLst>
+              <a:ext uri="{FF2B5EF4-FFF2-40B4-BE49-F238E27FC236}">
+                <a16:creationId xmlns:a16="http://schemas.microsoft.com/office/drawing/2014/main" id="{D0A6FB48-C41A-9A05-3D62-064F73ADAA52}"/>
+              </a:ext>
+            </a:extLst>
+          </p:cNvPr>
+          <p:cNvSpPr/>
+          <p:nvPr/>
+        </p:nvSpPr>
+        <p:spPr>
+          <a:xfrm>
+            <a:off x="3524367" y="4728353"/>
+            <a:ext cx="1307124" cy="830408"/>
+          </a:xfrm>
+          <a:prstGeom prst="roundRect">
+            <a:avLst/>
+          </a:prstGeom>
+        </p:spPr>
+        <p:style>
+          <a:lnRef idx="2">
+            <a:schemeClr val="accent1">
+              <a:shade val="50000"/>
+            </a:schemeClr>
+          </a:lnRef>
+          <a:fillRef idx="1">
+            <a:schemeClr val="accent1"/>
+          </a:fillRef>
+          <a:effectRef idx="0">
+            <a:schemeClr val="accent1"/>
+          </a:effectRef>
+          <a:fontRef idx="minor">
+            <a:schemeClr val="lt1"/>
+          </a:fontRef>
+        </p:style>
+        <p:txBody>
+          <a:bodyPr rtlCol="0" anchor="ctr"/>
+          <a:lstStyle/>
+          <a:p>
+            <a:pPr algn="ctr"/>
+            <a:r>
+              <a:rPr lang="ko-KR" altLang="en-US" dirty="0"/>
+              <a:t>입고</a:t>
+            </a:r>
+          </a:p>
+        </p:txBody>
+      </p:sp>
+      <p:sp>
+        <p:nvSpPr>
+          <p:cNvPr id="11" name="사각형: 둥근 모서리 10">
+            <a:extLst>
+              <a:ext uri="{FF2B5EF4-FFF2-40B4-BE49-F238E27FC236}">
+                <a16:creationId xmlns:a16="http://schemas.microsoft.com/office/drawing/2014/main" id="{5E1DFC02-DBD7-31E8-212C-71DE7F310366}"/>
+              </a:ext>
+            </a:extLst>
+          </p:cNvPr>
+          <p:cNvSpPr/>
+          <p:nvPr/>
+        </p:nvSpPr>
+        <p:spPr>
+          <a:xfrm>
+            <a:off x="5969659" y="4716557"/>
+            <a:ext cx="1307124" cy="830408"/>
+          </a:xfrm>
+          <a:prstGeom prst="roundRect">
+            <a:avLst/>
+          </a:prstGeom>
+        </p:spPr>
+        <p:style>
+          <a:lnRef idx="2">
+            <a:schemeClr val="accent1">
+              <a:shade val="50000"/>
+            </a:schemeClr>
+          </a:lnRef>
+          <a:fillRef idx="1">
+            <a:schemeClr val="accent1"/>
+          </a:fillRef>
+          <a:effectRef idx="0">
+            <a:schemeClr val="accent1"/>
+          </a:effectRef>
+          <a:fontRef idx="minor">
+            <a:schemeClr val="lt1"/>
+          </a:fontRef>
+        </p:style>
+        <p:txBody>
+          <a:bodyPr rtlCol="0" anchor="ctr"/>
+          <a:lstStyle/>
+          <a:p>
+            <a:pPr algn="ctr"/>
+            <a:r>
+              <a:rPr lang="ko-KR" altLang="en-US" dirty="0"/>
+              <a:t>재고</a:t>
+            </a:r>
+          </a:p>
+        </p:txBody>
+      </p:sp>
+      <p:sp>
+        <p:nvSpPr>
+          <p:cNvPr id="12" name="화살표: 오른쪽 11">
+            <a:extLst>
+              <a:ext uri="{FF2B5EF4-FFF2-40B4-BE49-F238E27FC236}">
+                <a16:creationId xmlns:a16="http://schemas.microsoft.com/office/drawing/2014/main" id="{09F6ED01-12A2-7D50-3905-422A155A163E}"/>
+              </a:ext>
+            </a:extLst>
+          </p:cNvPr>
+          <p:cNvSpPr/>
+          <p:nvPr/>
+        </p:nvSpPr>
+        <p:spPr>
+          <a:xfrm>
+            <a:off x="2346893" y="4797568"/>
+            <a:ext cx="1007252" cy="345989"/>
+          </a:xfrm>
+          <a:prstGeom prst="rightArrow">
+            <a:avLst/>
+          </a:prstGeom>
+        </p:spPr>
+        <p:style>
+          <a:lnRef idx="2">
+            <a:schemeClr val="accent1">
+              <a:shade val="50000"/>
+            </a:schemeClr>
+          </a:lnRef>
+          <a:fillRef idx="1">
+            <a:schemeClr val="accent1"/>
+          </a:fillRef>
+          <a:effectRef idx="0">
+            <a:schemeClr val="accent1"/>
+          </a:effectRef>
+          <a:fontRef idx="minor">
+            <a:schemeClr val="lt1"/>
+          </a:fontRef>
+        </p:style>
+        <p:txBody>
+          <a:bodyPr rtlCol="0" anchor="ctr"/>
+          <a:lstStyle/>
+          <a:p>
+            <a:pPr algn="ctr"/>
+            <a:endParaRPr lang="ko-KR" altLang="en-US"/>
+          </a:p>
+        </p:txBody>
+      </p:sp>
+      <p:sp>
+        <p:nvSpPr>
+          <p:cNvPr id="13" name="화살표: 오른쪽 12">
+            <a:extLst>
+              <a:ext uri="{FF2B5EF4-FFF2-40B4-BE49-F238E27FC236}">
+                <a16:creationId xmlns:a16="http://schemas.microsoft.com/office/drawing/2014/main" id="{383795AD-0909-0093-60FA-07B27A8C4449}"/>
+              </a:ext>
+            </a:extLst>
+          </p:cNvPr>
+          <p:cNvSpPr/>
+          <p:nvPr/>
+        </p:nvSpPr>
+        <p:spPr>
+          <a:xfrm>
+            <a:off x="4954520" y="4797568"/>
+            <a:ext cx="869631" cy="345989"/>
+          </a:xfrm>
+          <a:prstGeom prst="rightArrow">
+            <a:avLst/>
+          </a:prstGeom>
+        </p:spPr>
+        <p:style>
+          <a:lnRef idx="2">
+            <a:schemeClr val="accent1">
+              <a:shade val="50000"/>
+            </a:schemeClr>
+          </a:lnRef>
+          <a:fillRef idx="1">
+            <a:schemeClr val="accent1"/>
+          </a:fillRef>
+          <a:effectRef idx="0">
+            <a:schemeClr val="accent1"/>
+          </a:effectRef>
+          <a:fontRef idx="minor">
+            <a:schemeClr val="lt1"/>
+          </a:fontRef>
+        </p:style>
+        <p:txBody>
+          <a:bodyPr rtlCol="0" anchor="ctr"/>
+          <a:lstStyle/>
+          <a:p>
+            <a:pPr algn="ctr"/>
+            <a:endParaRPr lang="ko-KR" altLang="en-US"/>
+          </a:p>
+        </p:txBody>
+      </p:sp>
+      <p:sp>
+        <p:nvSpPr>
+          <p:cNvPr id="14" name="화살표: 오른쪽 13">
+            <a:extLst>
+              <a:ext uri="{FF2B5EF4-FFF2-40B4-BE49-F238E27FC236}">
+                <a16:creationId xmlns:a16="http://schemas.microsoft.com/office/drawing/2014/main" id="{E4B75FBF-A632-BAFB-F1A1-E467979D1DC8}"/>
+              </a:ext>
+            </a:extLst>
+          </p:cNvPr>
+          <p:cNvSpPr/>
+          <p:nvPr/>
+        </p:nvSpPr>
+        <p:spPr>
+          <a:xfrm rot="10800000">
+            <a:off x="2328989" y="5212771"/>
+            <a:ext cx="1007252" cy="345989"/>
+          </a:xfrm>
+          <a:prstGeom prst="rightArrow">
+            <a:avLst/>
+          </a:prstGeom>
+        </p:spPr>
+        <p:style>
+          <a:lnRef idx="2">
+            <a:schemeClr val="accent1">
+              <a:shade val="50000"/>
+            </a:schemeClr>
+          </a:lnRef>
+          <a:fillRef idx="1">
+            <a:schemeClr val="accent1"/>
+          </a:fillRef>
+          <a:effectRef idx="0">
+            <a:schemeClr val="accent1"/>
+          </a:effectRef>
+          <a:fontRef idx="minor">
+            <a:schemeClr val="lt1"/>
+          </a:fontRef>
+        </p:style>
+        <p:txBody>
+          <a:bodyPr rtlCol="0" anchor="ctr"/>
+          <a:lstStyle/>
+          <a:p>
+            <a:pPr algn="ctr"/>
+            <a:endParaRPr lang="ko-KR" altLang="en-US"/>
+          </a:p>
+        </p:txBody>
+      </p:sp>
+      <p:sp>
+        <p:nvSpPr>
+          <p:cNvPr id="15" name="화살표: 오른쪽 14">
+            <a:extLst>
+              <a:ext uri="{FF2B5EF4-FFF2-40B4-BE49-F238E27FC236}">
+                <a16:creationId xmlns:a16="http://schemas.microsoft.com/office/drawing/2014/main" id="{E5B32F1F-507B-54C8-66A5-B0C7CDD9BAD7}"/>
+              </a:ext>
+            </a:extLst>
+          </p:cNvPr>
+          <p:cNvSpPr/>
+          <p:nvPr/>
+        </p:nvSpPr>
+        <p:spPr>
+          <a:xfrm rot="10800000">
+            <a:off x="4912440" y="5206066"/>
+            <a:ext cx="869631" cy="345989"/>
+          </a:xfrm>
+          <a:prstGeom prst="rightArrow">
+            <a:avLst/>
+          </a:prstGeom>
+        </p:spPr>
+        <p:style>
+          <a:lnRef idx="2">
+            <a:schemeClr val="accent1">
+              <a:shade val="50000"/>
+            </a:schemeClr>
+          </a:lnRef>
+          <a:fillRef idx="1">
+            <a:schemeClr val="accent1"/>
+          </a:fillRef>
+          <a:effectRef idx="0">
+            <a:schemeClr val="accent1"/>
+          </a:effectRef>
+          <a:fontRef idx="minor">
+            <a:schemeClr val="lt1"/>
+          </a:fontRef>
+        </p:style>
+        <p:txBody>
+          <a:bodyPr rtlCol="0" anchor="ctr"/>
+          <a:lstStyle/>
+          <a:p>
+            <a:pPr algn="ctr"/>
+            <a:endParaRPr lang="ko-KR" altLang="en-US"/>
+          </a:p>
+        </p:txBody>
+      </p:sp>
+      <p:sp>
+        <p:nvSpPr>
+          <p:cNvPr id="16" name="TextBox 15">
+            <a:extLst>
+              <a:ext uri="{FF2B5EF4-FFF2-40B4-BE49-F238E27FC236}">
+                <a16:creationId xmlns:a16="http://schemas.microsoft.com/office/drawing/2014/main" id="{41017794-6AE7-7657-5B6B-71AABAB4580E}"/>
+              </a:ext>
+            </a:extLst>
+          </p:cNvPr>
+          <p:cNvSpPr txBox="1"/>
+          <p:nvPr/>
+        </p:nvSpPr>
+        <p:spPr>
+          <a:xfrm>
+            <a:off x="2448421" y="4508898"/>
+            <a:ext cx="843501" cy="276999"/>
+          </a:xfrm>
+          <a:prstGeom prst="rect">
+            <a:avLst/>
+          </a:prstGeom>
+          <a:noFill/>
+        </p:spPr>
+        <p:txBody>
+          <a:bodyPr wrap="none" rtlCol="0">
+            <a:spAutoFit/>
+          </a:bodyPr>
+          <a:lstStyle/>
+          <a:p>
+            <a:r>
+              <a:rPr lang="ko-KR" altLang="en-US" sz="1200" dirty="0"/>
+              <a:t>입고 수행</a:t>
+            </a:r>
+          </a:p>
+        </p:txBody>
+      </p:sp>
+      <p:sp>
+        <p:nvSpPr>
+          <p:cNvPr id="17" name="TextBox 16">
+            <a:extLst>
+              <a:ext uri="{FF2B5EF4-FFF2-40B4-BE49-F238E27FC236}">
+                <a16:creationId xmlns:a16="http://schemas.microsoft.com/office/drawing/2014/main" id="{A13CFB58-03FB-2DCC-4C6B-12A18460A009}"/>
+              </a:ext>
+            </a:extLst>
+          </p:cNvPr>
+          <p:cNvSpPr txBox="1"/>
+          <p:nvPr/>
+        </p:nvSpPr>
+        <p:spPr>
+          <a:xfrm>
+            <a:off x="2428768" y="5635891"/>
+            <a:ext cx="843501" cy="276999"/>
+          </a:xfrm>
+          <a:prstGeom prst="rect">
+            <a:avLst/>
+          </a:prstGeom>
+          <a:noFill/>
+        </p:spPr>
+        <p:txBody>
+          <a:bodyPr wrap="none" rtlCol="0">
+            <a:spAutoFit/>
+          </a:bodyPr>
+          <a:lstStyle/>
+          <a:p>
+            <a:r>
+              <a:rPr lang="ko-KR" altLang="en-US" sz="1200"/>
+              <a:t>입고 취소</a:t>
+            </a:r>
+            <a:endParaRPr lang="ko-KR" altLang="en-US" sz="1200" dirty="0"/>
+          </a:p>
+        </p:txBody>
+      </p:sp>
+      <p:sp>
+        <p:nvSpPr>
+          <p:cNvPr id="18" name="TextBox 17">
+            <a:extLst>
+              <a:ext uri="{FF2B5EF4-FFF2-40B4-BE49-F238E27FC236}">
+                <a16:creationId xmlns:a16="http://schemas.microsoft.com/office/drawing/2014/main" id="{4E85870D-18E4-5F13-47E4-BDF69A47E41E}"/>
+              </a:ext>
+            </a:extLst>
+          </p:cNvPr>
+          <p:cNvSpPr txBox="1"/>
+          <p:nvPr/>
+        </p:nvSpPr>
+        <p:spPr>
+          <a:xfrm>
+            <a:off x="4980650" y="4458060"/>
+            <a:ext cx="843501" cy="276999"/>
+          </a:xfrm>
+          <a:prstGeom prst="rect">
+            <a:avLst/>
+          </a:prstGeom>
+          <a:noFill/>
+        </p:spPr>
+        <p:txBody>
+          <a:bodyPr wrap="none" rtlCol="0">
+            <a:spAutoFit/>
+          </a:bodyPr>
+          <a:lstStyle/>
+          <a:p>
+            <a:r>
+              <a:rPr lang="ko-KR" altLang="en-US" sz="1200" dirty="0"/>
+              <a:t>재고 저장</a:t>
+            </a:r>
+          </a:p>
+        </p:txBody>
+      </p:sp>
+      <p:sp>
+        <p:nvSpPr>
+          <p:cNvPr id="20" name="화살표: 오른쪽 19">
+            <a:extLst>
+              <a:ext uri="{FF2B5EF4-FFF2-40B4-BE49-F238E27FC236}">
+                <a16:creationId xmlns:a16="http://schemas.microsoft.com/office/drawing/2014/main" id="{1C950EFF-A346-5B48-35C8-BA3373FF4D54}"/>
+              </a:ext>
+            </a:extLst>
+          </p:cNvPr>
+          <p:cNvSpPr/>
+          <p:nvPr/>
+        </p:nvSpPr>
+        <p:spPr>
+          <a:xfrm>
+            <a:off x="7545320" y="4780805"/>
+            <a:ext cx="869631" cy="345989"/>
+          </a:xfrm>
+          <a:prstGeom prst="rightArrow">
+            <a:avLst/>
+          </a:prstGeom>
+        </p:spPr>
+        <p:style>
+          <a:lnRef idx="2">
+            <a:schemeClr val="accent1">
+              <a:shade val="50000"/>
+            </a:schemeClr>
+          </a:lnRef>
+          <a:fillRef idx="1">
+            <a:schemeClr val="accent1"/>
+          </a:fillRef>
+          <a:effectRef idx="0">
+            <a:schemeClr val="accent1"/>
+          </a:effectRef>
+          <a:fontRef idx="minor">
+            <a:schemeClr val="lt1"/>
+          </a:fontRef>
+        </p:style>
+        <p:txBody>
+          <a:bodyPr rtlCol="0" anchor="ctr"/>
+          <a:lstStyle/>
+          <a:p>
+            <a:pPr algn="ctr"/>
+            <a:endParaRPr lang="ko-KR" altLang="en-US"/>
+          </a:p>
+        </p:txBody>
+      </p:sp>
+      <p:sp>
+        <p:nvSpPr>
+          <p:cNvPr id="21" name="화살표: 오른쪽 20">
+            <a:extLst>
+              <a:ext uri="{FF2B5EF4-FFF2-40B4-BE49-F238E27FC236}">
+                <a16:creationId xmlns:a16="http://schemas.microsoft.com/office/drawing/2014/main" id="{D64ABC6E-2AA3-1B07-B1DC-9D71AF773097}"/>
+              </a:ext>
+            </a:extLst>
+          </p:cNvPr>
+          <p:cNvSpPr/>
+          <p:nvPr/>
+        </p:nvSpPr>
+        <p:spPr>
+          <a:xfrm rot="10800000">
+            <a:off x="7503240" y="5189303"/>
+            <a:ext cx="869631" cy="345989"/>
+          </a:xfrm>
+          <a:prstGeom prst="rightArrow">
+            <a:avLst/>
+          </a:prstGeom>
+        </p:spPr>
+        <p:style>
+          <a:lnRef idx="2">
+            <a:schemeClr val="accent1">
+              <a:shade val="50000"/>
+            </a:schemeClr>
+          </a:lnRef>
+          <a:fillRef idx="1">
+            <a:schemeClr val="accent1"/>
+          </a:fillRef>
+          <a:effectRef idx="0">
+            <a:schemeClr val="accent1"/>
+          </a:effectRef>
+          <a:fontRef idx="minor">
+            <a:schemeClr val="lt1"/>
+          </a:fontRef>
+        </p:style>
+        <p:txBody>
+          <a:bodyPr rtlCol="0" anchor="ctr"/>
+          <a:lstStyle/>
+          <a:p>
+            <a:pPr algn="ctr"/>
+            <a:endParaRPr lang="ko-KR" altLang="en-US"/>
+          </a:p>
+        </p:txBody>
+      </p:sp>
+      <p:sp>
+        <p:nvSpPr>
+          <p:cNvPr id="22" name="사각형: 둥근 모서리 21">
+            <a:extLst>
+              <a:ext uri="{FF2B5EF4-FFF2-40B4-BE49-F238E27FC236}">
+                <a16:creationId xmlns:a16="http://schemas.microsoft.com/office/drawing/2014/main" id="{27A3403D-93F7-81F4-FB0A-0A043A58D29B}"/>
+              </a:ext>
+            </a:extLst>
+          </p:cNvPr>
+          <p:cNvSpPr/>
+          <p:nvPr/>
+        </p:nvSpPr>
+        <p:spPr>
+          <a:xfrm>
+            <a:off x="8599327" y="4728353"/>
+            <a:ext cx="1307124" cy="830408"/>
+          </a:xfrm>
+          <a:prstGeom prst="roundRect">
+            <a:avLst/>
+          </a:prstGeom>
+        </p:spPr>
+        <p:style>
+          <a:lnRef idx="2">
+            <a:schemeClr val="accent1">
+              <a:shade val="50000"/>
+            </a:schemeClr>
+          </a:lnRef>
+          <a:fillRef idx="1">
+            <a:schemeClr val="accent1"/>
+          </a:fillRef>
+          <a:effectRef idx="0">
+            <a:schemeClr val="accent1"/>
+          </a:effectRef>
+          <a:fontRef idx="minor">
+            <a:schemeClr val="lt1"/>
+          </a:fontRef>
+        </p:style>
+        <p:txBody>
+          <a:bodyPr rtlCol="0" anchor="ctr"/>
+          <a:lstStyle/>
+          <a:p>
+            <a:pPr algn="ctr"/>
+            <a:r>
+              <a:rPr lang="ko-KR" altLang="en-US" dirty="0"/>
+              <a:t>출고</a:t>
+            </a:r>
+          </a:p>
+        </p:txBody>
+      </p:sp>
+      <p:sp>
+        <p:nvSpPr>
+          <p:cNvPr id="23" name="TextBox 22">
+            <a:extLst>
+              <a:ext uri="{FF2B5EF4-FFF2-40B4-BE49-F238E27FC236}">
+                <a16:creationId xmlns:a16="http://schemas.microsoft.com/office/drawing/2014/main" id="{D75C3C31-4E43-614A-BEF9-56C8C79C5B7C}"/>
+              </a:ext>
+            </a:extLst>
+          </p:cNvPr>
+          <p:cNvSpPr txBox="1"/>
+          <p:nvPr/>
+        </p:nvSpPr>
+        <p:spPr>
+          <a:xfrm>
+            <a:off x="7571450" y="4472551"/>
+            <a:ext cx="843501" cy="276999"/>
+          </a:xfrm>
+          <a:prstGeom prst="rect">
+            <a:avLst/>
+          </a:prstGeom>
+          <a:noFill/>
+        </p:spPr>
+        <p:txBody>
+          <a:bodyPr wrap="none" rtlCol="0">
+            <a:spAutoFit/>
+          </a:bodyPr>
+          <a:lstStyle/>
+          <a:p>
+            <a:r>
+              <a:rPr lang="ko-KR" altLang="en-US" sz="1200" dirty="0"/>
+              <a:t>출고 수행</a:t>
+            </a:r>
+          </a:p>
+        </p:txBody>
+      </p:sp>
+      <p:sp>
+        <p:nvSpPr>
+          <p:cNvPr id="24" name="TextBox 23">
+            <a:extLst>
+              <a:ext uri="{FF2B5EF4-FFF2-40B4-BE49-F238E27FC236}">
+                <a16:creationId xmlns:a16="http://schemas.microsoft.com/office/drawing/2014/main" id="{7F11BFE5-DCFA-B29B-C51B-CDF60322C2AB}"/>
+              </a:ext>
+            </a:extLst>
+          </p:cNvPr>
+          <p:cNvSpPr txBox="1"/>
+          <p:nvPr/>
+        </p:nvSpPr>
+        <p:spPr>
+          <a:xfrm>
+            <a:off x="4775101" y="5637101"/>
+            <a:ext cx="1194558" cy="276999"/>
+          </a:xfrm>
+          <a:prstGeom prst="rect">
+            <a:avLst/>
+          </a:prstGeom>
+          <a:noFill/>
+        </p:spPr>
+        <p:txBody>
+          <a:bodyPr wrap="none" rtlCol="0">
+            <a:spAutoFit/>
+          </a:bodyPr>
+          <a:lstStyle/>
+          <a:p>
+            <a:r>
+              <a:rPr lang="ko-KR" altLang="en-US" sz="1200"/>
+              <a:t>재고 저장 취소</a:t>
+            </a:r>
+            <a:endParaRPr lang="ko-KR" altLang="en-US" sz="1200" dirty="0"/>
+          </a:p>
+        </p:txBody>
+      </p:sp>
+      <p:sp>
+        <p:nvSpPr>
+          <p:cNvPr id="25" name="TextBox 24">
+            <a:extLst>
+              <a:ext uri="{FF2B5EF4-FFF2-40B4-BE49-F238E27FC236}">
+                <a16:creationId xmlns:a16="http://schemas.microsoft.com/office/drawing/2014/main" id="{9CFA7D1D-D893-B37E-FCF3-EA4A62A134A0}"/>
+              </a:ext>
+            </a:extLst>
+          </p:cNvPr>
+          <p:cNvSpPr txBox="1"/>
+          <p:nvPr/>
+        </p:nvSpPr>
+        <p:spPr>
+          <a:xfrm>
+            <a:off x="7571449" y="5635891"/>
+            <a:ext cx="843501" cy="276999"/>
+          </a:xfrm>
+          <a:prstGeom prst="rect">
+            <a:avLst/>
+          </a:prstGeom>
+          <a:noFill/>
+        </p:spPr>
+        <p:txBody>
+          <a:bodyPr wrap="none" rtlCol="0">
+            <a:spAutoFit/>
+          </a:bodyPr>
+          <a:lstStyle/>
+          <a:p>
+            <a:r>
+              <a:rPr lang="ko-KR" altLang="en-US" sz="1200"/>
+              <a:t>출고 취소</a:t>
+            </a:r>
+            <a:endParaRPr lang="ko-KR" altLang="en-US" sz="1200" dirty="0"/>
           </a:p>
         </p:txBody>
       </p:sp>
     </p:spTree>
     <p:extLst>
       <p:ext uri="{BB962C8B-B14F-4D97-AF65-F5344CB8AC3E}">
-        <p14:creationId xmlns:p14="http://schemas.microsoft.com/office/powerpoint/2010/main" val="3362017125"/>
+        <p14:creationId xmlns:p14="http://schemas.microsoft.com/office/powerpoint/2010/main" val="963323841"/>
       </p:ext>
     </p:extLst>
   </p:cSld>
@@ -5754,7 +6498,7 @@
           <p:cNvPr id="2" name="제목 1">
             <a:extLst>
               <a:ext uri="{FF2B5EF4-FFF2-40B4-BE49-F238E27FC236}">
-                <a16:creationId xmlns:a16="http://schemas.microsoft.com/office/drawing/2014/main" id="{84E83D43-55FC-6F7B-DF30-5F211D6415C9}"/>
+                <a16:creationId xmlns:a16="http://schemas.microsoft.com/office/drawing/2014/main" id="{81561F0B-B87A-CE35-08BF-86ADDF274517}"/>
               </a:ext>
             </a:extLst>
           </p:cNvPr>
@@ -5762,7 +6506,7 @@
             <a:spLocks noGrp="1"/>
           </p:cNvSpPr>
           <p:nvPr>
-            <p:ph type="title"/>
+            <p:ph type="ctrTitle"/>
           </p:nvPr>
         </p:nvSpPr>
         <p:spPr/>
@@ -5770,32 +6514,20 @@
           <a:bodyPr/>
           <a:lstStyle/>
           <a:p>
-            <a:r>
-              <a:rPr lang="ko-KR" altLang="en-US" dirty="0"/>
-              <a:t>구현 내용</a:t>
-            </a:r>
-            <a:r>
-              <a:rPr lang="en-US" altLang="ko-KR" dirty="0"/>
-              <a:t>(</a:t>
-            </a:r>
-            <a:r>
-              <a:rPr lang="ko-KR" altLang="en-US" dirty="0"/>
-              <a:t>구매</a:t>
-            </a:r>
-            <a:r>
-              <a:rPr lang="en-US" altLang="ko-KR" dirty="0"/>
-              <a:t>)</a:t>
-            </a:r>
-            <a:endParaRPr lang="ko-KR" altLang="en-US" dirty="0"/>
-          </a:p>
-        </p:txBody>
-      </p:sp>
-      <p:sp>
-        <p:nvSpPr>
-          <p:cNvPr id="3" name="내용 개체 틀 2">
+            <a:pPr algn="ctr"/>
+            <a:r>
+              <a:rPr lang="ko-KR" altLang="en-US" dirty="0"/>
+              <a:t>기능 구현 파트</a:t>
+            </a:r>
+          </a:p>
+        </p:txBody>
+      </p:sp>
+      <p:sp>
+        <p:nvSpPr>
+          <p:cNvPr id="5" name="부제목 4">
             <a:extLst>
               <a:ext uri="{FF2B5EF4-FFF2-40B4-BE49-F238E27FC236}">
-                <a16:creationId xmlns:a16="http://schemas.microsoft.com/office/drawing/2014/main" id="{69A35487-984F-D6F5-33C6-48C104A11E73}"/>
+                <a16:creationId xmlns:a16="http://schemas.microsoft.com/office/drawing/2014/main" id="{4B389D7F-CA1A-6417-1FBA-FF0BFF4B58F3}"/>
               </a:ext>
             </a:extLst>
           </p:cNvPr>
@@ -5803,7 +6535,7 @@
             <a:spLocks noGrp="1"/>
           </p:cNvSpPr>
           <p:nvPr>
-            <p:ph idx="1"/>
+            <p:ph type="subTitle" idx="1"/>
           </p:nvPr>
         </p:nvSpPr>
         <p:spPr/>
@@ -5811,78 +6543,14 @@
           <a:bodyPr/>
           <a:lstStyle/>
           <a:p>
-            <a:r>
-              <a:rPr lang="en-US" altLang="ko-KR" dirty="0"/>
-              <a:t>1. </a:t>
-            </a:r>
-            <a:r>
-              <a:rPr lang="ko-KR" altLang="en-US" dirty="0"/>
-              <a:t>구매 요청 웹페이지 제작</a:t>
-            </a:r>
-            <a:endParaRPr lang="en-US" altLang="ko-KR" dirty="0"/>
-          </a:p>
-          <a:p>
-            <a:r>
-              <a:rPr lang="en-US" altLang="ko-KR" dirty="0"/>
-              <a:t>2. </a:t>
-            </a:r>
-            <a:r>
-              <a:rPr lang="ko-KR" altLang="en-US" dirty="0"/>
-              <a:t>구매 요청 관리 웹페이지 제작</a:t>
-            </a:r>
-            <a:endParaRPr lang="en-US" altLang="ko-KR" dirty="0"/>
-          </a:p>
-          <a:p>
-            <a:r>
-              <a:rPr lang="en-US" altLang="ko-KR" dirty="0"/>
-              <a:t>3. </a:t>
-            </a:r>
-            <a:r>
-              <a:rPr lang="ko-KR" altLang="en-US" dirty="0"/>
-              <a:t>입고 처리가 안된 건에 대해</a:t>
-            </a:r>
-            <a:r>
-              <a:rPr lang="en-US" altLang="ko-KR" dirty="0"/>
-              <a:t>, </a:t>
-            </a:r>
-            <a:r>
-              <a:rPr lang="ko-KR" altLang="en-US" dirty="0"/>
-              <a:t>수정 및 삭제 기능을 제공함</a:t>
-            </a:r>
-            <a:r>
-              <a:rPr lang="en-US" altLang="ko-KR" dirty="0"/>
-              <a:t>.</a:t>
-            </a:r>
-          </a:p>
-          <a:p>
-            <a:r>
-              <a:rPr lang="en-US" altLang="ko-KR" dirty="0"/>
-              <a:t>4. </a:t>
-            </a:r>
-            <a:r>
-              <a:rPr lang="ko-KR" altLang="en-US" dirty="0"/>
-              <a:t>부분 입고가 되었을 경우</a:t>
-            </a:r>
-            <a:r>
-              <a:rPr lang="en-US" altLang="ko-KR" dirty="0"/>
-              <a:t>, </a:t>
-            </a:r>
-            <a:r>
-              <a:rPr lang="ko-KR" altLang="en-US" dirty="0"/>
-              <a:t>남은 입고 수량을 보여 줄 수 있음</a:t>
-            </a:r>
-            <a:r>
-              <a:rPr lang="en-US" altLang="ko-KR" dirty="0"/>
-              <a:t>.</a:t>
-            </a:r>
-            <a:endParaRPr lang="ko-KR" altLang="en-US" dirty="0"/>
+            <a:endParaRPr lang="ko-KR" altLang="en-US"/>
           </a:p>
         </p:txBody>
       </p:sp>
     </p:spTree>
     <p:extLst>
       <p:ext uri="{BB962C8B-B14F-4D97-AF65-F5344CB8AC3E}">
-        <p14:creationId xmlns:p14="http://schemas.microsoft.com/office/powerpoint/2010/main" val="3685936635"/>
+        <p14:creationId xmlns:p14="http://schemas.microsoft.com/office/powerpoint/2010/main" val="1082148623"/>
       </p:ext>
     </p:extLst>
   </p:cSld>
@@ -5914,7 +6582,7 @@
           <p:cNvPr id="2" name="제목 1">
             <a:extLst>
               <a:ext uri="{FF2B5EF4-FFF2-40B4-BE49-F238E27FC236}">
-                <a16:creationId xmlns:a16="http://schemas.microsoft.com/office/drawing/2014/main" id="{006B835A-9A3E-1F4A-00AF-B56A263B47A4}"/>
+                <a16:creationId xmlns:a16="http://schemas.microsoft.com/office/drawing/2014/main" id="{FD22C4AE-AEF7-5A46-3E63-D813EC0B6BFE}"/>
               </a:ext>
             </a:extLst>
           </p:cNvPr>
@@ -5940,11 +6608,7 @@
             </a:r>
             <a:r>
               <a:rPr lang="ko-KR" altLang="en-US" dirty="0"/>
-              <a:t>구매 </a:t>
-            </a:r>
-            <a:r>
-              <a:rPr lang="en-US" altLang="ko-KR" dirty="0" err="1"/>
-              <a:t>RestAPI</a:t>
+              <a:t>인증 관련</a:t>
             </a:r>
             <a:r>
               <a:rPr lang="en-US" altLang="ko-KR" dirty="0"/>
@@ -5959,7 +6623,7 @@
           <p:cNvPr id="3" name="내용 개체 틀 2">
             <a:extLst>
               <a:ext uri="{FF2B5EF4-FFF2-40B4-BE49-F238E27FC236}">
-                <a16:creationId xmlns:a16="http://schemas.microsoft.com/office/drawing/2014/main" id="{296AD57D-327F-6B61-46D6-49D12D65F23B}"/>
+                <a16:creationId xmlns:a16="http://schemas.microsoft.com/office/drawing/2014/main" id="{6DD16846-537C-5858-7C75-252A4833C0AE}"/>
               </a:ext>
             </a:extLst>
           </p:cNvPr>
@@ -5976,64 +6640,12 @@
           <a:lstStyle/>
           <a:p>
             <a:r>
-              <a:rPr lang="en-US" altLang="ko-KR" dirty="0"/>
-              <a:t>(Get) /</a:t>
-            </a:r>
-            <a:r>
               <a:rPr lang="en-US" altLang="ko-KR" dirty="0" err="1"/>
-              <a:t>purchase?start</a:t>
-            </a:r>
-            <a:r>
-              <a:rPr lang="en-US" altLang="ko-KR" dirty="0"/>
-              <a:t>=</a:t>
-            </a:r>
-            <a:r>
-              <a:rPr lang="en-US" altLang="ko-KR" dirty="0" err="1"/>
-              <a:t>yyyyMMdd&amp;end</a:t>
-            </a:r>
-            <a:r>
-              <a:rPr lang="en-US" altLang="ko-KR" dirty="0"/>
-              <a:t>=</a:t>
-            </a:r>
-            <a:r>
-              <a:rPr lang="en-US" altLang="ko-KR" dirty="0" err="1"/>
-              <a:t>yyyyMMdd</a:t>
-            </a:r>
-            <a:r>
-              <a:rPr lang="ko-KR" altLang="en-US" dirty="0"/>
-              <a:t> </a:t>
-            </a:r>
-            <a:r>
-              <a:rPr lang="en-US" altLang="ko-KR" dirty="0"/>
-              <a:t>:</a:t>
-            </a:r>
-            <a:r>
-              <a:rPr lang="ko-KR" altLang="en-US" dirty="0"/>
-              <a:t> </a:t>
-            </a:r>
-            <a:r>
-              <a:rPr lang="en-US" altLang="ko-KR" dirty="0"/>
-              <a:t>start</a:t>
-            </a:r>
-            <a:r>
-              <a:rPr lang="ko-KR" altLang="en-US" dirty="0"/>
-              <a:t> </a:t>
-            </a:r>
-            <a:r>
-              <a:rPr lang="en-US" altLang="ko-KR" dirty="0"/>
-              <a:t>~</a:t>
-            </a:r>
-            <a:r>
-              <a:rPr lang="ko-KR" altLang="en-US" dirty="0"/>
-              <a:t> </a:t>
-            </a:r>
-            <a:r>
-              <a:rPr lang="en-US" altLang="ko-KR" dirty="0"/>
-              <a:t>end</a:t>
-            </a:r>
-            <a:r>
-              <a:rPr lang="ko-KR" altLang="en-US" dirty="0"/>
-              <a:t>까지의 구매데이터 반환</a:t>
+              <a:t>jwt</a:t>
+            </a:r>
+            <a:r>
+              <a:rPr lang="ko-KR" altLang="en-US" dirty="0"/>
+              <a:t>를 사용하는 로직을 만들어야 합니다</a:t>
             </a:r>
             <a:r>
               <a:rPr lang="en-US" altLang="ko-KR" dirty="0"/>
@@ -6043,30 +6655,41 @@
           <a:p>
             <a:r>
               <a:rPr lang="en-US" altLang="ko-KR" dirty="0"/>
-              <a:t>(Post) / purchase : </a:t>
-            </a:r>
-            <a:r>
-              <a:rPr lang="ko-KR" altLang="en-US" dirty="0"/>
-              <a:t>구매 정보 추가</a:t>
-            </a:r>
-            <a:endParaRPr lang="en-US" altLang="ko-KR" dirty="0"/>
-          </a:p>
-          <a:p>
-            <a:r>
-              <a:rPr lang="en-US" altLang="ko-KR" dirty="0"/>
-              <a:t>(Put) / purchase : id</a:t>
-            </a:r>
-            <a:r>
-              <a:rPr lang="ko-KR" altLang="en-US" dirty="0"/>
-              <a:t>에 맞는 구매 정보 수정</a:t>
-            </a:r>
-            <a:r>
-              <a:rPr lang="en-US" altLang="ko-KR" dirty="0"/>
-              <a:t>(</a:t>
-            </a:r>
-            <a:r>
-              <a:rPr lang="ko-KR" altLang="en-US" dirty="0"/>
-              <a:t>단</a:t>
+              <a:t>1. token</a:t>
+            </a:r>
+            <a:r>
+              <a:rPr lang="ko-KR" altLang="en-US" dirty="0"/>
+              <a:t>발행</a:t>
+            </a:r>
+            <a:r>
+              <a:rPr lang="en-US" altLang="ko-KR" dirty="0"/>
+              <a:t>, token</a:t>
+            </a:r>
+            <a:r>
+              <a:rPr lang="ko-KR" altLang="en-US" dirty="0"/>
+              <a:t>기한설정</a:t>
+            </a:r>
+            <a:r>
+              <a:rPr lang="en-US" altLang="ko-KR" dirty="0"/>
+              <a:t>, token</a:t>
+            </a:r>
+            <a:r>
+              <a:rPr lang="ko-KR" altLang="en-US" dirty="0"/>
+              <a:t>검증 등의 로직 구현이 필요함</a:t>
+            </a:r>
+            <a:r>
+              <a:rPr lang="en-US" altLang="ko-KR" dirty="0"/>
+              <a:t>.</a:t>
+            </a:r>
+          </a:p>
+          <a:p>
+            <a:r>
+              <a:rPr lang="en-US" altLang="ko-KR" dirty="0"/>
+              <a:t>2. session</a:t>
+            </a:r>
+            <a:r>
+              <a:rPr lang="ko-KR" altLang="en-US" dirty="0"/>
+              <a:t>을 사용하여</a:t>
             </a:r>
             <a:r>
               <a:rPr lang="en-US" altLang="ko-KR" dirty="0"/>
@@ -6074,37 +6697,21 @@
             </a:r>
             <a:r>
               <a:rPr lang="ko-KR" altLang="en-US" dirty="0"/>
-              <a:t>입고 내역 </a:t>
-            </a:r>
-            <a:r>
-              <a:rPr lang="en-US" altLang="ko-KR" dirty="0"/>
-              <a:t>X </a:t>
-            </a:r>
-            <a:r>
-              <a:rPr lang="ko-KR" altLang="en-US" dirty="0"/>
-              <a:t>필수</a:t>
-            </a:r>
-            <a:r>
-              <a:rPr lang="en-US" altLang="ko-KR" dirty="0"/>
-              <a:t>)</a:t>
-            </a:r>
-          </a:p>
-          <a:p>
-            <a:r>
-              <a:rPr lang="en-US" altLang="ko-KR" dirty="0"/>
-              <a:t>(Delete) / purchase : id</a:t>
-            </a:r>
-            <a:r>
-              <a:rPr lang="ko-KR" altLang="en-US" dirty="0"/>
-              <a:t>에 맞는 구매 정보 삭제 </a:t>
-            </a:r>
-            <a:r>
-              <a:rPr lang="en-US" altLang="ko-KR" dirty="0"/>
-              <a:t>(</a:t>
-            </a:r>
-            <a:r>
-              <a:rPr lang="ko-KR" altLang="en-US" dirty="0"/>
-              <a:t>단</a:t>
+              <a:t>로그인 상태가 유지되도록 만들어야 합니다</a:t>
+            </a:r>
+            <a:r>
+              <a:rPr lang="en-US" altLang="ko-KR" dirty="0"/>
+              <a:t>.</a:t>
+            </a:r>
+          </a:p>
+          <a:p>
+            <a:r>
+              <a:rPr lang="en-US" altLang="ko-KR" dirty="0"/>
+              <a:t>3. session</a:t>
+            </a:r>
+            <a:r>
+              <a:rPr lang="ko-KR" altLang="en-US" dirty="0"/>
+              <a:t> 갈취를 막기위해</a:t>
             </a:r>
             <a:r>
               <a:rPr lang="en-US" altLang="ko-KR" dirty="0"/>
@@ -6112,19 +6719,49 @@
             </a:r>
             <a:r>
               <a:rPr lang="ko-KR" altLang="en-US" dirty="0"/>
-              <a:t>입고 내역 </a:t>
-            </a:r>
-            <a:r>
-              <a:rPr lang="en-US" altLang="ko-KR" dirty="0"/>
-              <a:t>X </a:t>
-            </a:r>
-            <a:r>
-              <a:rPr lang="ko-KR" altLang="en-US" dirty="0"/>
-              <a:t>필수</a:t>
-            </a:r>
-            <a:r>
-              <a:rPr lang="en-US" altLang="ko-KR" dirty="0"/>
-              <a:t>)</a:t>
+              <a:t>항상 인증시에는</a:t>
+            </a:r>
+            <a:r>
+              <a:rPr lang="en-US" altLang="ko-KR" dirty="0"/>
+              <a:t>, </a:t>
+            </a:r>
+            <a:r>
+              <a:rPr lang="ko-KR" altLang="en-US" dirty="0"/>
+              <a:t>유저의 컴퓨터가 가지고 있는 로컬정보를 가져와야 합니다</a:t>
+            </a:r>
+            <a:r>
+              <a:rPr lang="en-US" altLang="ko-KR" dirty="0"/>
+              <a:t>.( + XSS</a:t>
+            </a:r>
+            <a:r>
+              <a:rPr lang="ko-KR" altLang="en-US" dirty="0"/>
+              <a:t>기법 대응 필수</a:t>
+            </a:r>
+            <a:r>
+              <a:rPr lang="en-US" altLang="ko-KR" dirty="0"/>
+              <a:t>!)</a:t>
+            </a:r>
+          </a:p>
+          <a:p>
+            <a:r>
+              <a:rPr lang="en-US" altLang="ko-KR" dirty="0"/>
+              <a:t>4. </a:t>
+            </a:r>
+            <a:r>
+              <a:rPr lang="ko-KR" altLang="en-US" dirty="0"/>
+              <a:t>로그인 페이지</a:t>
+            </a:r>
+            <a:r>
+              <a:rPr lang="en-US" altLang="ko-KR" dirty="0"/>
+              <a:t>, </a:t>
+            </a:r>
+            <a:r>
+              <a:rPr lang="ko-KR" altLang="en-US" dirty="0"/>
+              <a:t>비밀번호 변경 페이지의 구현이 필요합니다</a:t>
+            </a:r>
+            <a:r>
+              <a:rPr lang="en-US" altLang="ko-KR" dirty="0"/>
+              <a:t>.</a:t>
             </a:r>
             <a:endParaRPr lang="ko-KR" altLang="en-US" dirty="0"/>
           </a:p>
@@ -6133,7 +6770,7 @@
     </p:spTree>
     <p:extLst>
       <p:ext uri="{BB962C8B-B14F-4D97-AF65-F5344CB8AC3E}">
-        <p14:creationId xmlns:p14="http://schemas.microsoft.com/office/powerpoint/2010/main" val="3898173792"/>
+        <p14:creationId xmlns:p14="http://schemas.microsoft.com/office/powerpoint/2010/main" val="3362017125"/>
       </p:ext>
     </p:extLst>
   </p:cSld>
@@ -6165,7 +6802,7 @@
           <p:cNvPr id="2" name="제목 1">
             <a:extLst>
               <a:ext uri="{FF2B5EF4-FFF2-40B4-BE49-F238E27FC236}">
-                <a16:creationId xmlns:a16="http://schemas.microsoft.com/office/drawing/2014/main" id="{D985993B-98E2-94A5-D556-F98F142B2F4A}"/>
+                <a16:creationId xmlns:a16="http://schemas.microsoft.com/office/drawing/2014/main" id="{84E83D43-55FC-6F7B-DF30-5F211D6415C9}"/>
               </a:ext>
             </a:extLst>
           </p:cNvPr>
@@ -6191,7 +6828,7 @@
             </a:r>
             <a:r>
               <a:rPr lang="ko-KR" altLang="en-US" dirty="0"/>
-              <a:t>입고</a:t>
+              <a:t>구매</a:t>
             </a:r>
             <a:r>
               <a:rPr lang="en-US" altLang="ko-KR" dirty="0"/>
@@ -6206,7 +6843,7 @@
           <p:cNvPr id="3" name="내용 개체 틀 2">
             <a:extLst>
               <a:ext uri="{FF2B5EF4-FFF2-40B4-BE49-F238E27FC236}">
-                <a16:creationId xmlns:a16="http://schemas.microsoft.com/office/drawing/2014/main" id="{FDE87E24-1D9A-A830-1A49-5A1AB2C5ADA3}"/>
+                <a16:creationId xmlns:a16="http://schemas.microsoft.com/office/drawing/2014/main" id="{69A35487-984F-D6F5-33C6-48C104A11E73}"/>
               </a:ext>
             </a:extLst>
           </p:cNvPr>
@@ -6228,7 +6865,7 @@
             </a:r>
             <a:r>
               <a:rPr lang="ko-KR" altLang="en-US" dirty="0"/>
-              <a:t>입고 등록 페이지 제작</a:t>
+              <a:t>구매 요청 웹페이지 제작</a:t>
             </a:r>
             <a:endParaRPr lang="en-US" altLang="ko-KR" dirty="0"/>
           </a:p>
@@ -6239,7 +6876,7 @@
             </a:r>
             <a:r>
               <a:rPr lang="ko-KR" altLang="en-US" dirty="0"/>
-              <a:t>입고 등록 현황 페이지 제작</a:t>
+              <a:t>구매 요청 관리 웹페이지 제작</a:t>
             </a:r>
             <a:endParaRPr lang="en-US" altLang="ko-KR" dirty="0"/>
           </a:p>
@@ -6249,8 +6886,8 @@
               <a:t>3. </a:t>
             </a:r>
             <a:r>
-              <a:rPr lang="ko-KR" altLang="en-US" dirty="0" err="1"/>
-              <a:t>입고시</a:t>
+              <a:rPr lang="ko-KR" altLang="en-US" dirty="0"/>
+              <a:t>입고 처리가 안된 건에 대해</a:t>
             </a:r>
             <a:r>
               <a:rPr lang="en-US" altLang="ko-KR" dirty="0"/>
@@ -6258,15 +6895,7 @@
             </a:r>
             <a:r>
               <a:rPr lang="ko-KR" altLang="en-US" dirty="0"/>
-              <a:t>구매 번호를 참조할 수 있도록 작성</a:t>
-            </a:r>
-            <a:r>
-              <a:rPr lang="en-US" altLang="ko-KR" dirty="0"/>
-              <a:t>. </a:t>
-            </a:r>
-            <a:r>
-              <a:rPr lang="ko-KR" altLang="en-US" dirty="0"/>
-              <a:t>참조하지 않아도 됨</a:t>
+              <a:t>수정 및 삭제 기능을 제공함</a:t>
             </a:r>
             <a:r>
               <a:rPr lang="en-US" altLang="ko-KR" dirty="0"/>
@@ -6280,7 +6909,7 @@
             </a:r>
             <a:r>
               <a:rPr lang="ko-KR" altLang="en-US" dirty="0"/>
-              <a:t>전량 입고 버튼을 만듦</a:t>
+              <a:t>부분 입고가 되었을 경우</a:t>
             </a:r>
             <a:r>
               <a:rPr lang="en-US" altLang="ko-KR" dirty="0"/>
@@ -6288,7 +6917,7 @@
             </a:r>
             <a:r>
               <a:rPr lang="ko-KR" altLang="en-US" dirty="0"/>
-              <a:t>구매 수량보다 입고 수량이 많을 경우 경고 메시지 띄움</a:t>
+              <a:t>남은 입고 수량을 보여 줄 수 있음</a:t>
             </a:r>
             <a:r>
               <a:rPr lang="en-US" altLang="ko-KR" dirty="0"/>
@@ -6301,7 +6930,7 @@
     </p:spTree>
     <p:extLst>
       <p:ext uri="{BB962C8B-B14F-4D97-AF65-F5344CB8AC3E}">
-        <p14:creationId xmlns:p14="http://schemas.microsoft.com/office/powerpoint/2010/main" val="3068054946"/>
+        <p14:creationId xmlns:p14="http://schemas.microsoft.com/office/powerpoint/2010/main" val="3685936635"/>
       </p:ext>
     </p:extLst>
   </p:cSld>
@@ -6333,7 +6962,7 @@
           <p:cNvPr id="2" name="제목 1">
             <a:extLst>
               <a:ext uri="{FF2B5EF4-FFF2-40B4-BE49-F238E27FC236}">
-                <a16:creationId xmlns:a16="http://schemas.microsoft.com/office/drawing/2014/main" id="{65B409A2-02E8-810A-E19D-84CB91692BE8}"/>
+                <a16:creationId xmlns:a16="http://schemas.microsoft.com/office/drawing/2014/main" id="{006B835A-9A3E-1F4A-00AF-B56A263B47A4}"/>
               </a:ext>
             </a:extLst>
           </p:cNvPr>
@@ -6359,7 +6988,11 @@
             </a:r>
             <a:r>
               <a:rPr lang="ko-KR" altLang="en-US" dirty="0"/>
-              <a:t>출고</a:t>
+              <a:t>구매 </a:t>
+            </a:r>
+            <a:r>
+              <a:rPr lang="en-US" altLang="ko-KR" dirty="0" err="1"/>
+              <a:t>RestAPI</a:t>
             </a:r>
             <a:r>
               <a:rPr lang="en-US" altLang="ko-KR" dirty="0"/>
@@ -6374,7 +7007,7 @@
           <p:cNvPr id="3" name="내용 개체 틀 2">
             <a:extLst>
               <a:ext uri="{FF2B5EF4-FFF2-40B4-BE49-F238E27FC236}">
-                <a16:creationId xmlns:a16="http://schemas.microsoft.com/office/drawing/2014/main" id="{B630492E-EB4E-4132-018A-C56E9AC3AF87}"/>
+                <a16:creationId xmlns:a16="http://schemas.microsoft.com/office/drawing/2014/main" id="{296AD57D-327F-6B61-46D6-49D12D65F23B}"/>
               </a:ext>
             </a:extLst>
           </p:cNvPr>
@@ -6392,15 +7025,63 @@
           <a:p>
             <a:r>
               <a:rPr lang="en-US" altLang="ko-KR" dirty="0"/>
-              <a:t>1. </a:t>
-            </a:r>
-            <a:r>
-              <a:rPr lang="ko-KR" altLang="en-US" dirty="0"/>
-              <a:t>출고 화면 페이지 </a:t>
-            </a:r>
-            <a:r>
-              <a:rPr lang="ko-KR" altLang="en-US" dirty="0" err="1"/>
-              <a:t>제작해야함</a:t>
+              <a:t>(Get) /</a:t>
+            </a:r>
+            <a:r>
+              <a:rPr lang="en-US" altLang="ko-KR" dirty="0" err="1"/>
+              <a:t>purchase?start</a:t>
+            </a:r>
+            <a:r>
+              <a:rPr lang="en-US" altLang="ko-KR" dirty="0"/>
+              <a:t>=</a:t>
+            </a:r>
+            <a:r>
+              <a:rPr lang="en-US" altLang="ko-KR" dirty="0" err="1"/>
+              <a:t>yyyyMMdd&amp;end</a:t>
+            </a:r>
+            <a:r>
+              <a:rPr lang="en-US" altLang="ko-KR" dirty="0"/>
+              <a:t>=</a:t>
+            </a:r>
+            <a:r>
+              <a:rPr lang="en-US" altLang="ko-KR" dirty="0" err="1"/>
+              <a:t>yyyyMMdd</a:t>
+            </a:r>
+            <a:r>
+              <a:rPr lang="ko-KR" altLang="en-US" dirty="0"/>
+              <a:t> </a:t>
+            </a:r>
+            <a:r>
+              <a:rPr lang="en-US" altLang="ko-KR" dirty="0"/>
+              <a:t>:</a:t>
+            </a:r>
+            <a:r>
+              <a:rPr lang="ko-KR" altLang="en-US" dirty="0"/>
+              <a:t> </a:t>
+            </a:r>
+            <a:r>
+              <a:rPr lang="en-US" altLang="ko-KR" dirty="0"/>
+              <a:t>start</a:t>
+            </a:r>
+            <a:r>
+              <a:rPr lang="ko-KR" altLang="en-US" dirty="0"/>
+              <a:t> </a:t>
+            </a:r>
+            <a:r>
+              <a:rPr lang="en-US" altLang="ko-KR" dirty="0"/>
+              <a:t>~</a:t>
+            </a:r>
+            <a:r>
+              <a:rPr lang="ko-KR" altLang="en-US" dirty="0"/>
+              <a:t> </a:t>
+            </a:r>
+            <a:r>
+              <a:rPr lang="en-US" altLang="ko-KR" dirty="0"/>
+              <a:t>end</a:t>
+            </a:r>
+            <a:r>
+              <a:rPr lang="ko-KR" altLang="en-US" dirty="0"/>
+              <a:t>까지의 구매데이터 반환</a:t>
             </a:r>
             <a:r>
               <a:rPr lang="en-US" altLang="ko-KR" dirty="0"/>
@@ -6410,11 +7091,30 @@
           <a:p>
             <a:r>
               <a:rPr lang="en-US" altLang="ko-KR" dirty="0"/>
-              <a:t>2. </a:t>
-            </a:r>
-            <a:r>
-              <a:rPr lang="ko-KR" altLang="en-US" dirty="0" err="1"/>
-              <a:t>출고시</a:t>
+              <a:t>(Post) / purchase : </a:t>
+            </a:r>
+            <a:r>
+              <a:rPr lang="ko-KR" altLang="en-US" dirty="0"/>
+              <a:t>구매 정보 추가</a:t>
+            </a:r>
+            <a:endParaRPr lang="en-US" altLang="ko-KR" dirty="0"/>
+          </a:p>
+          <a:p>
+            <a:r>
+              <a:rPr lang="en-US" altLang="ko-KR" dirty="0"/>
+              <a:t>(Put) / purchase : id</a:t>
+            </a:r>
+            <a:r>
+              <a:rPr lang="ko-KR" altLang="en-US" dirty="0"/>
+              <a:t>에 맞는 구매 정보 수정</a:t>
+            </a:r>
+            <a:r>
+              <a:rPr lang="en-US" altLang="ko-KR" dirty="0"/>
+              <a:t>(</a:t>
+            </a:r>
+            <a:r>
+              <a:rPr lang="ko-KR" altLang="en-US" dirty="0"/>
+              <a:t>단</a:t>
             </a:r>
             <a:r>
               <a:rPr lang="en-US" altLang="ko-KR" dirty="0"/>
@@ -6422,77 +7122,37 @@
             </a:r>
             <a:r>
               <a:rPr lang="ko-KR" altLang="en-US" dirty="0"/>
-              <a:t>수량 </a:t>
-            </a:r>
-            <a:r>
-              <a:rPr lang="ko-KR" altLang="en-US" dirty="0" err="1"/>
-              <a:t>체킹하는</a:t>
-            </a:r>
-            <a:r>
-              <a:rPr lang="ko-KR" altLang="en-US" dirty="0"/>
-              <a:t> 알고리즘 </a:t>
-            </a:r>
-            <a:r>
-              <a:rPr lang="ko-KR" altLang="en-US" dirty="0" err="1"/>
-              <a:t>만들어야함</a:t>
-            </a:r>
-            <a:r>
-              <a:rPr lang="en-US" altLang="ko-KR" dirty="0"/>
-              <a:t>.</a:t>
-            </a:r>
-          </a:p>
-          <a:p>
-            <a:r>
-              <a:rPr lang="en-US" altLang="ko-KR" dirty="0"/>
-              <a:t>3. </a:t>
-            </a:r>
-            <a:r>
-              <a:rPr lang="ko-KR" altLang="en-US" dirty="0"/>
-              <a:t>출고 내역 관리 페이지 </a:t>
-            </a:r>
-            <a:r>
-              <a:rPr lang="ko-KR" altLang="en-US" dirty="0" err="1"/>
-              <a:t>만들어야함</a:t>
-            </a:r>
-            <a:r>
-              <a:rPr lang="en-US" altLang="ko-KR" dirty="0"/>
-              <a:t>.</a:t>
-            </a:r>
-          </a:p>
-          <a:p>
-            <a:r>
-              <a:rPr lang="en-US" altLang="ko-KR" dirty="0"/>
-              <a:t>4. </a:t>
-            </a:r>
-            <a:r>
-              <a:rPr lang="ko-KR" altLang="en-US" dirty="0"/>
-              <a:t>출고시에</a:t>
-            </a:r>
-            <a:r>
-              <a:rPr lang="en-US" altLang="ko-KR" dirty="0"/>
-              <a:t>, BOM</a:t>
-            </a:r>
-            <a:r>
-              <a:rPr lang="ko-KR" altLang="en-US" dirty="0"/>
-              <a:t>테이블을 참조하여 연쇄적으로 품목을 </a:t>
-            </a:r>
-            <a:r>
-              <a:rPr lang="ko-KR" altLang="en-US" dirty="0" err="1"/>
-              <a:t>차감하여야함</a:t>
-            </a:r>
-            <a:r>
-              <a:rPr lang="en-US" altLang="ko-KR" dirty="0"/>
-              <a:t>.</a:t>
-            </a:r>
-          </a:p>
-          <a:p>
-            <a:r>
-              <a:rPr lang="en-US" altLang="ko-KR" dirty="0"/>
-              <a:t>5. </a:t>
-            </a:r>
-            <a:r>
-              <a:rPr lang="ko-KR" altLang="en-US" dirty="0"/>
-              <a:t>출고시에</a:t>
+              <a:t>입고 내역 </a:t>
+            </a:r>
+            <a:r>
+              <a:rPr lang="en-US" altLang="ko-KR" dirty="0"/>
+              <a:t>X </a:t>
+            </a:r>
+            <a:r>
+              <a:rPr lang="ko-KR" altLang="en-US" dirty="0"/>
+              <a:t>필수</a:t>
+            </a:r>
+            <a:r>
+              <a:rPr lang="en-US" altLang="ko-KR" dirty="0"/>
+              <a:t>)</a:t>
+            </a:r>
+          </a:p>
+          <a:p>
+            <a:r>
+              <a:rPr lang="en-US" altLang="ko-KR" dirty="0"/>
+              <a:t>(Delete) / purchase : id</a:t>
+            </a:r>
+            <a:r>
+              <a:rPr lang="ko-KR" altLang="en-US" dirty="0"/>
+              <a:t>에 맞는 구매 정보 삭제 </a:t>
+            </a:r>
+            <a:r>
+              <a:rPr lang="en-US" altLang="ko-KR" dirty="0"/>
+              <a:t>(</a:t>
+            </a:r>
+            <a:r>
+              <a:rPr lang="ko-KR" altLang="en-US" dirty="0"/>
+              <a:t>단</a:t>
             </a:r>
             <a:r>
               <a:rPr lang="en-US" altLang="ko-KR" dirty="0"/>
@@ -6500,26 +7160,20 @@
             </a:r>
             <a:r>
               <a:rPr lang="ko-KR" altLang="en-US" dirty="0"/>
-              <a:t>차감 가능한 </a:t>
-            </a:r>
-            <a:r>
-              <a:rPr lang="en-US" altLang="ko-KR" dirty="0"/>
-              <a:t>LOT</a:t>
-            </a:r>
-            <a:r>
-              <a:rPr lang="ko-KR" altLang="en-US" dirty="0"/>
-              <a:t>를 선입선출 순으로 </a:t>
-            </a:r>
-            <a:r>
-              <a:rPr lang="ko-KR" altLang="en-US" dirty="0" err="1"/>
-              <a:t>띄어줌</a:t>
-            </a:r>
-            <a:r>
-              <a:rPr lang="en-US" altLang="ko-KR" dirty="0"/>
-              <a:t>.</a:t>
-            </a:r>
-          </a:p>
-          <a:p>
+              <a:t>입고 내역 </a:t>
+            </a:r>
+            <a:r>
+              <a:rPr lang="en-US" altLang="ko-KR" dirty="0"/>
+              <a:t>X </a:t>
+            </a:r>
+            <a:r>
+              <a:rPr lang="ko-KR" altLang="en-US" dirty="0"/>
+              <a:t>필수</a:t>
+            </a:r>
+            <a:r>
+              <a:rPr lang="en-US" altLang="ko-KR" dirty="0"/>
+              <a:t>)</a:t>
+            </a:r>
             <a:endParaRPr lang="ko-KR" altLang="en-US" dirty="0"/>
           </a:p>
         </p:txBody>
@@ -6527,7 +7181,7 @@
     </p:spTree>
     <p:extLst>
       <p:ext uri="{BB962C8B-B14F-4D97-AF65-F5344CB8AC3E}">
-        <p14:creationId xmlns:p14="http://schemas.microsoft.com/office/powerpoint/2010/main" val="1784902601"/>
+        <p14:creationId xmlns:p14="http://schemas.microsoft.com/office/powerpoint/2010/main" val="3898173792"/>
       </p:ext>
     </p:extLst>
   </p:cSld>
@@ -6559,7 +7213,7 @@
           <p:cNvPr id="2" name="제목 1">
             <a:extLst>
               <a:ext uri="{FF2B5EF4-FFF2-40B4-BE49-F238E27FC236}">
-                <a16:creationId xmlns:a16="http://schemas.microsoft.com/office/drawing/2014/main" id="{C88951BC-0317-A301-0B6C-2A3837257A0A}"/>
+                <a16:creationId xmlns:a16="http://schemas.microsoft.com/office/drawing/2014/main" id="{D985993B-98E2-94A5-D556-F98F142B2F4A}"/>
               </a:ext>
             </a:extLst>
           </p:cNvPr>
@@ -6585,7 +7239,7 @@
             </a:r>
             <a:r>
               <a:rPr lang="ko-KR" altLang="en-US" dirty="0"/>
-              <a:t>품목</a:t>
+              <a:t>입고</a:t>
             </a:r>
             <a:r>
               <a:rPr lang="en-US" altLang="ko-KR" dirty="0"/>
@@ -6600,7 +7254,7 @@
           <p:cNvPr id="3" name="내용 개체 틀 2">
             <a:extLst>
               <a:ext uri="{FF2B5EF4-FFF2-40B4-BE49-F238E27FC236}">
-                <a16:creationId xmlns:a16="http://schemas.microsoft.com/office/drawing/2014/main" id="{1B24DFA4-F828-64F3-24D0-94B6516D4FE5}"/>
+                <a16:creationId xmlns:a16="http://schemas.microsoft.com/office/drawing/2014/main" id="{FDE87E24-1D9A-A830-1A49-5A1AB2C5ADA3}"/>
               </a:ext>
             </a:extLst>
           </p:cNvPr>
@@ -6617,15 +7271,34 @@
           <a:lstStyle/>
           <a:p>
             <a:r>
-              <a:rPr lang="ko-KR" altLang="en-US" dirty="0"/>
-              <a:t>품목을 등록할 수 있는 페이지 제작</a:t>
+              <a:rPr lang="en-US" altLang="ko-KR" dirty="0"/>
+              <a:t>1. </a:t>
+            </a:r>
+            <a:r>
+              <a:rPr lang="ko-KR" altLang="en-US" dirty="0"/>
+              <a:t>입고 등록 페이지 제작</a:t>
             </a:r>
             <a:endParaRPr lang="en-US" altLang="ko-KR" dirty="0"/>
           </a:p>
           <a:p>
             <a:r>
-              <a:rPr lang="ko-KR" altLang="en-US" dirty="0"/>
-              <a:t>품목을 생성</a:t>
+              <a:rPr lang="en-US" altLang="ko-KR" dirty="0"/>
+              <a:t>2. </a:t>
+            </a:r>
+            <a:r>
+              <a:rPr lang="ko-KR" altLang="en-US" dirty="0"/>
+              <a:t>입고 등록 현황 페이지 제작</a:t>
+            </a:r>
+            <a:endParaRPr lang="en-US" altLang="ko-KR" dirty="0"/>
+          </a:p>
+          <a:p>
+            <a:r>
+              <a:rPr lang="en-US" altLang="ko-KR" dirty="0"/>
+              <a:t>3. </a:t>
+            </a:r>
+            <a:r>
+              <a:rPr lang="ko-KR" altLang="en-US" dirty="0" err="1"/>
+              <a:t>입고시</a:t>
             </a:r>
             <a:r>
               <a:rPr lang="en-US" altLang="ko-KR" dirty="0"/>
@@ -6633,7 +7306,29 @@
             </a:r>
             <a:r>
               <a:rPr lang="ko-KR" altLang="en-US" dirty="0"/>
-              <a:t>수정</a:t>
+              <a:t>구매 번호를 참조할 수 있도록 작성</a:t>
+            </a:r>
+            <a:r>
+              <a:rPr lang="en-US" altLang="ko-KR" dirty="0"/>
+              <a:t>. </a:t>
+            </a:r>
+            <a:r>
+              <a:rPr lang="ko-KR" altLang="en-US" dirty="0"/>
+              <a:t>참조하지 않아도 됨</a:t>
+            </a:r>
+            <a:r>
+              <a:rPr lang="en-US" altLang="ko-KR" dirty="0"/>
+              <a:t>.</a:t>
+            </a:r>
+          </a:p>
+          <a:p>
+            <a:r>
+              <a:rPr lang="en-US" altLang="ko-KR" dirty="0"/>
+              <a:t>4. </a:t>
+            </a:r>
+            <a:r>
+              <a:rPr lang="ko-KR" altLang="en-US" dirty="0"/>
+              <a:t>전량 입고 버튼을 만듦</a:t>
             </a:r>
             <a:r>
               <a:rPr lang="en-US" altLang="ko-KR" dirty="0"/>
@@ -6641,7 +7336,7 @@
             </a:r>
             <a:r>
               <a:rPr lang="ko-KR" altLang="en-US" dirty="0"/>
-              <a:t>삭제 할 수 있음</a:t>
+              <a:t>구매 수량보다 입고 수량이 많을 경우 경고 메시지 띄움</a:t>
             </a:r>
             <a:r>
               <a:rPr lang="en-US" altLang="ko-KR" dirty="0"/>
@@ -6654,7 +7349,7 @@
     </p:spTree>
     <p:extLst>
       <p:ext uri="{BB962C8B-B14F-4D97-AF65-F5344CB8AC3E}">
-        <p14:creationId xmlns:p14="http://schemas.microsoft.com/office/powerpoint/2010/main" val="332220598"/>
+        <p14:creationId xmlns:p14="http://schemas.microsoft.com/office/powerpoint/2010/main" val="3068054946"/>
       </p:ext>
     </p:extLst>
   </p:cSld>
@@ -6686,7 +7381,7 @@
           <p:cNvPr id="2" name="제목 1">
             <a:extLst>
               <a:ext uri="{FF2B5EF4-FFF2-40B4-BE49-F238E27FC236}">
-                <a16:creationId xmlns:a16="http://schemas.microsoft.com/office/drawing/2014/main" id="{C88951BC-0317-A301-0B6C-2A3837257A0A}"/>
+                <a16:creationId xmlns:a16="http://schemas.microsoft.com/office/drawing/2014/main" id="{65B409A2-02E8-810A-E19D-84CB91692BE8}"/>
               </a:ext>
             </a:extLst>
           </p:cNvPr>
@@ -6712,11 +7407,7 @@
             </a:r>
             <a:r>
               <a:rPr lang="ko-KR" altLang="en-US" dirty="0"/>
-              <a:t>품목  </a:t>
-            </a:r>
-            <a:r>
-              <a:rPr lang="en-US" altLang="ko-KR" dirty="0" err="1"/>
-              <a:t>RestAPI</a:t>
+              <a:t>출고</a:t>
             </a:r>
             <a:r>
               <a:rPr lang="en-US" altLang="ko-KR" dirty="0"/>
@@ -6731,7 +7422,7 @@
           <p:cNvPr id="3" name="내용 개체 틀 2">
             <a:extLst>
               <a:ext uri="{FF2B5EF4-FFF2-40B4-BE49-F238E27FC236}">
-                <a16:creationId xmlns:a16="http://schemas.microsoft.com/office/drawing/2014/main" id="{1B24DFA4-F828-64F3-24D0-94B6516D4FE5}"/>
+                <a16:creationId xmlns:a16="http://schemas.microsoft.com/office/drawing/2014/main" id="{B630492E-EB4E-4132-018A-C56E9AC3AF87}"/>
               </a:ext>
             </a:extLst>
           </p:cNvPr>
@@ -6749,11 +7440,15 @@
           <a:p>
             <a:r>
               <a:rPr lang="en-US" altLang="ko-KR" dirty="0"/>
-              <a:t>(Get) /product : </a:t>
-            </a:r>
-            <a:r>
-              <a:rPr lang="ko-KR" altLang="en-US" dirty="0"/>
-              <a:t>모든 품목을 가져옴</a:t>
+              <a:t>1. </a:t>
+            </a:r>
+            <a:r>
+              <a:rPr lang="ko-KR" altLang="en-US" dirty="0"/>
+              <a:t>출고 화면 페이지 </a:t>
+            </a:r>
+            <a:r>
+              <a:rPr lang="ko-KR" altLang="en-US" dirty="0" err="1"/>
+              <a:t>제작해야함</a:t>
             </a:r>
             <a:r>
               <a:rPr lang="en-US" altLang="ko-KR" dirty="0"/>
@@ -6763,33 +7458,11 @@
           <a:p>
             <a:r>
               <a:rPr lang="en-US" altLang="ko-KR" dirty="0"/>
-              <a:t>(Post) /product : </a:t>
-            </a:r>
-            <a:r>
-              <a:rPr lang="ko-KR" altLang="en-US" dirty="0"/>
-              <a:t>품목 하나를 추가함</a:t>
-            </a:r>
-            <a:r>
-              <a:rPr lang="en-US" altLang="ko-KR" dirty="0"/>
-              <a:t>. (body</a:t>
-            </a:r>
-            <a:r>
-              <a:rPr lang="ko-KR" altLang="en-US" dirty="0"/>
-              <a:t>에 데이터 첨부</a:t>
-            </a:r>
-            <a:r>
-              <a:rPr lang="en-US" altLang="ko-KR" dirty="0"/>
-              <a:t>)</a:t>
-            </a:r>
-          </a:p>
-          <a:p>
-            <a:r>
-              <a:rPr lang="en-US" altLang="ko-KR" dirty="0"/>
-              <a:t>(Put) /product : id</a:t>
-            </a:r>
-            <a:r>
-              <a:rPr lang="ko-KR" altLang="en-US" dirty="0"/>
-              <a:t>에 해당하는</a:t>
+              <a:t>2. </a:t>
+            </a:r>
+            <a:r>
+              <a:rPr lang="ko-KR" altLang="en-US" dirty="0" err="1"/>
+              <a:t>출고시</a:t>
             </a:r>
             <a:r>
               <a:rPr lang="en-US" altLang="ko-KR" dirty="0"/>
@@ -6797,29 +7470,77 @@
             </a:r>
             <a:r>
               <a:rPr lang="ko-KR" altLang="en-US" dirty="0"/>
-              <a:t>품목 수정 </a:t>
-            </a:r>
-            <a:r>
-              <a:rPr lang="en-US" altLang="ko-KR" dirty="0"/>
-              <a:t>(body</a:t>
-            </a:r>
-            <a:r>
-              <a:rPr lang="ko-KR" altLang="en-US" dirty="0"/>
-              <a:t>에 데이터 첨부</a:t>
-            </a:r>
-            <a:r>
-              <a:rPr lang="en-US" altLang="ko-KR" dirty="0"/>
-              <a:t>)</a:t>
-            </a:r>
-          </a:p>
-          <a:p>
-            <a:r>
-              <a:rPr lang="en-US" altLang="ko-KR" dirty="0"/>
-              <a:t>(Delete) /product/{id} : id</a:t>
-            </a:r>
-            <a:r>
-              <a:rPr lang="ko-KR" altLang="en-US" dirty="0"/>
-              <a:t>에 해당하는</a:t>
+              <a:t>수량 </a:t>
+            </a:r>
+            <a:r>
+              <a:rPr lang="ko-KR" altLang="en-US" dirty="0" err="1"/>
+              <a:t>체킹하는</a:t>
+            </a:r>
+            <a:r>
+              <a:rPr lang="ko-KR" altLang="en-US" dirty="0"/>
+              <a:t> 알고리즘 </a:t>
+            </a:r>
+            <a:r>
+              <a:rPr lang="ko-KR" altLang="en-US" dirty="0" err="1"/>
+              <a:t>만들어야함</a:t>
+            </a:r>
+            <a:r>
+              <a:rPr lang="en-US" altLang="ko-KR" dirty="0"/>
+              <a:t>.</a:t>
+            </a:r>
+          </a:p>
+          <a:p>
+            <a:r>
+              <a:rPr lang="en-US" altLang="ko-KR" dirty="0"/>
+              <a:t>3. </a:t>
+            </a:r>
+            <a:r>
+              <a:rPr lang="ko-KR" altLang="en-US" dirty="0"/>
+              <a:t>출고 내역 관리 페이지 </a:t>
+            </a:r>
+            <a:r>
+              <a:rPr lang="ko-KR" altLang="en-US" dirty="0" err="1"/>
+              <a:t>만들어야함</a:t>
+            </a:r>
+            <a:r>
+              <a:rPr lang="en-US" altLang="ko-KR" dirty="0"/>
+              <a:t>.</a:t>
+            </a:r>
+          </a:p>
+          <a:p>
+            <a:r>
+              <a:rPr lang="en-US" altLang="ko-KR" dirty="0"/>
+              <a:t>4. </a:t>
+            </a:r>
+            <a:r>
+              <a:rPr lang="ko-KR" altLang="en-US" dirty="0"/>
+              <a:t>출고시에</a:t>
+            </a:r>
+            <a:r>
+              <a:rPr lang="en-US" altLang="ko-KR" dirty="0"/>
+              <a:t>, BOM</a:t>
+            </a:r>
+            <a:r>
+              <a:rPr lang="ko-KR" altLang="en-US" dirty="0"/>
+              <a:t>테이블을 참조하여 연쇄적으로 품목을 </a:t>
+            </a:r>
+            <a:r>
+              <a:rPr lang="ko-KR" altLang="en-US" dirty="0" err="1"/>
+              <a:t>차감하여야함</a:t>
+            </a:r>
+            <a:r>
+              <a:rPr lang="en-US" altLang="ko-KR" dirty="0"/>
+              <a:t>.</a:t>
+            </a:r>
+          </a:p>
+          <a:p>
+            <a:r>
+              <a:rPr lang="en-US" altLang="ko-KR" dirty="0"/>
+              <a:t>5. </a:t>
+            </a:r>
+            <a:r>
+              <a:rPr lang="ko-KR" altLang="en-US" dirty="0"/>
+              <a:t>출고시에</a:t>
             </a:r>
             <a:r>
               <a:rPr lang="en-US" altLang="ko-KR" dirty="0"/>
@@ -6827,28 +7548,26 @@
             </a:r>
             <a:r>
               <a:rPr lang="ko-KR" altLang="en-US" dirty="0"/>
-              <a:t>품목 삭제 </a:t>
-            </a:r>
-            <a:r>
-              <a:rPr lang="en-US" altLang="ko-KR" dirty="0"/>
-              <a:t>(</a:t>
-            </a:r>
-            <a:r>
-              <a:rPr lang="ko-KR" altLang="en-US" dirty="0"/>
-              <a:t>경로에 </a:t>
-            </a:r>
-            <a:r>
-              <a:rPr lang="en-US" altLang="ko-KR" dirty="0" err="1"/>
-              <a:t>PathVariable</a:t>
-            </a:r>
-            <a:r>
-              <a:rPr lang="ko-KR" altLang="en-US" dirty="0"/>
-              <a:t>첨부</a:t>
-            </a:r>
-            <a:r>
-              <a:rPr lang="en-US" altLang="ko-KR" dirty="0"/>
-              <a:t>)</a:t>
-            </a:r>
+              <a:t>차감 가능한 </a:t>
+            </a:r>
+            <a:r>
+              <a:rPr lang="en-US" altLang="ko-KR" dirty="0"/>
+              <a:t>LOT</a:t>
+            </a:r>
+            <a:r>
+              <a:rPr lang="ko-KR" altLang="en-US" dirty="0"/>
+              <a:t>를 선입선출 순으로 </a:t>
+            </a:r>
+            <a:r>
+              <a:rPr lang="ko-KR" altLang="en-US" dirty="0" err="1"/>
+              <a:t>띄어줌</a:t>
+            </a:r>
+            <a:r>
+              <a:rPr lang="en-US" altLang="ko-KR" dirty="0"/>
+              <a:t>.</a:t>
+            </a:r>
+          </a:p>
+          <a:p>
             <a:endParaRPr lang="ko-KR" altLang="en-US" dirty="0"/>
           </a:p>
         </p:txBody>
@@ -6856,7 +7575,7 @@
     </p:spTree>
     <p:extLst>
       <p:ext uri="{BB962C8B-B14F-4D97-AF65-F5344CB8AC3E}">
-        <p14:creationId xmlns:p14="http://schemas.microsoft.com/office/powerpoint/2010/main" val="3760140862"/>
+        <p14:creationId xmlns:p14="http://schemas.microsoft.com/office/powerpoint/2010/main" val="1784902601"/>
       </p:ext>
     </p:extLst>
   </p:cSld>
@@ -6888,7 +7607,7 @@
           <p:cNvPr id="2" name="제목 1">
             <a:extLst>
               <a:ext uri="{FF2B5EF4-FFF2-40B4-BE49-F238E27FC236}">
-                <a16:creationId xmlns:a16="http://schemas.microsoft.com/office/drawing/2014/main" id="{C9453D6E-1F2F-2B7D-5E71-FAB5BCDE5A15}"/>
+                <a16:creationId xmlns:a16="http://schemas.microsoft.com/office/drawing/2014/main" id="{C88951BC-0317-A301-0B6C-2A3837257A0A}"/>
               </a:ext>
             </a:extLst>
           </p:cNvPr>
@@ -6910,11 +7629,11 @@
             </a:r>
             <a:r>
               <a:rPr lang="en-US" altLang="ko-KR" dirty="0"/>
-              <a:t>(BOM </a:t>
-            </a:r>
-            <a:r>
-              <a:rPr lang="ko-KR" altLang="en-US" dirty="0"/>
-              <a:t>제작</a:t>
+              <a:t>(</a:t>
+            </a:r>
+            <a:r>
+              <a:rPr lang="ko-KR" altLang="en-US" dirty="0"/>
+              <a:t>품목</a:t>
             </a:r>
             <a:r>
               <a:rPr lang="en-US" altLang="ko-KR" dirty="0"/>
@@ -6929,7 +7648,7 @@
           <p:cNvPr id="3" name="내용 개체 틀 2">
             <a:extLst>
               <a:ext uri="{FF2B5EF4-FFF2-40B4-BE49-F238E27FC236}">
-                <a16:creationId xmlns:a16="http://schemas.microsoft.com/office/drawing/2014/main" id="{A1DFC714-0E8C-DBAE-121C-2B1ACED5CDE7}"/>
+                <a16:creationId xmlns:a16="http://schemas.microsoft.com/office/drawing/2014/main" id="{1B24DFA4-F828-64F3-24D0-94B6516D4FE5}"/>
               </a:ext>
             </a:extLst>
           </p:cNvPr>
@@ -6947,7 +7666,14 @@
           <a:p>
             <a:r>
               <a:rPr lang="ko-KR" altLang="en-US" dirty="0"/>
-              <a:t>출고 시</a:t>
+              <a:t>품목을 등록할 수 있는 페이지 제작</a:t>
+            </a:r>
+            <a:endParaRPr lang="en-US" altLang="ko-KR" dirty="0"/>
+          </a:p>
+          <a:p>
+            <a:r>
+              <a:rPr lang="ko-KR" altLang="en-US" dirty="0"/>
+              <a:t>품목을 생성</a:t>
             </a:r>
             <a:r>
               <a:rPr lang="en-US" altLang="ko-KR" dirty="0"/>
@@ -6955,7 +7681,7 @@
             </a:r>
             <a:r>
               <a:rPr lang="ko-KR" altLang="en-US" dirty="0"/>
-              <a:t>품목 자체를 빼는 것이 아닌</a:t>
+              <a:t>수정</a:t>
             </a:r>
             <a:r>
               <a:rPr lang="en-US" altLang="ko-KR" dirty="0"/>
@@ -6963,51 +7689,20 @@
             </a:r>
             <a:r>
               <a:rPr lang="ko-KR" altLang="en-US" dirty="0"/>
-              <a:t>품목을 이루는 구성 요소를 연쇄적으로 차감 하고 싶을 때 제작이 가능함</a:t>
+              <a:t>삭제 할 수 있음</a:t>
             </a:r>
             <a:r>
               <a:rPr lang="en-US" altLang="ko-KR" dirty="0"/>
               <a:t>.</a:t>
             </a:r>
-          </a:p>
-          <a:p>
-            <a:r>
-              <a:rPr lang="en-US" altLang="ko-KR" dirty="0"/>
-              <a:t>BOM</a:t>
-            </a:r>
-            <a:r>
-              <a:rPr lang="ko-KR" altLang="en-US" dirty="0"/>
-              <a:t>생성 페이지 제작</a:t>
-            </a:r>
-            <a:r>
-              <a:rPr lang="en-US" altLang="ko-KR" dirty="0"/>
-              <a:t>.</a:t>
-            </a:r>
-          </a:p>
-          <a:p>
-            <a:r>
-              <a:rPr lang="ko-KR" altLang="en-US" dirty="0"/>
-              <a:t>무한 순환 참조가 일어나지 않도록 </a:t>
-            </a:r>
-            <a:r>
-              <a:rPr lang="en-US" altLang="ko-KR" dirty="0"/>
-              <a:t>cycle</a:t>
-            </a:r>
-            <a:r>
-              <a:rPr lang="ko-KR" altLang="en-US" dirty="0"/>
-              <a:t>체크가 필수임</a:t>
-            </a:r>
-            <a:r>
-              <a:rPr lang="en-US" altLang="ko-KR" dirty="0"/>
-              <a:t>.</a:t>
-            </a:r>
+            <a:endParaRPr lang="ko-KR" altLang="en-US" dirty="0"/>
           </a:p>
         </p:txBody>
       </p:sp>
     </p:spTree>
     <p:extLst>
       <p:ext uri="{BB962C8B-B14F-4D97-AF65-F5344CB8AC3E}">
-        <p14:creationId xmlns:p14="http://schemas.microsoft.com/office/powerpoint/2010/main" val="2389051990"/>
+        <p14:creationId xmlns:p14="http://schemas.microsoft.com/office/powerpoint/2010/main" val="332220598"/>
       </p:ext>
     </p:extLst>
   </p:cSld>
@@ -7039,7 +7734,7 @@
           <p:cNvPr id="2" name="제목 1">
             <a:extLst>
               <a:ext uri="{FF2B5EF4-FFF2-40B4-BE49-F238E27FC236}">
-                <a16:creationId xmlns:a16="http://schemas.microsoft.com/office/drawing/2014/main" id="{AD3B8A92-0DD8-C015-4E1F-6AED3F376449}"/>
+                <a16:creationId xmlns:a16="http://schemas.microsoft.com/office/drawing/2014/main" id="{C88951BC-0317-A301-0B6C-2A3837257A0A}"/>
               </a:ext>
             </a:extLst>
           </p:cNvPr>
@@ -7061,7 +7756,11 @@
             </a:r>
             <a:r>
               <a:rPr lang="en-US" altLang="ko-KR" dirty="0"/>
-              <a:t>(BOM </a:t>
+              <a:t>(</a:t>
+            </a:r>
+            <a:r>
+              <a:rPr lang="ko-KR" altLang="en-US" dirty="0"/>
+              <a:t>품목  </a:t>
             </a:r>
             <a:r>
               <a:rPr lang="en-US" altLang="ko-KR" dirty="0" err="1"/>
@@ -7080,7 +7779,7 @@
           <p:cNvPr id="3" name="내용 개체 틀 2">
             <a:extLst>
               <a:ext uri="{FF2B5EF4-FFF2-40B4-BE49-F238E27FC236}">
-                <a16:creationId xmlns:a16="http://schemas.microsoft.com/office/drawing/2014/main" id="{EFB2B4BF-01E6-C5FA-FF24-E08987FCF8F0}"/>
+                <a16:creationId xmlns:a16="http://schemas.microsoft.com/office/drawing/2014/main" id="{1B24DFA4-F828-64F3-24D0-94B6516D4FE5}"/>
               </a:ext>
             </a:extLst>
           </p:cNvPr>
@@ -7098,179 +7797,114 @@
           <a:p>
             <a:r>
               <a:rPr lang="en-US" altLang="ko-KR" dirty="0"/>
-              <a:t>(Get) /</a:t>
+              <a:t>(Get) /product : </a:t>
+            </a:r>
+            <a:r>
+              <a:rPr lang="ko-KR" altLang="en-US" dirty="0"/>
+              <a:t>모든 품목을 가져옴</a:t>
+            </a:r>
+            <a:r>
+              <a:rPr lang="en-US" altLang="ko-KR" dirty="0"/>
+              <a:t>.</a:t>
+            </a:r>
+          </a:p>
+          <a:p>
+            <a:r>
+              <a:rPr lang="en-US" altLang="ko-KR" dirty="0"/>
+              <a:t>(Post) /product : </a:t>
+            </a:r>
+            <a:r>
+              <a:rPr lang="ko-KR" altLang="en-US" dirty="0"/>
+              <a:t>품목 하나를 추가함</a:t>
+            </a:r>
+            <a:r>
+              <a:rPr lang="en-US" altLang="ko-KR" dirty="0"/>
+              <a:t>. (body</a:t>
+            </a:r>
+            <a:r>
+              <a:rPr lang="ko-KR" altLang="en-US" dirty="0"/>
+              <a:t>에 데이터 첨부</a:t>
+            </a:r>
+            <a:r>
+              <a:rPr lang="en-US" altLang="ko-KR" dirty="0"/>
+              <a:t>)</a:t>
+            </a:r>
+          </a:p>
+          <a:p>
+            <a:r>
+              <a:rPr lang="en-US" altLang="ko-KR" dirty="0"/>
+              <a:t>(Put) /product : id</a:t>
+            </a:r>
+            <a:r>
+              <a:rPr lang="ko-KR" altLang="en-US" dirty="0"/>
+              <a:t>에 해당하는</a:t>
+            </a:r>
+            <a:r>
+              <a:rPr lang="en-US" altLang="ko-KR" dirty="0"/>
+              <a:t>, </a:t>
+            </a:r>
+            <a:r>
+              <a:rPr lang="ko-KR" altLang="en-US" dirty="0"/>
+              <a:t>품목 수정 </a:t>
+            </a:r>
+            <a:r>
+              <a:rPr lang="en-US" altLang="ko-KR" dirty="0"/>
+              <a:t>(body</a:t>
+            </a:r>
+            <a:r>
+              <a:rPr lang="ko-KR" altLang="en-US" dirty="0"/>
+              <a:t>에 데이터 첨부</a:t>
+            </a:r>
+            <a:r>
+              <a:rPr lang="en-US" altLang="ko-KR" dirty="0"/>
+              <a:t>)</a:t>
+            </a:r>
+          </a:p>
+          <a:p>
+            <a:r>
+              <a:rPr lang="en-US" altLang="ko-KR" dirty="0"/>
+              <a:t>(Delete) /product/{id} : id</a:t>
+            </a:r>
+            <a:r>
+              <a:rPr lang="ko-KR" altLang="en-US" dirty="0"/>
+              <a:t>에 해당하는</a:t>
+            </a:r>
+            <a:r>
+              <a:rPr lang="en-US" altLang="ko-KR" dirty="0"/>
+              <a:t>, </a:t>
+            </a:r>
+            <a:r>
+              <a:rPr lang="ko-KR" altLang="en-US" dirty="0"/>
+              <a:t>품목 삭제 </a:t>
+            </a:r>
+            <a:r>
+              <a:rPr lang="en-US" altLang="ko-KR" dirty="0"/>
+              <a:t>(</a:t>
+            </a:r>
+            <a:r>
+              <a:rPr lang="ko-KR" altLang="en-US" dirty="0"/>
+              <a:t>경로에 </a:t>
             </a:r>
             <a:r>
               <a:rPr lang="en-US" altLang="ko-KR" dirty="0" err="1"/>
-              <a:t>bom</a:t>
-            </a:r>
-            <a:r>
-              <a:rPr lang="en-US" altLang="ko-KR" dirty="0"/>
-              <a:t> : </a:t>
-            </a:r>
-            <a:r>
-              <a:rPr lang="ko-KR" altLang="en-US" dirty="0"/>
-              <a:t>모든 </a:t>
-            </a:r>
-            <a:r>
-              <a:rPr lang="en-US" altLang="ko-KR" dirty="0" err="1"/>
-              <a:t>bom</a:t>
-            </a:r>
-            <a:r>
-              <a:rPr lang="ko-KR" altLang="en-US" dirty="0"/>
-              <a:t>을 가져옵니다</a:t>
-            </a:r>
-            <a:r>
-              <a:rPr lang="en-US" altLang="ko-KR" dirty="0"/>
-              <a:t>.</a:t>
-            </a:r>
-          </a:p>
-          <a:p>
-            <a:r>
-              <a:rPr lang="en-US" altLang="ko-KR" dirty="0"/>
-              <a:t>(Get) /</a:t>
-            </a:r>
-            <a:r>
-              <a:rPr lang="en-US" altLang="ko-KR" dirty="0" err="1"/>
-              <a:t>bom</a:t>
-            </a:r>
-            <a:r>
-              <a:rPr lang="en-US" altLang="ko-KR" dirty="0"/>
-              <a:t>/{id} : </a:t>
-            </a:r>
-            <a:r>
-              <a:rPr lang="ko-KR" altLang="en-US" dirty="0"/>
-              <a:t>해당 </a:t>
-            </a:r>
-            <a:r>
-              <a:rPr lang="en-US" altLang="ko-KR" dirty="0" err="1"/>
-              <a:t>bom</a:t>
-            </a:r>
-            <a:r>
-              <a:rPr lang="ko-KR" altLang="en-US" dirty="0"/>
-              <a:t>을 상세계층을 반환합니다</a:t>
-            </a:r>
-            <a:r>
-              <a:rPr lang="en-US" altLang="ko-KR" dirty="0"/>
-              <a:t>.</a:t>
-            </a:r>
-          </a:p>
-          <a:p>
-            <a:r>
-              <a:rPr lang="en-US" altLang="ko-KR" dirty="0"/>
-              <a:t>(Post) /</a:t>
-            </a:r>
-            <a:r>
-              <a:rPr lang="en-US" altLang="ko-KR" dirty="0" err="1"/>
-              <a:t>bom</a:t>
-            </a:r>
-            <a:r>
-              <a:rPr lang="en-US" altLang="ko-KR" dirty="0"/>
-              <a:t> : </a:t>
-            </a:r>
-            <a:r>
-              <a:rPr lang="en-US" altLang="ko-KR" dirty="0" err="1"/>
-              <a:t>bom</a:t>
-            </a:r>
-            <a:r>
-              <a:rPr lang="ko-KR" altLang="en-US" dirty="0"/>
-              <a:t>을 추가합니다</a:t>
-            </a:r>
-            <a:r>
-              <a:rPr lang="en-US" altLang="ko-KR" dirty="0"/>
-              <a:t>. (</a:t>
-            </a:r>
-            <a:r>
-              <a:rPr lang="ko-KR" altLang="en-US" dirty="0" err="1"/>
-              <a:t>순환참조</a:t>
-            </a:r>
-            <a:r>
-              <a:rPr lang="ko-KR" altLang="en-US" dirty="0"/>
-              <a:t> 체크 필수</a:t>
-            </a:r>
-            <a:r>
-              <a:rPr lang="en-US" altLang="ko-KR" dirty="0"/>
-              <a:t>!)</a:t>
-            </a:r>
-          </a:p>
-          <a:p>
-            <a:r>
-              <a:rPr lang="en-US" altLang="ko-KR" dirty="0"/>
-              <a:t>(Delete) /node/{bid}</a:t>
-            </a:r>
-            <a:r>
-              <a:rPr lang="ko-KR" altLang="en-US" dirty="0"/>
-              <a:t> </a:t>
-            </a:r>
-            <a:r>
-              <a:rPr lang="en-US" altLang="ko-KR" dirty="0"/>
-              <a:t>: bid</a:t>
-            </a:r>
-            <a:r>
-              <a:rPr lang="ko-KR" altLang="en-US" dirty="0"/>
-              <a:t>에 해당되는 </a:t>
-            </a:r>
-            <a:r>
-              <a:rPr lang="en-US" altLang="ko-KR" dirty="0"/>
-              <a:t>BOM node</a:t>
-            </a:r>
-            <a:r>
-              <a:rPr lang="ko-KR" altLang="en-US" dirty="0"/>
-              <a:t>를 제거합니다</a:t>
-            </a:r>
-            <a:r>
-              <a:rPr lang="en-US" altLang="ko-KR" dirty="0"/>
-              <a:t>.</a:t>
-            </a:r>
-          </a:p>
-          <a:p>
-            <a:r>
-              <a:rPr lang="en-US" altLang="ko-KR" dirty="0"/>
-              <a:t>(Delete) /tree/{</a:t>
-            </a:r>
-            <a:r>
-              <a:rPr lang="en-US" altLang="ko-KR" dirty="0" err="1"/>
-              <a:t>pid</a:t>
-            </a:r>
-            <a:r>
-              <a:rPr lang="en-US" altLang="ko-KR" dirty="0"/>
-              <a:t>} : </a:t>
-            </a:r>
-            <a:r>
-              <a:rPr lang="en-US" altLang="ko-KR" dirty="0" err="1"/>
-              <a:t>pid</a:t>
-            </a:r>
-            <a:r>
-              <a:rPr lang="ko-KR" altLang="en-US" dirty="0"/>
-              <a:t>와 연관된 모든 </a:t>
-            </a:r>
-            <a:r>
-              <a:rPr lang="en-US" altLang="ko-KR" dirty="0"/>
-              <a:t>Tree</a:t>
-            </a:r>
-            <a:r>
-              <a:rPr lang="ko-KR" altLang="en-US" dirty="0"/>
-              <a:t>를 제거합니다</a:t>
-            </a:r>
-            <a:r>
-              <a:rPr lang="en-US" altLang="ko-KR" dirty="0"/>
-              <a:t>. (BOM</a:t>
-            </a:r>
-            <a:r>
-              <a:rPr lang="ko-KR" altLang="en-US" dirty="0"/>
-              <a:t>자체를 제거할 때 사용</a:t>
+              <a:t>PathVariable</a:t>
+            </a:r>
+            <a:r>
+              <a:rPr lang="ko-KR" altLang="en-US" dirty="0"/>
+              <a:t>첨부</a:t>
             </a:r>
             <a:r>
               <a:rPr lang="en-US" altLang="ko-KR" dirty="0"/>
               <a:t>)</a:t>
             </a:r>
+            <a:endParaRPr lang="ko-KR" altLang="en-US" dirty="0"/>
           </a:p>
         </p:txBody>
       </p:sp>
     </p:spTree>
     <p:extLst>
       <p:ext uri="{BB962C8B-B14F-4D97-AF65-F5344CB8AC3E}">
-        <p14:creationId xmlns:p14="http://schemas.microsoft.com/office/powerpoint/2010/main" val="769828055"/>
+        <p14:creationId xmlns:p14="http://schemas.microsoft.com/office/powerpoint/2010/main" val="3760140862"/>
       </p:ext>
     </p:extLst>
   </p:cSld>
@@ -7302,7 +7936,7 @@
           <p:cNvPr id="2" name="제목 1">
             <a:extLst>
               <a:ext uri="{FF2B5EF4-FFF2-40B4-BE49-F238E27FC236}">
-                <a16:creationId xmlns:a16="http://schemas.microsoft.com/office/drawing/2014/main" id="{4D2C8719-08BA-7B57-1AA9-3C615BCF204B}"/>
+                <a16:creationId xmlns:a16="http://schemas.microsoft.com/office/drawing/2014/main" id="{C9453D6E-1F2F-2B7D-5E71-FAB5BCDE5A15}"/>
               </a:ext>
             </a:extLst>
           </p:cNvPr>
@@ -7328,7 +7962,7 @@
             </a:r>
             <a:r>
               <a:rPr lang="ko-KR" altLang="en-US" dirty="0"/>
-              <a:t>제약조건</a:t>
+              <a:t>제작</a:t>
             </a:r>
             <a:r>
               <a:rPr lang="en-US" altLang="ko-KR" dirty="0"/>
@@ -7343,7 +7977,7 @@
           <p:cNvPr id="3" name="내용 개체 틀 2">
             <a:extLst>
               <a:ext uri="{FF2B5EF4-FFF2-40B4-BE49-F238E27FC236}">
-                <a16:creationId xmlns:a16="http://schemas.microsoft.com/office/drawing/2014/main" id="{F4124A7D-1B4D-875D-FC10-DAA012F71E1F}"/>
+                <a16:creationId xmlns:a16="http://schemas.microsoft.com/office/drawing/2014/main" id="{A1DFC714-0E8C-DBAE-121C-2B1ACED5CDE7}"/>
               </a:ext>
             </a:extLst>
           </p:cNvPr>
@@ -7361,39 +7995,37 @@
           <a:p>
             <a:r>
               <a:rPr lang="ko-KR" altLang="en-US" dirty="0"/>
-              <a:t>최하단 </a:t>
-            </a:r>
+              <a:t>출고 시</a:t>
+            </a:r>
+            <a:r>
+              <a:rPr lang="en-US" altLang="ko-KR" dirty="0"/>
+              <a:t>, </a:t>
+            </a:r>
+            <a:r>
+              <a:rPr lang="ko-KR" altLang="en-US" dirty="0"/>
+              <a:t>품목 자체를 빼는 것이 아닌</a:t>
+            </a:r>
+            <a:r>
+              <a:rPr lang="en-US" altLang="ko-KR" dirty="0"/>
+              <a:t>, </a:t>
+            </a:r>
+            <a:r>
+              <a:rPr lang="ko-KR" altLang="en-US" dirty="0"/>
+              <a:t>품목을 이루는 구성 요소를 연쇄적으로 차감 하고 싶을 때 제작이 가능함</a:t>
+            </a:r>
+            <a:r>
+              <a:rPr lang="en-US" altLang="ko-KR" dirty="0"/>
+              <a:t>.</a:t>
+            </a:r>
+          </a:p>
+          <a:p>
             <a:r>
               <a:rPr lang="en-US" altLang="ko-KR" dirty="0"/>
               <a:t>BOM</a:t>
             </a:r>
             <a:r>
               <a:rPr lang="ko-KR" altLang="en-US" dirty="0"/>
-              <a:t>의 값은 반드시 </a:t>
-            </a:r>
-            <a:r>
-              <a:rPr lang="en-US" altLang="ko-KR" dirty="0"/>
-              <a:t>(</a:t>
-            </a:r>
-            <a:r>
-              <a:rPr lang="ko-KR" altLang="en-US" dirty="0"/>
-              <a:t>자식 품목</a:t>
-            </a:r>
-            <a:r>
-              <a:rPr lang="en-US" altLang="ko-KR" dirty="0"/>
-              <a:t>ID not in </a:t>
-            </a:r>
-            <a:r>
-              <a:rPr lang="ko-KR" altLang="en-US" dirty="0"/>
-              <a:t>부모 품목 </a:t>
-            </a:r>
-            <a:r>
-              <a:rPr lang="en-US" altLang="ko-KR" dirty="0"/>
-              <a:t>ID)</a:t>
-            </a:r>
-            <a:r>
-              <a:rPr lang="ko-KR" altLang="en-US" dirty="0"/>
-              <a:t>를 만족합니다</a:t>
+              <a:t>생성 페이지 제작</a:t>
             </a:r>
             <a:r>
               <a:rPr lang="en-US" altLang="ko-KR" dirty="0"/>
@@ -7402,121 +8034,16 @@
           </a:p>
           <a:p>
             <a:r>
-              <a:rPr lang="en-US" altLang="ko-KR" dirty="0"/>
-              <a:t>BOM</a:t>
-            </a:r>
-            <a:r>
-              <a:rPr lang="ko-KR" altLang="en-US" dirty="0"/>
-              <a:t>정전개시에 자식이 부모를 다시 </a:t>
-            </a:r>
-            <a:r>
-              <a:rPr lang="ko-KR" altLang="en-US" dirty="0" err="1"/>
-              <a:t>재참조하는</a:t>
-            </a:r>
-            <a:r>
-              <a:rPr lang="ko-KR" altLang="en-US" dirty="0"/>
-              <a:t> </a:t>
-            </a:r>
-            <a:r>
-              <a:rPr lang="ko-KR" altLang="en-US" dirty="0" err="1"/>
-              <a:t>순환참조가</a:t>
-            </a:r>
-            <a:r>
-              <a:rPr lang="ko-KR" altLang="en-US" dirty="0"/>
-              <a:t> 일어나지 않습니다</a:t>
-            </a:r>
-            <a:r>
-              <a:rPr lang="en-US" altLang="ko-KR" dirty="0"/>
-              <a:t>.</a:t>
-            </a:r>
-          </a:p>
-          <a:p>
-            <a:endParaRPr lang="en-US" altLang="ko-KR" dirty="0"/>
-          </a:p>
-          <a:p>
-            <a:r>
-              <a:rPr lang="en-US" altLang="ko-KR" dirty="0"/>
-              <a:t>ex) (1, 2) =&gt; (2, 3) =&gt; (3, 4) =&gt; (4, 2)X</a:t>
-            </a:r>
-          </a:p>
-          <a:p>
-            <a:r>
-              <a:rPr lang="ko-KR" altLang="en-US" dirty="0"/>
-              <a:t>위와 같은 경우면</a:t>
-            </a:r>
-            <a:r>
-              <a:rPr lang="en-US" altLang="ko-KR" dirty="0"/>
-              <a:t>, </a:t>
-            </a:r>
-            <a:r>
-              <a:rPr lang="ko-KR" altLang="en-US" dirty="0"/>
-              <a:t>마지막에 </a:t>
-            </a:r>
-            <a:r>
-              <a:rPr lang="en-US" altLang="ko-KR" dirty="0"/>
-              <a:t>4</a:t>
-            </a:r>
-            <a:r>
-              <a:rPr lang="ko-KR" altLang="en-US" dirty="0"/>
-              <a:t>번품목이 부모를 </a:t>
-            </a:r>
-            <a:r>
-              <a:rPr lang="ko-KR" altLang="en-US" dirty="0" err="1"/>
-              <a:t>재참조하여</a:t>
-            </a:r>
-            <a:r>
-              <a:rPr lang="en-US" altLang="ko-KR" dirty="0"/>
-              <a:t>, </a:t>
-            </a:r>
-            <a:r>
-              <a:rPr lang="ko-KR" altLang="en-US" dirty="0" err="1"/>
-              <a:t>순환참조가</a:t>
-            </a:r>
-            <a:r>
-              <a:rPr lang="ko-KR" altLang="en-US" dirty="0"/>
-              <a:t> 발생합니다</a:t>
-            </a:r>
-            <a:r>
-              <a:rPr lang="en-US" altLang="ko-KR" dirty="0"/>
-              <a:t>. </a:t>
-            </a:r>
-            <a:r>
-              <a:rPr lang="ko-KR" altLang="en-US" dirty="0"/>
-              <a:t>이를 반드시 막도록 합니다</a:t>
-            </a:r>
-            <a:r>
-              <a:rPr lang="en-US" altLang="ko-KR" dirty="0"/>
-              <a:t>.</a:t>
-            </a:r>
-          </a:p>
-          <a:p>
-            <a:r>
-              <a:rPr lang="ko-KR" altLang="en-US" dirty="0"/>
-              <a:t>이를 위해</a:t>
-            </a:r>
-            <a:r>
-              <a:rPr lang="en-US" altLang="ko-KR" dirty="0"/>
-              <a:t>, BOM</a:t>
-            </a:r>
-            <a:r>
-              <a:rPr lang="ko-KR" altLang="en-US" dirty="0"/>
-              <a:t>이 추가되면</a:t>
-            </a:r>
-            <a:r>
-              <a:rPr lang="en-US" altLang="ko-KR" dirty="0"/>
-              <a:t>, </a:t>
-            </a:r>
-            <a:r>
-              <a:rPr lang="ko-KR" altLang="en-US" dirty="0"/>
-              <a:t>재귀호출로 </a:t>
-            </a:r>
-            <a:r>
-              <a:rPr lang="ko-KR" altLang="en-US" dirty="0" err="1"/>
-              <a:t>순환참조를</a:t>
-            </a:r>
-            <a:r>
-              <a:rPr lang="ko-KR" altLang="en-US" dirty="0"/>
-              <a:t> 확인합니다</a:t>
+              <a:rPr lang="ko-KR" altLang="en-US" dirty="0"/>
+              <a:t>무한 순환 참조가 일어나지 않도록 </a:t>
+            </a:r>
+            <a:r>
+              <a:rPr lang="en-US" altLang="ko-KR" dirty="0"/>
+              <a:t>cycle</a:t>
+            </a:r>
+            <a:r>
+              <a:rPr lang="ko-KR" altLang="en-US" dirty="0"/>
+              <a:t>체크가 필수임</a:t>
             </a:r>
             <a:r>
               <a:rPr lang="en-US" altLang="ko-KR" dirty="0"/>
@@ -7528,7 +8055,7 @@
     </p:spTree>
     <p:extLst>
       <p:ext uri="{BB962C8B-B14F-4D97-AF65-F5344CB8AC3E}">
-        <p14:creationId xmlns:p14="http://schemas.microsoft.com/office/powerpoint/2010/main" val="1441371018"/>
+        <p14:creationId xmlns:p14="http://schemas.microsoft.com/office/powerpoint/2010/main" val="2389051990"/>
       </p:ext>
     </p:extLst>
   </p:cSld>
@@ -7688,6 +8215,527 @@
           <p:cNvPr id="2" name="제목 1">
             <a:extLst>
               <a:ext uri="{FF2B5EF4-FFF2-40B4-BE49-F238E27FC236}">
+                <a16:creationId xmlns:a16="http://schemas.microsoft.com/office/drawing/2014/main" id="{AD3B8A92-0DD8-C015-4E1F-6AED3F376449}"/>
+              </a:ext>
+            </a:extLst>
+          </p:cNvPr>
+          <p:cNvSpPr>
+            <a:spLocks noGrp="1"/>
+          </p:cNvSpPr>
+          <p:nvPr>
+            <p:ph type="title"/>
+          </p:nvPr>
+        </p:nvSpPr>
+        <p:spPr/>
+        <p:txBody>
+          <a:bodyPr/>
+          <a:lstStyle/>
+          <a:p>
+            <a:r>
+              <a:rPr lang="ko-KR" altLang="en-US" dirty="0"/>
+              <a:t>구현 내용</a:t>
+            </a:r>
+            <a:r>
+              <a:rPr lang="en-US" altLang="ko-KR" dirty="0"/>
+              <a:t>(BOM </a:t>
+            </a:r>
+            <a:r>
+              <a:rPr lang="en-US" altLang="ko-KR" dirty="0" err="1"/>
+              <a:t>RestAPI</a:t>
+            </a:r>
+            <a:r>
+              <a:rPr lang="en-US" altLang="ko-KR" dirty="0"/>
+              <a:t>)</a:t>
+            </a:r>
+            <a:endParaRPr lang="ko-KR" altLang="en-US" dirty="0"/>
+          </a:p>
+        </p:txBody>
+      </p:sp>
+      <p:sp>
+        <p:nvSpPr>
+          <p:cNvPr id="3" name="내용 개체 틀 2">
+            <a:extLst>
+              <a:ext uri="{FF2B5EF4-FFF2-40B4-BE49-F238E27FC236}">
+                <a16:creationId xmlns:a16="http://schemas.microsoft.com/office/drawing/2014/main" id="{EFB2B4BF-01E6-C5FA-FF24-E08987FCF8F0}"/>
+              </a:ext>
+            </a:extLst>
+          </p:cNvPr>
+          <p:cNvSpPr>
+            <a:spLocks noGrp="1"/>
+          </p:cNvSpPr>
+          <p:nvPr>
+            <p:ph idx="1"/>
+          </p:nvPr>
+        </p:nvSpPr>
+        <p:spPr/>
+        <p:txBody>
+          <a:bodyPr/>
+          <a:lstStyle/>
+          <a:p>
+            <a:r>
+              <a:rPr lang="en-US" altLang="ko-KR" dirty="0"/>
+              <a:t>(Get) /</a:t>
+            </a:r>
+            <a:r>
+              <a:rPr lang="en-US" altLang="ko-KR" dirty="0" err="1"/>
+              <a:t>bom</a:t>
+            </a:r>
+            <a:r>
+              <a:rPr lang="en-US" altLang="ko-KR" dirty="0"/>
+              <a:t> : </a:t>
+            </a:r>
+            <a:r>
+              <a:rPr lang="ko-KR" altLang="en-US" dirty="0"/>
+              <a:t>모든 </a:t>
+            </a:r>
+            <a:r>
+              <a:rPr lang="en-US" altLang="ko-KR" dirty="0" err="1"/>
+              <a:t>bom</a:t>
+            </a:r>
+            <a:r>
+              <a:rPr lang="ko-KR" altLang="en-US" dirty="0"/>
+              <a:t>을 가져옵니다</a:t>
+            </a:r>
+            <a:r>
+              <a:rPr lang="en-US" altLang="ko-KR" dirty="0"/>
+              <a:t>.</a:t>
+            </a:r>
+          </a:p>
+          <a:p>
+            <a:r>
+              <a:rPr lang="en-US" altLang="ko-KR" dirty="0"/>
+              <a:t>(Get) /</a:t>
+            </a:r>
+            <a:r>
+              <a:rPr lang="en-US" altLang="ko-KR" dirty="0" err="1"/>
+              <a:t>bom</a:t>
+            </a:r>
+            <a:r>
+              <a:rPr lang="en-US" altLang="ko-KR" dirty="0"/>
+              <a:t>/{id} : </a:t>
+            </a:r>
+            <a:r>
+              <a:rPr lang="ko-KR" altLang="en-US" dirty="0"/>
+              <a:t>해당 </a:t>
+            </a:r>
+            <a:r>
+              <a:rPr lang="en-US" altLang="ko-KR" dirty="0" err="1"/>
+              <a:t>bom</a:t>
+            </a:r>
+            <a:r>
+              <a:rPr lang="ko-KR" altLang="en-US" dirty="0"/>
+              <a:t>을 상세계층을 반환합니다</a:t>
+            </a:r>
+            <a:r>
+              <a:rPr lang="en-US" altLang="ko-KR" dirty="0"/>
+              <a:t>.</a:t>
+            </a:r>
+          </a:p>
+          <a:p>
+            <a:r>
+              <a:rPr lang="en-US" altLang="ko-KR" dirty="0"/>
+              <a:t>(Post) /</a:t>
+            </a:r>
+            <a:r>
+              <a:rPr lang="en-US" altLang="ko-KR" dirty="0" err="1"/>
+              <a:t>bom</a:t>
+            </a:r>
+            <a:r>
+              <a:rPr lang="en-US" altLang="ko-KR" dirty="0"/>
+              <a:t> : </a:t>
+            </a:r>
+            <a:r>
+              <a:rPr lang="en-US" altLang="ko-KR" dirty="0" err="1"/>
+              <a:t>bom</a:t>
+            </a:r>
+            <a:r>
+              <a:rPr lang="ko-KR" altLang="en-US" dirty="0"/>
+              <a:t>을 추가합니다</a:t>
+            </a:r>
+            <a:r>
+              <a:rPr lang="en-US" altLang="ko-KR" dirty="0"/>
+              <a:t>. (</a:t>
+            </a:r>
+            <a:r>
+              <a:rPr lang="ko-KR" altLang="en-US" dirty="0" err="1"/>
+              <a:t>순환참조</a:t>
+            </a:r>
+            <a:r>
+              <a:rPr lang="ko-KR" altLang="en-US" dirty="0"/>
+              <a:t> 체크 필수</a:t>
+            </a:r>
+            <a:r>
+              <a:rPr lang="en-US" altLang="ko-KR" dirty="0"/>
+              <a:t>!)</a:t>
+            </a:r>
+          </a:p>
+          <a:p>
+            <a:r>
+              <a:rPr lang="en-US" altLang="ko-KR" dirty="0"/>
+              <a:t>(Delete) /node/{bid}</a:t>
+            </a:r>
+            <a:r>
+              <a:rPr lang="ko-KR" altLang="en-US" dirty="0"/>
+              <a:t> </a:t>
+            </a:r>
+            <a:r>
+              <a:rPr lang="en-US" altLang="ko-KR" dirty="0"/>
+              <a:t>: bid</a:t>
+            </a:r>
+            <a:r>
+              <a:rPr lang="ko-KR" altLang="en-US" dirty="0"/>
+              <a:t>에 해당되는 </a:t>
+            </a:r>
+            <a:r>
+              <a:rPr lang="en-US" altLang="ko-KR" dirty="0"/>
+              <a:t>BOM node</a:t>
+            </a:r>
+            <a:r>
+              <a:rPr lang="ko-KR" altLang="en-US" dirty="0"/>
+              <a:t>를 제거합니다</a:t>
+            </a:r>
+            <a:r>
+              <a:rPr lang="en-US" altLang="ko-KR" dirty="0"/>
+              <a:t>.</a:t>
+            </a:r>
+          </a:p>
+          <a:p>
+            <a:r>
+              <a:rPr lang="en-US" altLang="ko-KR" dirty="0"/>
+              <a:t>(Delete) /tree/{</a:t>
+            </a:r>
+            <a:r>
+              <a:rPr lang="en-US" altLang="ko-KR" dirty="0" err="1"/>
+              <a:t>pid</a:t>
+            </a:r>
+            <a:r>
+              <a:rPr lang="en-US" altLang="ko-KR" dirty="0"/>
+              <a:t>} : </a:t>
+            </a:r>
+            <a:r>
+              <a:rPr lang="en-US" altLang="ko-KR" dirty="0" err="1"/>
+              <a:t>pid</a:t>
+            </a:r>
+            <a:r>
+              <a:rPr lang="ko-KR" altLang="en-US" dirty="0"/>
+              <a:t>와 연관된 모든 </a:t>
+            </a:r>
+            <a:r>
+              <a:rPr lang="en-US" altLang="ko-KR" dirty="0"/>
+              <a:t>Tree</a:t>
+            </a:r>
+            <a:r>
+              <a:rPr lang="ko-KR" altLang="en-US" dirty="0"/>
+              <a:t>를 제거합니다</a:t>
+            </a:r>
+            <a:r>
+              <a:rPr lang="en-US" altLang="ko-KR" dirty="0"/>
+              <a:t>. (BOM</a:t>
+            </a:r>
+            <a:r>
+              <a:rPr lang="ko-KR" altLang="en-US" dirty="0"/>
+              <a:t>자체를 제거할 때 사용</a:t>
+            </a:r>
+            <a:r>
+              <a:rPr lang="en-US" altLang="ko-KR" dirty="0"/>
+              <a:t>)</a:t>
+            </a:r>
+          </a:p>
+        </p:txBody>
+      </p:sp>
+    </p:spTree>
+    <p:extLst>
+      <p:ext uri="{BB962C8B-B14F-4D97-AF65-F5344CB8AC3E}">
+        <p14:creationId xmlns:p14="http://schemas.microsoft.com/office/powerpoint/2010/main" val="769828055"/>
+      </p:ext>
+    </p:extLst>
+  </p:cSld>
+  <p:clrMapOvr>
+    <a:masterClrMapping/>
+  </p:clrMapOvr>
+</p:sld>
+</file>
+
+<file path=ppt/slides/slide21.xml><?xml version="1.0" encoding="utf-8"?>
+<p:sld xmlns:a="http://schemas.openxmlformats.org/drawingml/2006/main" xmlns:r="http://schemas.openxmlformats.org/officeDocument/2006/relationships" xmlns:p="http://schemas.openxmlformats.org/presentationml/2006/main">
+  <p:cSld>
+    <p:spTree>
+      <p:nvGrpSpPr>
+        <p:cNvPr id="1" name=""/>
+        <p:cNvGrpSpPr/>
+        <p:nvPr/>
+      </p:nvGrpSpPr>
+      <p:grpSpPr>
+        <a:xfrm>
+          <a:off x="0" y="0"/>
+          <a:ext cx="0" cy="0"/>
+          <a:chOff x="0" y="0"/>
+          <a:chExt cx="0" cy="0"/>
+        </a:xfrm>
+      </p:grpSpPr>
+      <p:sp>
+        <p:nvSpPr>
+          <p:cNvPr id="2" name="제목 1">
+            <a:extLst>
+              <a:ext uri="{FF2B5EF4-FFF2-40B4-BE49-F238E27FC236}">
+                <a16:creationId xmlns:a16="http://schemas.microsoft.com/office/drawing/2014/main" id="{4D2C8719-08BA-7B57-1AA9-3C615BCF204B}"/>
+              </a:ext>
+            </a:extLst>
+          </p:cNvPr>
+          <p:cNvSpPr>
+            <a:spLocks noGrp="1"/>
+          </p:cNvSpPr>
+          <p:nvPr>
+            <p:ph type="title"/>
+          </p:nvPr>
+        </p:nvSpPr>
+        <p:spPr/>
+        <p:txBody>
+          <a:bodyPr/>
+          <a:lstStyle/>
+          <a:p>
+            <a:r>
+              <a:rPr lang="ko-KR" altLang="en-US" dirty="0"/>
+              <a:t>구현 내용</a:t>
+            </a:r>
+            <a:r>
+              <a:rPr lang="en-US" altLang="ko-KR" dirty="0"/>
+              <a:t>(BOM </a:t>
+            </a:r>
+            <a:r>
+              <a:rPr lang="ko-KR" altLang="en-US" dirty="0"/>
+              <a:t>제약조건</a:t>
+            </a:r>
+            <a:r>
+              <a:rPr lang="en-US" altLang="ko-KR" dirty="0"/>
+              <a:t>)</a:t>
+            </a:r>
+            <a:endParaRPr lang="ko-KR" altLang="en-US" dirty="0"/>
+          </a:p>
+        </p:txBody>
+      </p:sp>
+      <p:sp>
+        <p:nvSpPr>
+          <p:cNvPr id="3" name="내용 개체 틀 2">
+            <a:extLst>
+              <a:ext uri="{FF2B5EF4-FFF2-40B4-BE49-F238E27FC236}">
+                <a16:creationId xmlns:a16="http://schemas.microsoft.com/office/drawing/2014/main" id="{F4124A7D-1B4D-875D-FC10-DAA012F71E1F}"/>
+              </a:ext>
+            </a:extLst>
+          </p:cNvPr>
+          <p:cNvSpPr>
+            <a:spLocks noGrp="1"/>
+          </p:cNvSpPr>
+          <p:nvPr>
+            <p:ph idx="1"/>
+          </p:nvPr>
+        </p:nvSpPr>
+        <p:spPr/>
+        <p:txBody>
+          <a:bodyPr/>
+          <a:lstStyle/>
+          <a:p>
+            <a:r>
+              <a:rPr lang="ko-KR" altLang="en-US" dirty="0"/>
+              <a:t>최하단 </a:t>
+            </a:r>
+            <a:r>
+              <a:rPr lang="en-US" altLang="ko-KR" dirty="0"/>
+              <a:t>BOM</a:t>
+            </a:r>
+            <a:r>
+              <a:rPr lang="ko-KR" altLang="en-US" dirty="0"/>
+              <a:t>의 값은 반드시 </a:t>
+            </a:r>
+            <a:r>
+              <a:rPr lang="en-US" altLang="ko-KR" dirty="0"/>
+              <a:t>(</a:t>
+            </a:r>
+            <a:r>
+              <a:rPr lang="ko-KR" altLang="en-US" dirty="0"/>
+              <a:t>자식 품목</a:t>
+            </a:r>
+            <a:r>
+              <a:rPr lang="en-US" altLang="ko-KR" dirty="0"/>
+              <a:t>ID not in </a:t>
+            </a:r>
+            <a:r>
+              <a:rPr lang="ko-KR" altLang="en-US" dirty="0"/>
+              <a:t>부모 품목 </a:t>
+            </a:r>
+            <a:r>
+              <a:rPr lang="en-US" altLang="ko-KR" dirty="0"/>
+              <a:t>ID)</a:t>
+            </a:r>
+            <a:r>
+              <a:rPr lang="ko-KR" altLang="en-US" dirty="0"/>
+              <a:t>를 만족합니다</a:t>
+            </a:r>
+            <a:r>
+              <a:rPr lang="en-US" altLang="ko-KR" dirty="0"/>
+              <a:t>.</a:t>
+            </a:r>
+          </a:p>
+          <a:p>
+            <a:r>
+              <a:rPr lang="en-US" altLang="ko-KR" dirty="0"/>
+              <a:t>BOM</a:t>
+            </a:r>
+            <a:r>
+              <a:rPr lang="ko-KR" altLang="en-US" dirty="0"/>
+              <a:t>정전개시에 자식이 부모를 다시 </a:t>
+            </a:r>
+            <a:r>
+              <a:rPr lang="ko-KR" altLang="en-US" dirty="0" err="1"/>
+              <a:t>재참조하는</a:t>
+            </a:r>
+            <a:r>
+              <a:rPr lang="ko-KR" altLang="en-US" dirty="0"/>
+              <a:t> </a:t>
+            </a:r>
+            <a:r>
+              <a:rPr lang="ko-KR" altLang="en-US" dirty="0" err="1"/>
+              <a:t>순환참조가</a:t>
+            </a:r>
+            <a:r>
+              <a:rPr lang="ko-KR" altLang="en-US" dirty="0"/>
+              <a:t> 일어나지 않습니다</a:t>
+            </a:r>
+            <a:r>
+              <a:rPr lang="en-US" altLang="ko-KR" dirty="0"/>
+              <a:t>.</a:t>
+            </a:r>
+          </a:p>
+          <a:p>
+            <a:endParaRPr lang="en-US" altLang="ko-KR" dirty="0"/>
+          </a:p>
+          <a:p>
+            <a:r>
+              <a:rPr lang="en-US" altLang="ko-KR" dirty="0"/>
+              <a:t>ex) (1, 2) =&gt; (2, 3) =&gt; (3, 4) =&gt; (4, 2)X</a:t>
+            </a:r>
+          </a:p>
+          <a:p>
+            <a:r>
+              <a:rPr lang="ko-KR" altLang="en-US" dirty="0"/>
+              <a:t>위와 같은 경우면</a:t>
+            </a:r>
+            <a:r>
+              <a:rPr lang="en-US" altLang="ko-KR" dirty="0"/>
+              <a:t>, </a:t>
+            </a:r>
+            <a:r>
+              <a:rPr lang="ko-KR" altLang="en-US" dirty="0"/>
+              <a:t>마지막에 </a:t>
+            </a:r>
+            <a:r>
+              <a:rPr lang="en-US" altLang="ko-KR" dirty="0"/>
+              <a:t>4</a:t>
+            </a:r>
+            <a:r>
+              <a:rPr lang="ko-KR" altLang="en-US" dirty="0"/>
+              <a:t>번품목이 부모를 </a:t>
+            </a:r>
+            <a:r>
+              <a:rPr lang="ko-KR" altLang="en-US" dirty="0" err="1"/>
+              <a:t>재참조하여</a:t>
+            </a:r>
+            <a:r>
+              <a:rPr lang="en-US" altLang="ko-KR" dirty="0"/>
+              <a:t>, </a:t>
+            </a:r>
+            <a:r>
+              <a:rPr lang="ko-KR" altLang="en-US" dirty="0" err="1"/>
+              <a:t>순환참조가</a:t>
+            </a:r>
+            <a:r>
+              <a:rPr lang="ko-KR" altLang="en-US" dirty="0"/>
+              <a:t> 발생합니다</a:t>
+            </a:r>
+            <a:r>
+              <a:rPr lang="en-US" altLang="ko-KR" dirty="0"/>
+              <a:t>. </a:t>
+            </a:r>
+            <a:r>
+              <a:rPr lang="ko-KR" altLang="en-US" dirty="0"/>
+              <a:t>이를 반드시 막도록 합니다</a:t>
+            </a:r>
+            <a:r>
+              <a:rPr lang="en-US" altLang="ko-KR" dirty="0"/>
+              <a:t>.</a:t>
+            </a:r>
+          </a:p>
+          <a:p>
+            <a:r>
+              <a:rPr lang="ko-KR" altLang="en-US" dirty="0"/>
+              <a:t>이를 위해</a:t>
+            </a:r>
+            <a:r>
+              <a:rPr lang="en-US" altLang="ko-KR" dirty="0"/>
+              <a:t>, BOM</a:t>
+            </a:r>
+            <a:r>
+              <a:rPr lang="ko-KR" altLang="en-US" dirty="0"/>
+              <a:t>이 추가되면</a:t>
+            </a:r>
+            <a:r>
+              <a:rPr lang="en-US" altLang="ko-KR" dirty="0"/>
+              <a:t>, </a:t>
+            </a:r>
+            <a:r>
+              <a:rPr lang="ko-KR" altLang="en-US" dirty="0"/>
+              <a:t>재귀호출로 </a:t>
+            </a:r>
+            <a:r>
+              <a:rPr lang="ko-KR" altLang="en-US" dirty="0" err="1"/>
+              <a:t>순환참조를</a:t>
+            </a:r>
+            <a:r>
+              <a:rPr lang="ko-KR" altLang="en-US" dirty="0"/>
+              <a:t> 확인합니다</a:t>
+            </a:r>
+            <a:r>
+              <a:rPr lang="en-US" altLang="ko-KR" dirty="0"/>
+              <a:t>.</a:t>
+            </a:r>
+          </a:p>
+        </p:txBody>
+      </p:sp>
+    </p:spTree>
+    <p:extLst>
+      <p:ext uri="{BB962C8B-B14F-4D97-AF65-F5344CB8AC3E}">
+        <p14:creationId xmlns:p14="http://schemas.microsoft.com/office/powerpoint/2010/main" val="1441371018"/>
+      </p:ext>
+    </p:extLst>
+  </p:cSld>
+  <p:clrMapOvr>
+    <a:masterClrMapping/>
+  </p:clrMapOvr>
+</p:sld>
+</file>
+
+<file path=ppt/slides/slide22.xml><?xml version="1.0" encoding="utf-8"?>
+<p:sld xmlns:a="http://schemas.openxmlformats.org/drawingml/2006/main" xmlns:r="http://schemas.openxmlformats.org/officeDocument/2006/relationships" xmlns:p="http://schemas.openxmlformats.org/presentationml/2006/main">
+  <p:cSld>
+    <p:spTree>
+      <p:nvGrpSpPr>
+        <p:cNvPr id="1" name=""/>
+        <p:cNvGrpSpPr/>
+        <p:nvPr/>
+      </p:nvGrpSpPr>
+      <p:grpSpPr>
+        <a:xfrm>
+          <a:off x="0" y="0"/>
+          <a:ext cx="0" cy="0"/>
+          <a:chOff x="0" y="0"/>
+          <a:chExt cx="0" cy="0"/>
+        </a:xfrm>
+      </p:grpSpPr>
+      <p:sp>
+        <p:nvSpPr>
+          <p:cNvPr id="2" name="제목 1">
+            <a:extLst>
+              <a:ext uri="{FF2B5EF4-FFF2-40B4-BE49-F238E27FC236}">
                 <a16:creationId xmlns:a16="http://schemas.microsoft.com/office/drawing/2014/main" id="{FD9ABA65-26E7-22FD-794A-83D05F5C63EE}"/>
               </a:ext>
             </a:extLst>
@@ -7847,7 +8895,7 @@
 </p:sld>
 </file>
 
-<file path=ppt/slides/slide21.xml><?xml version="1.0" encoding="utf-8"?>
+<file path=ppt/slides/slide23.xml><?xml version="1.0" encoding="utf-8"?>
 <p:sld xmlns:a="http://schemas.openxmlformats.org/drawingml/2006/main" xmlns:r="http://schemas.openxmlformats.org/officeDocument/2006/relationships" xmlns:p="http://schemas.openxmlformats.org/presentationml/2006/main">
   <p:cSld>
     <p:spTree>
@@ -8884,10 +9932,10 @@
       </p:sp>
       <p:pic>
         <p:nvPicPr>
-          <p:cNvPr id="4" name="그림 3">
+          <p:cNvPr id="5" name="그림 4">
             <a:extLst>
               <a:ext uri="{FF2B5EF4-FFF2-40B4-BE49-F238E27FC236}">
-                <a16:creationId xmlns:a16="http://schemas.microsoft.com/office/drawing/2014/main" id="{5A4B3566-3EF4-375D-9C86-F88A2C99EBF8}"/>
+                <a16:creationId xmlns:a16="http://schemas.microsoft.com/office/drawing/2014/main" id="{82318D47-F1CC-7BC6-1378-B5ACDE70748B}"/>
               </a:ext>
             </a:extLst>
           </p:cNvPr>
@@ -8904,21 +9952,23 @@
         </p:blipFill>
         <p:spPr>
           <a:xfrm>
-            <a:off x="1929190" y="1592648"/>
-            <a:ext cx="7882075" cy="4619138"/>
+            <a:off x="2252378" y="1622279"/>
+            <a:ext cx="8011968" cy="4788533"/>
           </a:xfrm>
-          <a:prstGeom prst="rect">
-            <a:avLst/>
+          <a:prstGeom prst="round2DiagRect">
+            <a:avLst>
+              <a:gd name="adj1" fmla="val 16667"/>
+              <a:gd name="adj2" fmla="val 0"/>
+            </a:avLst>
           </a:prstGeom>
-          <a:ln w="38100" cap="sq">
+          <a:ln w="88900" cap="sq">
             <a:solidFill>
-              <a:srgbClr val="000000"/>
+              <a:srgbClr val="FFFFFF"/>
             </a:solidFill>
-            <a:prstDash val="solid"/>
             <a:miter lim="800000"/>
           </a:ln>
           <a:effectLst>
-            <a:outerShdw blurRad="50800" dist="38100" dir="2700000" algn="tl" rotWithShape="0">
+            <a:outerShdw blurRad="254000" algn="tl" rotWithShape="0">
               <a:srgbClr val="000000">
                 <a:alpha val="43000"/>
               </a:srgbClr>
@@ -9619,7 +10669,7 @@
             <a:pPr algn="ctr"/>
             <a:r>
               <a:rPr lang="ko-KR" altLang="en-US" dirty="0"/>
-              <a:t>기능 구현 파트</a:t>
+              <a:t>플로우 차트</a:t>
             </a:r>
           </a:p>
         </p:txBody>
@@ -9652,7 +10702,7 @@
     </p:spTree>
     <p:extLst>
       <p:ext uri="{BB962C8B-B14F-4D97-AF65-F5344CB8AC3E}">
-        <p14:creationId xmlns:p14="http://schemas.microsoft.com/office/powerpoint/2010/main" val="1082148623"/>
+        <p14:creationId xmlns:p14="http://schemas.microsoft.com/office/powerpoint/2010/main" val="3765966897"/>
       </p:ext>
     </p:extLst>
   </p:cSld>
